--- a/Automatic Rhetorical Roles Classification for Legal Documents using.pptx
+++ b/Automatic Rhetorical Roles Classification for Legal Documents using.pptx
@@ -26,6 +26,7 @@
     <p:sldId id="287" r:id="rId20"/>
     <p:sldId id="277" r:id="rId21"/>
     <p:sldId id="278" r:id="rId22"/>
+    <p:sldId id="299" r:id="rId23"/>
   </p:sldIdLst>
   <p:sldSz cx="12192000" cy="6858000"/>
   <p:notesSz cx="6858000" cy="9144000"/>
@@ -124,6 +125,11 @@
       </a:defRPr>
     </a:lvl9pPr>
   </p:defaultTextStyle>
+  <p:extLst>
+    <p:ext uri="{EFAFB233-063F-42B5-8137-9DF3F51BA10A}">
+      <p15:sldGuideLst xmlns:p15="http://schemas.microsoft.com/office/powerpoint/2012/main"/>
+    </p:ext>
+  </p:extLst>
 </p:presentation>
 </file>
 
@@ -4610,6 +4616,753 @@
 </file>
 
 <file path=ppt/diagrams/colors7.xml><?xml version="1.0" encoding="utf-8"?>
+<dgm:colorsDef xmlns:dgm="http://schemas.openxmlformats.org/drawingml/2006/diagram" xmlns:a="http://schemas.openxmlformats.org/drawingml/2006/main" uniqueId="urn:microsoft.com/office/officeart/2005/8/colors/accent1_2">
+  <dgm:title val=""/>
+  <dgm:desc val=""/>
+  <dgm:catLst>
+    <dgm:cat type="accent1" pri="11200"/>
+  </dgm:catLst>
+  <dgm:styleLbl name="node0">
+    <dgm:fillClrLst meth="repeat">
+      <a:schemeClr val="accent1"/>
+    </dgm:fillClrLst>
+    <dgm:linClrLst meth="repeat">
+      <a:schemeClr val="lt1"/>
+    </dgm:linClrLst>
+    <dgm:effectClrLst/>
+    <dgm:txLinClrLst/>
+    <dgm:txFillClrLst/>
+    <dgm:txEffectClrLst/>
+  </dgm:styleLbl>
+  <dgm:styleLbl name="alignNode1">
+    <dgm:fillClrLst meth="repeat">
+      <a:schemeClr val="accent1"/>
+    </dgm:fillClrLst>
+    <dgm:linClrLst meth="repeat">
+      <a:schemeClr val="accent1"/>
+    </dgm:linClrLst>
+    <dgm:effectClrLst/>
+    <dgm:txLinClrLst/>
+    <dgm:txFillClrLst/>
+    <dgm:txEffectClrLst/>
+  </dgm:styleLbl>
+  <dgm:styleLbl name="node1">
+    <dgm:fillClrLst meth="repeat">
+      <a:schemeClr val="accent1"/>
+    </dgm:fillClrLst>
+    <dgm:linClrLst meth="repeat">
+      <a:schemeClr val="lt1"/>
+    </dgm:linClrLst>
+    <dgm:effectClrLst/>
+    <dgm:txLinClrLst/>
+    <dgm:txFillClrLst/>
+    <dgm:txEffectClrLst/>
+  </dgm:styleLbl>
+  <dgm:styleLbl name="lnNode1">
+    <dgm:fillClrLst meth="repeat">
+      <a:schemeClr val="accent1"/>
+    </dgm:fillClrLst>
+    <dgm:linClrLst meth="repeat">
+      <a:schemeClr val="lt1"/>
+    </dgm:linClrLst>
+    <dgm:effectClrLst/>
+    <dgm:txLinClrLst/>
+    <dgm:txFillClrLst/>
+    <dgm:txEffectClrLst/>
+  </dgm:styleLbl>
+  <dgm:styleLbl name="vennNode1">
+    <dgm:fillClrLst meth="repeat">
+      <a:schemeClr val="accent1">
+        <a:alpha val="50000"/>
+      </a:schemeClr>
+    </dgm:fillClrLst>
+    <dgm:linClrLst meth="repeat">
+      <a:schemeClr val="lt1"/>
+    </dgm:linClrLst>
+    <dgm:effectClrLst/>
+    <dgm:txLinClrLst/>
+    <dgm:txFillClrLst/>
+    <dgm:txEffectClrLst/>
+  </dgm:styleLbl>
+  <dgm:styleLbl name="node2">
+    <dgm:fillClrLst meth="repeat">
+      <a:schemeClr val="accent1"/>
+    </dgm:fillClrLst>
+    <dgm:linClrLst meth="repeat">
+      <a:schemeClr val="lt1"/>
+    </dgm:linClrLst>
+    <dgm:effectClrLst/>
+    <dgm:txLinClrLst/>
+    <dgm:txFillClrLst/>
+    <dgm:txEffectClrLst/>
+  </dgm:styleLbl>
+  <dgm:styleLbl name="node3">
+    <dgm:fillClrLst meth="repeat">
+      <a:schemeClr val="accent1"/>
+    </dgm:fillClrLst>
+    <dgm:linClrLst meth="repeat">
+      <a:schemeClr val="lt1"/>
+    </dgm:linClrLst>
+    <dgm:effectClrLst/>
+    <dgm:txLinClrLst/>
+    <dgm:txFillClrLst/>
+    <dgm:txEffectClrLst/>
+  </dgm:styleLbl>
+  <dgm:styleLbl name="node4">
+    <dgm:fillClrLst meth="repeat">
+      <a:schemeClr val="accent1"/>
+    </dgm:fillClrLst>
+    <dgm:linClrLst meth="repeat">
+      <a:schemeClr val="lt1"/>
+    </dgm:linClrLst>
+    <dgm:effectClrLst/>
+    <dgm:txLinClrLst/>
+    <dgm:txFillClrLst/>
+    <dgm:txEffectClrLst/>
+  </dgm:styleLbl>
+  <dgm:styleLbl name="fgImgPlace1">
+    <dgm:fillClrLst meth="repeat">
+      <a:schemeClr val="accent1">
+        <a:tint val="50000"/>
+      </a:schemeClr>
+    </dgm:fillClrLst>
+    <dgm:linClrLst meth="repeat">
+      <a:schemeClr val="lt1"/>
+    </dgm:linClrLst>
+    <dgm:effectClrLst/>
+    <dgm:txLinClrLst/>
+    <dgm:txFillClrLst meth="repeat">
+      <a:schemeClr val="lt1"/>
+    </dgm:txFillClrLst>
+    <dgm:txEffectClrLst/>
+  </dgm:styleLbl>
+  <dgm:styleLbl name="alignImgPlace1">
+    <dgm:fillClrLst meth="repeat">
+      <a:schemeClr val="accent1">
+        <a:tint val="50000"/>
+      </a:schemeClr>
+    </dgm:fillClrLst>
+    <dgm:linClrLst meth="repeat">
+      <a:schemeClr val="lt1"/>
+    </dgm:linClrLst>
+    <dgm:effectClrLst/>
+    <dgm:txLinClrLst/>
+    <dgm:txFillClrLst meth="repeat">
+      <a:schemeClr val="lt1"/>
+    </dgm:txFillClrLst>
+    <dgm:txEffectClrLst/>
+  </dgm:styleLbl>
+  <dgm:styleLbl name="bgImgPlace1">
+    <dgm:fillClrLst meth="repeat">
+      <a:schemeClr val="accent1">
+        <a:tint val="50000"/>
+      </a:schemeClr>
+    </dgm:fillClrLst>
+    <dgm:linClrLst meth="repeat">
+      <a:schemeClr val="lt1"/>
+    </dgm:linClrLst>
+    <dgm:effectClrLst/>
+    <dgm:txLinClrLst/>
+    <dgm:txFillClrLst meth="repeat">
+      <a:schemeClr val="lt1"/>
+    </dgm:txFillClrLst>
+    <dgm:txEffectClrLst/>
+  </dgm:styleLbl>
+  <dgm:styleLbl name="sibTrans2D1">
+    <dgm:fillClrLst meth="repeat">
+      <a:schemeClr val="accent1">
+        <a:tint val="60000"/>
+      </a:schemeClr>
+    </dgm:fillClrLst>
+    <dgm:linClrLst meth="repeat">
+      <a:schemeClr val="accent1">
+        <a:tint val="60000"/>
+      </a:schemeClr>
+    </dgm:linClrLst>
+    <dgm:effectClrLst/>
+    <dgm:txLinClrLst/>
+    <dgm:txFillClrLst/>
+    <dgm:txEffectClrLst/>
+  </dgm:styleLbl>
+  <dgm:styleLbl name="fgSibTrans2D1">
+    <dgm:fillClrLst meth="repeat">
+      <a:schemeClr val="accent1">
+        <a:tint val="60000"/>
+      </a:schemeClr>
+    </dgm:fillClrLst>
+    <dgm:linClrLst meth="repeat">
+      <a:schemeClr val="accent1">
+        <a:tint val="60000"/>
+      </a:schemeClr>
+    </dgm:linClrLst>
+    <dgm:effectClrLst/>
+    <dgm:txLinClrLst/>
+    <dgm:txFillClrLst/>
+    <dgm:txEffectClrLst/>
+  </dgm:styleLbl>
+  <dgm:styleLbl name="bgSibTrans2D1">
+    <dgm:fillClrLst meth="repeat">
+      <a:schemeClr val="accent1">
+        <a:tint val="60000"/>
+      </a:schemeClr>
+    </dgm:fillClrLst>
+    <dgm:linClrLst meth="repeat">
+      <a:schemeClr val="accent1">
+        <a:tint val="60000"/>
+      </a:schemeClr>
+    </dgm:linClrLst>
+    <dgm:effectClrLst/>
+    <dgm:txLinClrLst/>
+    <dgm:txFillClrLst/>
+    <dgm:txEffectClrLst/>
+  </dgm:styleLbl>
+  <dgm:styleLbl name="sibTrans1D1">
+    <dgm:fillClrLst meth="repeat">
+      <a:schemeClr val="accent1"/>
+    </dgm:fillClrLst>
+    <dgm:linClrLst meth="repeat">
+      <a:schemeClr val="accent1"/>
+    </dgm:linClrLst>
+    <dgm:effectClrLst/>
+    <dgm:txLinClrLst/>
+    <dgm:txFillClrLst meth="repeat">
+      <a:schemeClr val="tx1"/>
+    </dgm:txFillClrLst>
+    <dgm:txEffectClrLst/>
+  </dgm:styleLbl>
+  <dgm:styleLbl name="callout">
+    <dgm:fillClrLst meth="repeat">
+      <a:schemeClr val="accent1"/>
+    </dgm:fillClrLst>
+    <dgm:linClrLst meth="repeat">
+      <a:schemeClr val="accent1">
+        <a:tint val="50000"/>
+      </a:schemeClr>
+    </dgm:linClrLst>
+    <dgm:effectClrLst/>
+    <dgm:txLinClrLst/>
+    <dgm:txFillClrLst meth="repeat">
+      <a:schemeClr val="tx1"/>
+    </dgm:txFillClrLst>
+    <dgm:txEffectClrLst/>
+  </dgm:styleLbl>
+  <dgm:styleLbl name="asst0">
+    <dgm:fillClrLst meth="repeat">
+      <a:schemeClr val="accent1"/>
+    </dgm:fillClrLst>
+    <dgm:linClrLst meth="repeat">
+      <a:schemeClr val="lt1"/>
+    </dgm:linClrLst>
+    <dgm:effectClrLst/>
+    <dgm:txLinClrLst/>
+    <dgm:txFillClrLst/>
+    <dgm:txEffectClrLst/>
+  </dgm:styleLbl>
+  <dgm:styleLbl name="asst1">
+    <dgm:fillClrLst meth="repeat">
+      <a:schemeClr val="accent1"/>
+    </dgm:fillClrLst>
+    <dgm:linClrLst meth="repeat">
+      <a:schemeClr val="lt1"/>
+    </dgm:linClrLst>
+    <dgm:effectClrLst/>
+    <dgm:txLinClrLst/>
+    <dgm:txFillClrLst/>
+    <dgm:txEffectClrLst/>
+  </dgm:styleLbl>
+  <dgm:styleLbl name="asst2">
+    <dgm:fillClrLst meth="repeat">
+      <a:schemeClr val="accent1"/>
+    </dgm:fillClrLst>
+    <dgm:linClrLst meth="repeat">
+      <a:schemeClr val="lt1"/>
+    </dgm:linClrLst>
+    <dgm:effectClrLst/>
+    <dgm:txLinClrLst/>
+    <dgm:txFillClrLst/>
+    <dgm:txEffectClrLst/>
+  </dgm:styleLbl>
+  <dgm:styleLbl name="asst3">
+    <dgm:fillClrLst meth="repeat">
+      <a:schemeClr val="accent1"/>
+    </dgm:fillClrLst>
+    <dgm:linClrLst meth="repeat">
+      <a:schemeClr val="lt1"/>
+    </dgm:linClrLst>
+    <dgm:effectClrLst/>
+    <dgm:txLinClrLst/>
+    <dgm:txFillClrLst/>
+    <dgm:txEffectClrLst/>
+  </dgm:styleLbl>
+  <dgm:styleLbl name="asst4">
+    <dgm:fillClrLst meth="repeat">
+      <a:schemeClr val="accent1"/>
+    </dgm:fillClrLst>
+    <dgm:linClrLst meth="repeat">
+      <a:schemeClr val="lt1"/>
+    </dgm:linClrLst>
+    <dgm:effectClrLst/>
+    <dgm:txLinClrLst/>
+    <dgm:txFillClrLst/>
+    <dgm:txEffectClrLst/>
+  </dgm:styleLbl>
+  <dgm:styleLbl name="parChTrans2D1">
+    <dgm:fillClrLst meth="repeat">
+      <a:schemeClr val="accent1">
+        <a:tint val="60000"/>
+      </a:schemeClr>
+    </dgm:fillClrLst>
+    <dgm:linClrLst meth="repeat">
+      <a:schemeClr val="accent1">
+        <a:tint val="60000"/>
+      </a:schemeClr>
+    </dgm:linClrLst>
+    <dgm:effectClrLst/>
+    <dgm:txLinClrLst/>
+    <dgm:txFillClrLst meth="repeat">
+      <a:schemeClr val="lt1"/>
+    </dgm:txFillClrLst>
+    <dgm:txEffectClrLst/>
+  </dgm:styleLbl>
+  <dgm:styleLbl name="parChTrans2D2">
+    <dgm:fillClrLst meth="repeat">
+      <a:schemeClr val="accent1"/>
+    </dgm:fillClrLst>
+    <dgm:linClrLst meth="repeat">
+      <a:schemeClr val="accent1"/>
+    </dgm:linClrLst>
+    <dgm:effectClrLst/>
+    <dgm:txLinClrLst/>
+    <dgm:txFillClrLst meth="repeat">
+      <a:schemeClr val="lt1"/>
+    </dgm:txFillClrLst>
+    <dgm:txEffectClrLst/>
+  </dgm:styleLbl>
+  <dgm:styleLbl name="parChTrans2D3">
+    <dgm:fillClrLst meth="repeat">
+      <a:schemeClr val="accent1"/>
+    </dgm:fillClrLst>
+    <dgm:linClrLst meth="repeat">
+      <a:schemeClr val="accent1"/>
+    </dgm:linClrLst>
+    <dgm:effectClrLst/>
+    <dgm:txLinClrLst/>
+    <dgm:txFillClrLst meth="repeat">
+      <a:schemeClr val="lt1"/>
+    </dgm:txFillClrLst>
+    <dgm:txEffectClrLst/>
+  </dgm:styleLbl>
+  <dgm:styleLbl name="parChTrans2D4">
+    <dgm:fillClrLst meth="repeat">
+      <a:schemeClr val="accent1"/>
+    </dgm:fillClrLst>
+    <dgm:linClrLst meth="repeat">
+      <a:schemeClr val="accent1"/>
+    </dgm:linClrLst>
+    <dgm:effectClrLst/>
+    <dgm:txLinClrLst/>
+    <dgm:txFillClrLst meth="repeat">
+      <a:schemeClr val="lt1"/>
+    </dgm:txFillClrLst>
+    <dgm:txEffectClrLst/>
+  </dgm:styleLbl>
+  <dgm:styleLbl name="parChTrans1D1">
+    <dgm:fillClrLst meth="repeat">
+      <a:schemeClr val="accent1"/>
+    </dgm:fillClrLst>
+    <dgm:linClrLst meth="repeat">
+      <a:schemeClr val="accent1">
+        <a:shade val="60000"/>
+      </a:schemeClr>
+    </dgm:linClrLst>
+    <dgm:effectClrLst/>
+    <dgm:txLinClrLst/>
+    <dgm:txFillClrLst meth="repeat">
+      <a:schemeClr val="tx1"/>
+    </dgm:txFillClrLst>
+    <dgm:txEffectClrLst/>
+  </dgm:styleLbl>
+  <dgm:styleLbl name="parChTrans1D2">
+    <dgm:fillClrLst meth="repeat">
+      <a:schemeClr val="accent1"/>
+    </dgm:fillClrLst>
+    <dgm:linClrLst meth="repeat">
+      <a:schemeClr val="accent1">
+        <a:shade val="60000"/>
+      </a:schemeClr>
+    </dgm:linClrLst>
+    <dgm:effectClrLst/>
+    <dgm:txLinClrLst/>
+    <dgm:txFillClrLst meth="repeat">
+      <a:schemeClr val="tx1"/>
+    </dgm:txFillClrLst>
+    <dgm:txEffectClrLst/>
+  </dgm:styleLbl>
+  <dgm:styleLbl name="parChTrans1D3">
+    <dgm:fillClrLst meth="repeat">
+      <a:schemeClr val="accent1"/>
+    </dgm:fillClrLst>
+    <dgm:linClrLst meth="repeat">
+      <a:schemeClr val="accent1">
+        <a:shade val="80000"/>
+      </a:schemeClr>
+    </dgm:linClrLst>
+    <dgm:effectClrLst/>
+    <dgm:txLinClrLst/>
+    <dgm:txFillClrLst meth="repeat">
+      <a:schemeClr val="tx1"/>
+    </dgm:txFillClrLst>
+    <dgm:txEffectClrLst/>
+  </dgm:styleLbl>
+  <dgm:styleLbl name="parChTrans1D4">
+    <dgm:fillClrLst meth="repeat">
+      <a:schemeClr val="accent1"/>
+    </dgm:fillClrLst>
+    <dgm:linClrLst meth="repeat">
+      <a:schemeClr val="accent1">
+        <a:shade val="80000"/>
+      </a:schemeClr>
+    </dgm:linClrLst>
+    <dgm:effectClrLst/>
+    <dgm:txLinClrLst/>
+    <dgm:txFillClrLst meth="repeat">
+      <a:schemeClr val="tx1"/>
+    </dgm:txFillClrLst>
+    <dgm:txEffectClrLst/>
+  </dgm:styleLbl>
+  <dgm:styleLbl name="fgAcc1">
+    <dgm:fillClrLst meth="repeat">
+      <a:schemeClr val="lt1">
+        <a:alpha val="90000"/>
+      </a:schemeClr>
+    </dgm:fillClrLst>
+    <dgm:linClrLst meth="repeat">
+      <a:schemeClr val="accent1"/>
+    </dgm:linClrLst>
+    <dgm:effectClrLst/>
+    <dgm:txLinClrLst/>
+    <dgm:txFillClrLst meth="repeat">
+      <a:schemeClr val="dk1"/>
+    </dgm:txFillClrLst>
+    <dgm:txEffectClrLst/>
+  </dgm:styleLbl>
+  <dgm:styleLbl name="conFgAcc1">
+    <dgm:fillClrLst meth="repeat">
+      <a:schemeClr val="lt1">
+        <a:alpha val="90000"/>
+      </a:schemeClr>
+    </dgm:fillClrLst>
+    <dgm:linClrLst meth="repeat">
+      <a:schemeClr val="accent1"/>
+    </dgm:linClrLst>
+    <dgm:effectClrLst/>
+    <dgm:txLinClrLst/>
+    <dgm:txFillClrLst meth="repeat">
+      <a:schemeClr val="dk1"/>
+    </dgm:txFillClrLst>
+    <dgm:txEffectClrLst/>
+  </dgm:styleLbl>
+  <dgm:styleLbl name="alignAcc1">
+    <dgm:fillClrLst meth="repeat">
+      <a:schemeClr val="lt1">
+        <a:alpha val="90000"/>
+      </a:schemeClr>
+    </dgm:fillClrLst>
+    <dgm:linClrLst meth="repeat">
+      <a:schemeClr val="accent1"/>
+    </dgm:linClrLst>
+    <dgm:effectClrLst/>
+    <dgm:txLinClrLst/>
+    <dgm:txFillClrLst meth="repeat">
+      <a:schemeClr val="dk1"/>
+    </dgm:txFillClrLst>
+    <dgm:txEffectClrLst/>
+  </dgm:styleLbl>
+  <dgm:styleLbl name="trAlignAcc1">
+    <dgm:fillClrLst meth="repeat">
+      <a:schemeClr val="lt1">
+        <a:alpha val="40000"/>
+      </a:schemeClr>
+    </dgm:fillClrLst>
+    <dgm:linClrLst meth="repeat">
+      <a:schemeClr val="accent1"/>
+    </dgm:linClrLst>
+    <dgm:effectClrLst/>
+    <dgm:txLinClrLst/>
+    <dgm:txFillClrLst meth="repeat">
+      <a:schemeClr val="dk1"/>
+    </dgm:txFillClrLst>
+    <dgm:txEffectClrLst/>
+  </dgm:styleLbl>
+  <dgm:styleLbl name="bgAcc1">
+    <dgm:fillClrLst meth="repeat">
+      <a:schemeClr val="lt1">
+        <a:alpha val="90000"/>
+      </a:schemeClr>
+    </dgm:fillClrLst>
+    <dgm:linClrLst meth="repeat">
+      <a:schemeClr val="accent1"/>
+    </dgm:linClrLst>
+    <dgm:effectClrLst/>
+    <dgm:txLinClrLst/>
+    <dgm:txFillClrLst meth="repeat">
+      <a:schemeClr val="dk1"/>
+    </dgm:txFillClrLst>
+    <dgm:txEffectClrLst/>
+  </dgm:styleLbl>
+  <dgm:styleLbl name="solidFgAcc1">
+    <dgm:fillClrLst meth="repeat">
+      <a:schemeClr val="lt1"/>
+    </dgm:fillClrLst>
+    <dgm:linClrLst meth="repeat">
+      <a:schemeClr val="accent1"/>
+    </dgm:linClrLst>
+    <dgm:effectClrLst/>
+    <dgm:txLinClrLst/>
+    <dgm:txFillClrLst meth="repeat">
+      <a:schemeClr val="dk1"/>
+    </dgm:txFillClrLst>
+    <dgm:txEffectClrLst/>
+  </dgm:styleLbl>
+  <dgm:styleLbl name="solidAlignAcc1">
+    <dgm:fillClrLst meth="repeat">
+      <a:schemeClr val="lt1"/>
+    </dgm:fillClrLst>
+    <dgm:linClrLst meth="repeat">
+      <a:schemeClr val="accent1"/>
+    </dgm:linClrLst>
+    <dgm:effectClrLst/>
+    <dgm:txLinClrLst/>
+    <dgm:txFillClrLst meth="repeat">
+      <a:schemeClr val="dk1"/>
+    </dgm:txFillClrLst>
+    <dgm:txEffectClrLst/>
+  </dgm:styleLbl>
+  <dgm:styleLbl name="solidBgAcc1">
+    <dgm:fillClrLst meth="repeat">
+      <a:schemeClr val="lt1"/>
+    </dgm:fillClrLst>
+    <dgm:linClrLst meth="repeat">
+      <a:schemeClr val="accent1"/>
+    </dgm:linClrLst>
+    <dgm:effectClrLst/>
+    <dgm:txLinClrLst/>
+    <dgm:txFillClrLst meth="repeat">
+      <a:schemeClr val="dk1"/>
+    </dgm:txFillClrLst>
+    <dgm:txEffectClrLst/>
+  </dgm:styleLbl>
+  <dgm:styleLbl name="fgAccFollowNode1">
+    <dgm:fillClrLst meth="repeat">
+      <a:schemeClr val="accent1">
+        <a:alpha val="90000"/>
+        <a:tint val="40000"/>
+      </a:schemeClr>
+    </dgm:fillClrLst>
+    <dgm:linClrLst meth="repeat">
+      <a:schemeClr val="accent1">
+        <a:alpha val="90000"/>
+        <a:tint val="40000"/>
+      </a:schemeClr>
+    </dgm:linClrLst>
+    <dgm:effectClrLst/>
+    <dgm:txLinClrLst/>
+    <dgm:txFillClrLst meth="repeat">
+      <a:schemeClr val="dk1"/>
+    </dgm:txFillClrLst>
+    <dgm:txEffectClrLst/>
+  </dgm:styleLbl>
+  <dgm:styleLbl name="alignAccFollowNode1">
+    <dgm:fillClrLst meth="repeat">
+      <a:schemeClr val="accent1">
+        <a:alpha val="90000"/>
+        <a:tint val="40000"/>
+      </a:schemeClr>
+    </dgm:fillClrLst>
+    <dgm:linClrLst meth="repeat">
+      <a:schemeClr val="accent1">
+        <a:alpha val="90000"/>
+        <a:tint val="40000"/>
+      </a:schemeClr>
+    </dgm:linClrLst>
+    <dgm:effectClrLst/>
+    <dgm:txLinClrLst/>
+    <dgm:txFillClrLst meth="repeat">
+      <a:schemeClr val="dk1"/>
+    </dgm:txFillClrLst>
+    <dgm:txEffectClrLst/>
+  </dgm:styleLbl>
+  <dgm:styleLbl name="bgAccFollowNode1">
+    <dgm:fillClrLst meth="repeat">
+      <a:schemeClr val="accent1">
+        <a:alpha val="90000"/>
+        <a:tint val="40000"/>
+      </a:schemeClr>
+    </dgm:fillClrLst>
+    <dgm:linClrLst meth="repeat">
+      <a:schemeClr val="accent1">
+        <a:alpha val="90000"/>
+        <a:tint val="40000"/>
+      </a:schemeClr>
+    </dgm:linClrLst>
+    <dgm:effectClrLst/>
+    <dgm:txLinClrLst/>
+    <dgm:txFillClrLst meth="repeat">
+      <a:schemeClr val="dk1"/>
+    </dgm:txFillClrLst>
+    <dgm:txEffectClrLst/>
+  </dgm:styleLbl>
+  <dgm:styleLbl name="fgAcc0">
+    <dgm:fillClrLst meth="repeat">
+      <a:schemeClr val="lt1">
+        <a:alpha val="90000"/>
+      </a:schemeClr>
+    </dgm:fillClrLst>
+    <dgm:linClrLst meth="repeat">
+      <a:schemeClr val="accent1"/>
+    </dgm:linClrLst>
+    <dgm:effectClrLst/>
+    <dgm:txLinClrLst/>
+    <dgm:txFillClrLst meth="repeat">
+      <a:schemeClr val="dk1"/>
+    </dgm:txFillClrLst>
+    <dgm:txEffectClrLst/>
+  </dgm:styleLbl>
+  <dgm:styleLbl name="fgAcc2">
+    <dgm:fillClrLst meth="repeat">
+      <a:schemeClr val="lt1">
+        <a:alpha val="90000"/>
+      </a:schemeClr>
+    </dgm:fillClrLst>
+    <dgm:linClrLst meth="repeat">
+      <a:schemeClr val="accent1"/>
+    </dgm:linClrLst>
+    <dgm:effectClrLst/>
+    <dgm:txLinClrLst/>
+    <dgm:txFillClrLst meth="repeat">
+      <a:schemeClr val="dk1"/>
+    </dgm:txFillClrLst>
+    <dgm:txEffectClrLst/>
+  </dgm:styleLbl>
+  <dgm:styleLbl name="fgAcc3">
+    <dgm:fillClrLst meth="repeat">
+      <a:schemeClr val="lt1">
+        <a:alpha val="90000"/>
+      </a:schemeClr>
+    </dgm:fillClrLst>
+    <dgm:linClrLst meth="repeat">
+      <a:schemeClr val="accent1"/>
+    </dgm:linClrLst>
+    <dgm:effectClrLst/>
+    <dgm:txLinClrLst/>
+    <dgm:txFillClrLst meth="repeat">
+      <a:schemeClr val="dk1"/>
+    </dgm:txFillClrLst>
+    <dgm:txEffectClrLst/>
+  </dgm:styleLbl>
+  <dgm:styleLbl name="fgAcc4">
+    <dgm:fillClrLst meth="repeat">
+      <a:schemeClr val="lt1">
+        <a:alpha val="90000"/>
+      </a:schemeClr>
+    </dgm:fillClrLst>
+    <dgm:linClrLst meth="repeat">
+      <a:schemeClr val="accent1"/>
+    </dgm:linClrLst>
+    <dgm:effectClrLst/>
+    <dgm:txLinClrLst/>
+    <dgm:txFillClrLst meth="repeat">
+      <a:schemeClr val="dk1"/>
+    </dgm:txFillClrLst>
+    <dgm:txEffectClrLst/>
+  </dgm:styleLbl>
+  <dgm:styleLbl name="bgShp">
+    <dgm:fillClrLst meth="repeat">
+      <a:schemeClr val="accent1">
+        <a:tint val="40000"/>
+      </a:schemeClr>
+    </dgm:fillClrLst>
+    <dgm:linClrLst meth="repeat">
+      <a:schemeClr val="accent1"/>
+    </dgm:linClrLst>
+    <dgm:effectClrLst/>
+    <dgm:txLinClrLst/>
+    <dgm:txFillClrLst meth="repeat">
+      <a:schemeClr val="dk1"/>
+    </dgm:txFillClrLst>
+    <dgm:txEffectClrLst/>
+  </dgm:styleLbl>
+  <dgm:styleLbl name="dkBgShp">
+    <dgm:fillClrLst meth="repeat">
+      <a:schemeClr val="accent1">
+        <a:shade val="80000"/>
+      </a:schemeClr>
+    </dgm:fillClrLst>
+    <dgm:linClrLst meth="repeat">
+      <a:schemeClr val="accent1"/>
+    </dgm:linClrLst>
+    <dgm:effectClrLst/>
+    <dgm:txLinClrLst/>
+    <dgm:txFillClrLst meth="repeat">
+      <a:schemeClr val="lt1"/>
+    </dgm:txFillClrLst>
+    <dgm:txEffectClrLst/>
+  </dgm:styleLbl>
+  <dgm:styleLbl name="trBgShp">
+    <dgm:fillClrLst meth="repeat">
+      <a:schemeClr val="accent1">
+        <a:tint val="50000"/>
+        <a:alpha val="40000"/>
+      </a:schemeClr>
+    </dgm:fillClrLst>
+    <dgm:linClrLst meth="repeat">
+      <a:schemeClr val="accent1"/>
+    </dgm:linClrLst>
+    <dgm:effectClrLst/>
+    <dgm:txLinClrLst/>
+    <dgm:txFillClrLst meth="repeat">
+      <a:schemeClr val="lt1"/>
+    </dgm:txFillClrLst>
+    <dgm:txEffectClrLst/>
+  </dgm:styleLbl>
+  <dgm:styleLbl name="fgShp">
+    <dgm:fillClrLst meth="repeat">
+      <a:schemeClr val="accent1">
+        <a:tint val="60000"/>
+      </a:schemeClr>
+    </dgm:fillClrLst>
+    <dgm:linClrLst meth="repeat">
+      <a:schemeClr val="lt1"/>
+    </dgm:linClrLst>
+    <dgm:effectClrLst/>
+    <dgm:txLinClrLst/>
+    <dgm:txFillClrLst meth="repeat">
+      <a:schemeClr val="dk1"/>
+    </dgm:txFillClrLst>
+    <dgm:txEffectClrLst/>
+  </dgm:styleLbl>
+  <dgm:styleLbl name="revTx">
+    <dgm:fillClrLst meth="repeat">
+      <a:schemeClr val="lt1">
+        <a:alpha val="0"/>
+      </a:schemeClr>
+    </dgm:fillClrLst>
+    <dgm:linClrLst meth="repeat">
+      <a:schemeClr val="dk1">
+        <a:alpha val="0"/>
+      </a:schemeClr>
+    </dgm:linClrLst>
+    <dgm:effectClrLst/>
+    <dgm:txLinClrLst/>
+    <dgm:txFillClrLst meth="repeat">
+      <a:schemeClr val="tx1"/>
+    </dgm:txFillClrLst>
+    <dgm:txEffectClrLst/>
+  </dgm:styleLbl>
+</dgm:colorsDef>
+</file>
+
+<file path=ppt/diagrams/colors8.xml><?xml version="1.0" encoding="utf-8"?>
 <dgm:colorsDef xmlns:dgm="http://schemas.openxmlformats.org/drawingml/2006/diagram" xmlns:a="http://schemas.openxmlformats.org/drawingml/2006/main" uniqueId="urn:microsoft.com/office/officeart/2005/8/colors/accent1_2">
   <dgm:title val=""/>
   <dgm:desc val=""/>
@@ -7803,6 +8556,332 @@
     <dgm:cxn modelId="{6D177264-2274-4651-8B4A-D5DE6D9A0A4D}" type="presParOf" srcId="{FF96D91A-1BE6-4A2A-A2B0-8D97879F6346}" destId="{B26E8E47-0594-420D-8D7F-BACB0FEDD2EA}" srcOrd="1" destOrd="0" presId="urn:microsoft.com/office/officeart/2018/2/layout/IconVerticalSolidList"/>
     <dgm:cxn modelId="{743C8D98-143A-4770-8181-8D9946B35798}" type="presParOf" srcId="{FF96D91A-1BE6-4A2A-A2B0-8D97879F6346}" destId="{72AB024C-A325-4540-A69E-9A4F2AA12D8F}" srcOrd="2" destOrd="0" presId="urn:microsoft.com/office/officeart/2018/2/layout/IconVerticalSolidList"/>
     <dgm:cxn modelId="{058D079A-9FA7-4E1B-A04D-2774065C616F}" type="presParOf" srcId="{FF96D91A-1BE6-4A2A-A2B0-8D97879F6346}" destId="{CCAA1DB8-4107-4F9F-BE59-08F82007E47E}" srcOrd="3" destOrd="0" presId="urn:microsoft.com/office/officeart/2018/2/layout/IconVerticalSolidList"/>
+  </dgm:cxnLst>
+  <dgm:bg/>
+  <dgm:whole/>
+  <dgm:extLst>
+    <a:ext uri="http://schemas.microsoft.com/office/drawing/2008/diagram">
+      <dsp:dataModelExt xmlns:dsp="http://schemas.microsoft.com/office/drawing/2008/diagram" relId="rId6" minVer="http://schemas.openxmlformats.org/drawingml/2006/diagram"/>
+    </a:ext>
+  </dgm:extLst>
+</dgm:dataModel>
+</file>
+
+<file path=ppt/diagrams/data8.xml><?xml version="1.0" encoding="utf-8"?>
+<dgm:dataModel xmlns:dgm="http://schemas.openxmlformats.org/drawingml/2006/diagram" xmlns:a="http://schemas.openxmlformats.org/drawingml/2006/main">
+  <dgm:ptLst>
+    <dgm:pt modelId="{6BC11E49-F08F-43BE-8AAF-2A1BAFD7A802}" type="doc">
+      <dgm:prSet loTypeId="urn:microsoft.com/office/officeart/2018/2/layout/IconVerticalSolidList" loCatId="icon" qsTypeId="urn:microsoft.com/office/officeart/2005/8/quickstyle/simple1" qsCatId="simple" csTypeId="urn:microsoft.com/office/officeart/2005/8/colors/accent1_2" csCatId="accent1" phldr="1"/>
+      <dgm:spPr/>
+      <dgm:t>
+        <a:bodyPr/>
+        <a:lstStyle/>
+        <a:p>
+          <a:endParaRPr lang="en-US"/>
+        </a:p>
+      </dgm:t>
+    </dgm:pt>
+    <dgm:pt modelId="{E460B758-7CC1-4E05-B0CC-9D417DAFF6FD}">
+      <dgm:prSet/>
+      <dgm:spPr/>
+      <dgm:t>
+        <a:bodyPr/>
+        <a:lstStyle/>
+        <a:p>
+          <a:pPr>
+            <a:lnSpc>
+              <a:spcPct val="100000"/>
+            </a:lnSpc>
+          </a:pPr>
+          <a:r>
+            <a:rPr lang="it-IT" dirty="0"/>
+            <a:t>Use Rhetorical Roles Classification to improve the performances of Legal Holding Extraction models.</a:t>
+          </a:r>
+          <a:endParaRPr lang="en-US" dirty="0"/>
+        </a:p>
+      </dgm:t>
+    </dgm:pt>
+    <dgm:pt modelId="{6DEBF364-97C6-409B-B44C-173F92B7E04F}" type="parTrans" cxnId="{F5D25A14-7362-4746-91FA-807378CE6C3E}">
+      <dgm:prSet/>
+      <dgm:spPr/>
+      <dgm:t>
+        <a:bodyPr/>
+        <a:lstStyle/>
+        <a:p>
+          <a:endParaRPr lang="en-US"/>
+        </a:p>
+      </dgm:t>
+    </dgm:pt>
+    <dgm:pt modelId="{64DA2880-DC43-426B-BC71-2F351304AFA5}" type="sibTrans" cxnId="{F5D25A14-7362-4746-91FA-807378CE6C3E}">
+      <dgm:prSet/>
+      <dgm:spPr/>
+      <dgm:t>
+        <a:bodyPr/>
+        <a:lstStyle/>
+        <a:p>
+          <a:endParaRPr lang="en-US"/>
+        </a:p>
+      </dgm:t>
+    </dgm:pt>
+    <dgm:pt modelId="{4436B0C7-383E-4749-8EF0-E0D6680E0103}">
+      <dgm:prSet/>
+      <dgm:spPr/>
+      <dgm:t>
+        <a:bodyPr/>
+        <a:lstStyle/>
+        <a:p>
+          <a:pPr>
+            <a:lnSpc>
+              <a:spcPct val="100000"/>
+            </a:lnSpc>
+          </a:pPr>
+          <a:r>
+            <a:rPr lang="it-IT" dirty="0"/>
+            <a:t>The bigger the better? Try to use more recent Large Language Models to improve the classification accuracy.</a:t>
+          </a:r>
+          <a:endParaRPr lang="en-US" dirty="0"/>
+        </a:p>
+      </dgm:t>
+    </dgm:pt>
+    <dgm:pt modelId="{E1A8DC7C-46BA-484D-B5BE-5552D73FBAE3}" type="parTrans" cxnId="{202C3D30-4EEF-49B0-A1CC-559D827AEFB3}">
+      <dgm:prSet/>
+      <dgm:spPr/>
+      <dgm:t>
+        <a:bodyPr/>
+        <a:lstStyle/>
+        <a:p>
+          <a:endParaRPr lang="en-US"/>
+        </a:p>
+      </dgm:t>
+    </dgm:pt>
+    <dgm:pt modelId="{AE961FD6-9DBA-455A-A66C-8FBC024113C4}" type="sibTrans" cxnId="{202C3D30-4EEF-49B0-A1CC-559D827AEFB3}">
+      <dgm:prSet/>
+      <dgm:spPr/>
+      <dgm:t>
+        <a:bodyPr/>
+        <a:lstStyle/>
+        <a:p>
+          <a:endParaRPr lang="en-US"/>
+        </a:p>
+      </dgm:t>
+    </dgm:pt>
+    <dgm:pt modelId="{D0A57121-0EB9-426B-A4E2-017174F80187}">
+      <dgm:prSet/>
+      <dgm:spPr/>
+      <dgm:t>
+        <a:bodyPr/>
+        <a:lstStyle/>
+        <a:p>
+          <a:pPr>
+            <a:lnSpc>
+              <a:spcPct val="100000"/>
+            </a:lnSpc>
+          </a:pPr>
+          <a:r>
+            <a:rPr lang="it-IT" dirty="0"/>
+            <a:t>Can Chat-GPT help?</a:t>
+          </a:r>
+          <a:endParaRPr lang="en-US" dirty="0"/>
+        </a:p>
+      </dgm:t>
+    </dgm:pt>
+    <dgm:pt modelId="{146885B7-F8AD-4662-981B-7D208E859804}" type="parTrans" cxnId="{93FE38F9-554F-4715-B7CD-1D81606E7ECA}">
+      <dgm:prSet/>
+      <dgm:spPr/>
+      <dgm:t>
+        <a:bodyPr/>
+        <a:lstStyle/>
+        <a:p>
+          <a:endParaRPr lang="en-US"/>
+        </a:p>
+      </dgm:t>
+    </dgm:pt>
+    <dgm:pt modelId="{07066341-9643-4923-8F48-DB14A8B2482F}" type="sibTrans" cxnId="{93FE38F9-554F-4715-B7CD-1D81606E7ECA}">
+      <dgm:prSet/>
+      <dgm:spPr/>
+      <dgm:t>
+        <a:bodyPr/>
+        <a:lstStyle/>
+        <a:p>
+          <a:endParaRPr lang="en-US"/>
+        </a:p>
+      </dgm:t>
+    </dgm:pt>
+    <dgm:pt modelId="{83770811-9A7E-4626-A82B-9DDDB8E164D2}" type="pres">
+      <dgm:prSet presAssocID="{6BC11E49-F08F-43BE-8AAF-2A1BAFD7A802}" presName="root" presStyleCnt="0">
+        <dgm:presLayoutVars>
+          <dgm:dir/>
+          <dgm:resizeHandles val="exact"/>
+        </dgm:presLayoutVars>
+      </dgm:prSet>
+      <dgm:spPr/>
+    </dgm:pt>
+    <dgm:pt modelId="{873D28BA-46FC-45D4-8C9B-0CA146194B39}" type="pres">
+      <dgm:prSet presAssocID="{E460B758-7CC1-4E05-B0CC-9D417DAFF6FD}" presName="compNode" presStyleCnt="0"/>
+      <dgm:spPr/>
+    </dgm:pt>
+    <dgm:pt modelId="{46F0CE1F-B48A-43C0-90F2-45BCF2EC75F2}" type="pres">
+      <dgm:prSet presAssocID="{E460B758-7CC1-4E05-B0CC-9D417DAFF6FD}" presName="bgRect" presStyleLbl="bgShp" presStyleIdx="0" presStyleCnt="3"/>
+      <dgm:spPr/>
+    </dgm:pt>
+    <dgm:pt modelId="{3ECD0AA1-2CB1-4DA1-A260-28087138606A}" type="pres">
+      <dgm:prSet presAssocID="{E460B758-7CC1-4E05-B0CC-9D417DAFF6FD}" presName="iconRect" presStyleLbl="node1" presStyleIdx="0" presStyleCnt="3"/>
+      <dgm:spPr>
+        <a:blipFill>
+          <a:blip xmlns:r="http://schemas.openxmlformats.org/officeDocument/2006/relationships" r:embed="rId1">
+            <a:extLst>
+              <a:ext uri="{96DAC541-7B7A-43D3-8B79-37D633B846F1}">
+                <asvg:svgBlip xmlns:asvg="http://schemas.microsoft.com/office/drawing/2016/SVG/main" r:embed="rId2"/>
+              </a:ext>
+            </a:extLst>
+          </a:blip>
+          <a:srcRect/>
+          <a:stretch>
+            <a:fillRect/>
+          </a:stretch>
+        </a:blipFill>
+      </dgm:spPr>
+      <dgm:extLst>
+        <a:ext uri="{E40237B7-FDA0-4F09-8148-C483321AD2D9}">
+          <dgm14:cNvPr xmlns:dgm14="http://schemas.microsoft.com/office/drawing/2010/diagram" id="0" name="" descr="Document with solid fill"/>
+        </a:ext>
+      </dgm:extLst>
+    </dgm:pt>
+    <dgm:pt modelId="{149AC713-7985-47FD-83DA-06A94FD2F4D1}" type="pres">
+      <dgm:prSet presAssocID="{E460B758-7CC1-4E05-B0CC-9D417DAFF6FD}" presName="spaceRect" presStyleCnt="0"/>
+      <dgm:spPr/>
+    </dgm:pt>
+    <dgm:pt modelId="{95F1F8FA-0E6D-4816-B222-593DE12F4775}" type="pres">
+      <dgm:prSet presAssocID="{E460B758-7CC1-4E05-B0CC-9D417DAFF6FD}" presName="parTx" presStyleLbl="revTx" presStyleIdx="0" presStyleCnt="3">
+        <dgm:presLayoutVars>
+          <dgm:chMax val="0"/>
+          <dgm:chPref val="0"/>
+        </dgm:presLayoutVars>
+      </dgm:prSet>
+      <dgm:spPr/>
+    </dgm:pt>
+    <dgm:pt modelId="{8204C729-44B1-471E-B5DD-C9C564D918DA}" type="pres">
+      <dgm:prSet presAssocID="{64DA2880-DC43-426B-BC71-2F351304AFA5}" presName="sibTrans" presStyleCnt="0"/>
+      <dgm:spPr/>
+    </dgm:pt>
+    <dgm:pt modelId="{7F93988E-6F0C-4FFD-9EA8-D1F173681E23}" type="pres">
+      <dgm:prSet presAssocID="{4436B0C7-383E-4749-8EF0-E0D6680E0103}" presName="compNode" presStyleCnt="0"/>
+      <dgm:spPr/>
+    </dgm:pt>
+    <dgm:pt modelId="{ED4703E8-BBF7-43C6-A0B9-A262CF59D503}" type="pres">
+      <dgm:prSet presAssocID="{4436B0C7-383E-4749-8EF0-E0D6680E0103}" presName="bgRect" presStyleLbl="bgShp" presStyleIdx="1" presStyleCnt="3"/>
+      <dgm:spPr/>
+    </dgm:pt>
+    <dgm:pt modelId="{A3594EF9-1D80-472E-BB59-92D0AF8AFD3D}" type="pres">
+      <dgm:prSet presAssocID="{4436B0C7-383E-4749-8EF0-E0D6680E0103}" presName="iconRect" presStyleLbl="node1" presStyleIdx="1" presStyleCnt="3"/>
+      <dgm:spPr>
+        <a:blipFill>
+          <a:blip xmlns:r="http://schemas.openxmlformats.org/officeDocument/2006/relationships" r:embed="rId3">
+            <a:extLst>
+              <a:ext uri="{96DAC541-7B7A-43D3-8B79-37D633B846F1}">
+                <asvg:svgBlip xmlns:asvg="http://schemas.microsoft.com/office/drawing/2016/SVG/main" r:embed="rId4"/>
+              </a:ext>
+            </a:extLst>
+          </a:blip>
+          <a:srcRect/>
+          <a:stretch>
+            <a:fillRect/>
+          </a:stretch>
+        </a:blipFill>
+      </dgm:spPr>
+      <dgm:extLst>
+        <a:ext uri="{E40237B7-FDA0-4F09-8148-C483321AD2D9}">
+          <dgm14:cNvPr xmlns:dgm14="http://schemas.microsoft.com/office/drawing/2010/diagram" id="0" name="" descr="Upward trend with solid fill"/>
+        </a:ext>
+      </dgm:extLst>
+    </dgm:pt>
+    <dgm:pt modelId="{81179C50-E83C-47DE-B498-673BE8FF8941}" type="pres">
+      <dgm:prSet presAssocID="{4436B0C7-383E-4749-8EF0-E0D6680E0103}" presName="spaceRect" presStyleCnt="0"/>
+      <dgm:spPr/>
+    </dgm:pt>
+    <dgm:pt modelId="{41742AE3-EC8D-4337-B6A7-FE42A7F77FFE}" type="pres">
+      <dgm:prSet presAssocID="{4436B0C7-383E-4749-8EF0-E0D6680E0103}" presName="parTx" presStyleLbl="revTx" presStyleIdx="1" presStyleCnt="3">
+        <dgm:presLayoutVars>
+          <dgm:chMax val="0"/>
+          <dgm:chPref val="0"/>
+        </dgm:presLayoutVars>
+      </dgm:prSet>
+      <dgm:spPr/>
+    </dgm:pt>
+    <dgm:pt modelId="{BC62DA75-541F-41F6-86BD-D1CE12C20A73}" type="pres">
+      <dgm:prSet presAssocID="{AE961FD6-9DBA-455A-A66C-8FBC024113C4}" presName="sibTrans" presStyleCnt="0"/>
+      <dgm:spPr/>
+    </dgm:pt>
+    <dgm:pt modelId="{CC2724E7-4C94-4AB7-B797-69D35F6766E8}" type="pres">
+      <dgm:prSet presAssocID="{D0A57121-0EB9-426B-A4E2-017174F80187}" presName="compNode" presStyleCnt="0"/>
+      <dgm:spPr/>
+    </dgm:pt>
+    <dgm:pt modelId="{F94DC68F-EB76-446F-A5A1-762758F69245}" type="pres">
+      <dgm:prSet presAssocID="{D0A57121-0EB9-426B-A4E2-017174F80187}" presName="bgRect" presStyleLbl="bgShp" presStyleIdx="2" presStyleCnt="3"/>
+      <dgm:spPr/>
+    </dgm:pt>
+    <dgm:pt modelId="{9EA85806-114B-42F1-884A-669DA433CD6F}" type="pres">
+      <dgm:prSet presAssocID="{D0A57121-0EB9-426B-A4E2-017174F80187}" presName="iconRect" presStyleLbl="node1" presStyleIdx="2" presStyleCnt="3"/>
+      <dgm:spPr>
+        <a:blipFill>
+          <a:blip xmlns:r="http://schemas.openxmlformats.org/officeDocument/2006/relationships" r:embed="rId5">
+            <a:extLst>
+              <a:ext uri="{96DAC541-7B7A-43D3-8B79-37D633B846F1}">
+                <asvg:svgBlip xmlns:asvg="http://schemas.microsoft.com/office/drawing/2016/SVG/main" r:embed="rId6"/>
+              </a:ext>
+            </a:extLst>
+          </a:blip>
+          <a:srcRect/>
+          <a:stretch>
+            <a:fillRect/>
+          </a:stretch>
+        </a:blipFill>
+      </dgm:spPr>
+      <dgm:extLst>
+        <a:ext uri="{E40237B7-FDA0-4F09-8148-C483321AD2D9}">
+          <dgm14:cNvPr xmlns:dgm14="http://schemas.microsoft.com/office/drawing/2010/diagram" id="0" name="" descr="Artificial Intelligence with solid fill"/>
+        </a:ext>
+      </dgm:extLst>
+    </dgm:pt>
+    <dgm:pt modelId="{11B811A9-F9D7-481E-B7AD-33AC86E6E82A}" type="pres">
+      <dgm:prSet presAssocID="{D0A57121-0EB9-426B-A4E2-017174F80187}" presName="spaceRect" presStyleCnt="0"/>
+      <dgm:spPr/>
+    </dgm:pt>
+    <dgm:pt modelId="{9019D3EA-931B-4565-ACE1-C6D956643966}" type="pres">
+      <dgm:prSet presAssocID="{D0A57121-0EB9-426B-A4E2-017174F80187}" presName="parTx" presStyleLbl="revTx" presStyleIdx="2" presStyleCnt="3">
+        <dgm:presLayoutVars>
+          <dgm:chMax val="0"/>
+          <dgm:chPref val="0"/>
+        </dgm:presLayoutVars>
+      </dgm:prSet>
+      <dgm:spPr/>
+    </dgm:pt>
+  </dgm:ptLst>
+  <dgm:cxnLst>
+    <dgm:cxn modelId="{F5D25A14-7362-4746-91FA-807378CE6C3E}" srcId="{6BC11E49-F08F-43BE-8AAF-2A1BAFD7A802}" destId="{E460B758-7CC1-4E05-B0CC-9D417DAFF6FD}" srcOrd="0" destOrd="0" parTransId="{6DEBF364-97C6-409B-B44C-173F92B7E04F}" sibTransId="{64DA2880-DC43-426B-BC71-2F351304AFA5}"/>
+    <dgm:cxn modelId="{202C3D30-4EEF-49B0-A1CC-559D827AEFB3}" srcId="{6BC11E49-F08F-43BE-8AAF-2A1BAFD7A802}" destId="{4436B0C7-383E-4749-8EF0-E0D6680E0103}" srcOrd="1" destOrd="0" parTransId="{E1A8DC7C-46BA-484D-B5BE-5552D73FBAE3}" sibTransId="{AE961FD6-9DBA-455A-A66C-8FBC024113C4}"/>
+    <dgm:cxn modelId="{339EF137-FE97-4E9D-82A7-8251888A6880}" type="presOf" srcId="{D0A57121-0EB9-426B-A4E2-017174F80187}" destId="{9019D3EA-931B-4565-ACE1-C6D956643966}" srcOrd="0" destOrd="0" presId="urn:microsoft.com/office/officeart/2018/2/layout/IconVerticalSolidList"/>
+    <dgm:cxn modelId="{147A6666-C464-4DDF-89F0-1D96E02609DD}" type="presOf" srcId="{E460B758-7CC1-4E05-B0CC-9D417DAFF6FD}" destId="{95F1F8FA-0E6D-4816-B222-593DE12F4775}" srcOrd="0" destOrd="0" presId="urn:microsoft.com/office/officeart/2018/2/layout/IconVerticalSolidList"/>
+    <dgm:cxn modelId="{102AF6A1-09A6-458F-B751-61DF416D7755}" type="presOf" srcId="{4436B0C7-383E-4749-8EF0-E0D6680E0103}" destId="{41742AE3-EC8D-4337-B6A7-FE42A7F77FFE}" srcOrd="0" destOrd="0" presId="urn:microsoft.com/office/officeart/2018/2/layout/IconVerticalSolidList"/>
+    <dgm:cxn modelId="{0A6833C9-F996-4A20-912E-37A60A9D4F5F}" type="presOf" srcId="{6BC11E49-F08F-43BE-8AAF-2A1BAFD7A802}" destId="{83770811-9A7E-4626-A82B-9DDDB8E164D2}" srcOrd="0" destOrd="0" presId="urn:microsoft.com/office/officeart/2018/2/layout/IconVerticalSolidList"/>
+    <dgm:cxn modelId="{93FE38F9-554F-4715-B7CD-1D81606E7ECA}" srcId="{6BC11E49-F08F-43BE-8AAF-2A1BAFD7A802}" destId="{D0A57121-0EB9-426B-A4E2-017174F80187}" srcOrd="2" destOrd="0" parTransId="{146885B7-F8AD-4662-981B-7D208E859804}" sibTransId="{07066341-9643-4923-8F48-DB14A8B2482F}"/>
+    <dgm:cxn modelId="{F59C3337-21A9-49A2-A8A1-F82393D1E564}" type="presParOf" srcId="{83770811-9A7E-4626-A82B-9DDDB8E164D2}" destId="{873D28BA-46FC-45D4-8C9B-0CA146194B39}" srcOrd="0" destOrd="0" presId="urn:microsoft.com/office/officeart/2018/2/layout/IconVerticalSolidList"/>
+    <dgm:cxn modelId="{3A2858C6-76E8-4EAC-84C9-64007B5C9CA2}" type="presParOf" srcId="{873D28BA-46FC-45D4-8C9B-0CA146194B39}" destId="{46F0CE1F-B48A-43C0-90F2-45BCF2EC75F2}" srcOrd="0" destOrd="0" presId="urn:microsoft.com/office/officeart/2018/2/layout/IconVerticalSolidList"/>
+    <dgm:cxn modelId="{D511625C-AEF7-4D33-9B9D-E660840A768A}" type="presParOf" srcId="{873D28BA-46FC-45D4-8C9B-0CA146194B39}" destId="{3ECD0AA1-2CB1-4DA1-A260-28087138606A}" srcOrd="1" destOrd="0" presId="urn:microsoft.com/office/officeart/2018/2/layout/IconVerticalSolidList"/>
+    <dgm:cxn modelId="{70B84CD4-CDB0-4831-A762-717890456544}" type="presParOf" srcId="{873D28BA-46FC-45D4-8C9B-0CA146194B39}" destId="{149AC713-7985-47FD-83DA-06A94FD2F4D1}" srcOrd="2" destOrd="0" presId="urn:microsoft.com/office/officeart/2018/2/layout/IconVerticalSolidList"/>
+    <dgm:cxn modelId="{4BEFCDD0-DB16-4B30-88E8-83E1B15AB705}" type="presParOf" srcId="{873D28BA-46FC-45D4-8C9B-0CA146194B39}" destId="{95F1F8FA-0E6D-4816-B222-593DE12F4775}" srcOrd="3" destOrd="0" presId="urn:microsoft.com/office/officeart/2018/2/layout/IconVerticalSolidList"/>
+    <dgm:cxn modelId="{93745525-4916-4630-AAE1-56EE84463DC4}" type="presParOf" srcId="{83770811-9A7E-4626-A82B-9DDDB8E164D2}" destId="{8204C729-44B1-471E-B5DD-C9C564D918DA}" srcOrd="1" destOrd="0" presId="urn:microsoft.com/office/officeart/2018/2/layout/IconVerticalSolidList"/>
+    <dgm:cxn modelId="{6601D3A6-E480-4DDE-A881-B4552B114039}" type="presParOf" srcId="{83770811-9A7E-4626-A82B-9DDDB8E164D2}" destId="{7F93988E-6F0C-4FFD-9EA8-D1F173681E23}" srcOrd="2" destOrd="0" presId="urn:microsoft.com/office/officeart/2018/2/layout/IconVerticalSolidList"/>
+    <dgm:cxn modelId="{DA5AB0A9-E777-412B-82E7-4E122BA83F1D}" type="presParOf" srcId="{7F93988E-6F0C-4FFD-9EA8-D1F173681E23}" destId="{ED4703E8-BBF7-43C6-A0B9-A262CF59D503}" srcOrd="0" destOrd="0" presId="urn:microsoft.com/office/officeart/2018/2/layout/IconVerticalSolidList"/>
+    <dgm:cxn modelId="{605481BE-EC56-4342-A013-2BA11E53107E}" type="presParOf" srcId="{7F93988E-6F0C-4FFD-9EA8-D1F173681E23}" destId="{A3594EF9-1D80-472E-BB59-92D0AF8AFD3D}" srcOrd="1" destOrd="0" presId="urn:microsoft.com/office/officeart/2018/2/layout/IconVerticalSolidList"/>
+    <dgm:cxn modelId="{21135840-44A4-4714-973A-36C7857790BC}" type="presParOf" srcId="{7F93988E-6F0C-4FFD-9EA8-D1F173681E23}" destId="{81179C50-E83C-47DE-B498-673BE8FF8941}" srcOrd="2" destOrd="0" presId="urn:microsoft.com/office/officeart/2018/2/layout/IconVerticalSolidList"/>
+    <dgm:cxn modelId="{7409E933-BFEA-45F1-956D-34A87B199695}" type="presParOf" srcId="{7F93988E-6F0C-4FFD-9EA8-D1F173681E23}" destId="{41742AE3-EC8D-4337-B6A7-FE42A7F77FFE}" srcOrd="3" destOrd="0" presId="urn:microsoft.com/office/officeart/2018/2/layout/IconVerticalSolidList"/>
+    <dgm:cxn modelId="{00617E66-1DDC-4C9F-8F2E-4263FE0C33D8}" type="presParOf" srcId="{83770811-9A7E-4626-A82B-9DDDB8E164D2}" destId="{BC62DA75-541F-41F6-86BD-D1CE12C20A73}" srcOrd="3" destOrd="0" presId="urn:microsoft.com/office/officeart/2018/2/layout/IconVerticalSolidList"/>
+    <dgm:cxn modelId="{149C6B15-D5EA-40A0-AF2F-76FD54FC7A91}" type="presParOf" srcId="{83770811-9A7E-4626-A82B-9DDDB8E164D2}" destId="{CC2724E7-4C94-4AB7-B797-69D35F6766E8}" srcOrd="4" destOrd="0" presId="urn:microsoft.com/office/officeart/2018/2/layout/IconVerticalSolidList"/>
+    <dgm:cxn modelId="{333FC489-9153-4754-9293-9A672B82B172}" type="presParOf" srcId="{CC2724E7-4C94-4AB7-B797-69D35F6766E8}" destId="{F94DC68F-EB76-446F-A5A1-762758F69245}" srcOrd="0" destOrd="0" presId="urn:microsoft.com/office/officeart/2018/2/layout/IconVerticalSolidList"/>
+    <dgm:cxn modelId="{91C1C199-5CBE-4FA6-AEE6-93B7157F0CA4}" type="presParOf" srcId="{CC2724E7-4C94-4AB7-B797-69D35F6766E8}" destId="{9EA85806-114B-42F1-884A-669DA433CD6F}" srcOrd="1" destOrd="0" presId="urn:microsoft.com/office/officeart/2018/2/layout/IconVerticalSolidList"/>
+    <dgm:cxn modelId="{7E1010E9-785D-44EC-97E6-BDC26BB16684}" type="presParOf" srcId="{CC2724E7-4C94-4AB7-B797-69D35F6766E8}" destId="{11B811A9-F9D7-481E-B7AD-33AC86E6E82A}" srcOrd="2" destOrd="0" presId="urn:microsoft.com/office/officeart/2018/2/layout/IconVerticalSolidList"/>
+    <dgm:cxn modelId="{0F97C5CA-B5AB-4239-9712-188B4A4F398C}" type="presParOf" srcId="{CC2724E7-4C94-4AB7-B797-69D35F6766E8}" destId="{9019D3EA-931B-4565-ACE1-C6D956643966}" srcOrd="3" destOrd="0" presId="urn:microsoft.com/office/officeart/2018/2/layout/IconVerticalSolidList"/>
   </dgm:cxnLst>
   <dgm:bg/>
   <dgm:whole/>
@@ -11122,6 +12201,492 @@
 </dsp:drawing>
 </file>
 
+<file path=ppt/diagrams/drawing8.xml><?xml version="1.0" encoding="utf-8"?>
+<dsp:drawing xmlns:dgm="http://schemas.openxmlformats.org/drawingml/2006/diagram" xmlns:dsp="http://schemas.microsoft.com/office/drawing/2008/diagram" xmlns:a="http://schemas.openxmlformats.org/drawingml/2006/main">
+  <dsp:spTree>
+    <dsp:nvGrpSpPr>
+      <dsp:cNvPr id="0" name=""/>
+      <dsp:cNvGrpSpPr/>
+    </dsp:nvGrpSpPr>
+    <dsp:grpSpPr/>
+    <dsp:sp modelId="{46F0CE1F-B48A-43C0-90F2-45BCF2EC75F2}">
+      <dsp:nvSpPr>
+        <dsp:cNvPr id="0" name=""/>
+        <dsp:cNvSpPr/>
+      </dsp:nvSpPr>
+      <dsp:spPr>
+        <a:xfrm>
+          <a:off x="0" y="531"/>
+          <a:ext cx="10515600" cy="1242935"/>
+        </a:xfrm>
+        <a:prstGeom prst="roundRect">
+          <a:avLst>
+            <a:gd name="adj" fmla="val 10000"/>
+          </a:avLst>
+        </a:prstGeom>
+        <a:solidFill>
+          <a:schemeClr val="accent1">
+            <a:tint val="40000"/>
+            <a:hueOff val="0"/>
+            <a:satOff val="0"/>
+            <a:lumOff val="0"/>
+            <a:alphaOff val="0"/>
+          </a:schemeClr>
+        </a:solidFill>
+        <a:ln>
+          <a:noFill/>
+        </a:ln>
+        <a:effectLst/>
+      </dsp:spPr>
+      <dsp:style>
+        <a:lnRef idx="0">
+          <a:scrgbClr r="0" g="0" b="0"/>
+        </a:lnRef>
+        <a:fillRef idx="1">
+          <a:scrgbClr r="0" g="0" b="0"/>
+        </a:fillRef>
+        <a:effectRef idx="0">
+          <a:scrgbClr r="0" g="0" b="0"/>
+        </a:effectRef>
+        <a:fontRef idx="minor"/>
+      </dsp:style>
+    </dsp:sp>
+    <dsp:sp modelId="{3ECD0AA1-2CB1-4DA1-A260-28087138606A}">
+      <dsp:nvSpPr>
+        <dsp:cNvPr id="0" name=""/>
+        <dsp:cNvSpPr/>
+      </dsp:nvSpPr>
+      <dsp:spPr>
+        <a:xfrm>
+          <a:off x="375988" y="280191"/>
+          <a:ext cx="683614" cy="683614"/>
+        </a:xfrm>
+        <a:prstGeom prst="rect">
+          <a:avLst/>
+        </a:prstGeom>
+        <a:blipFill>
+          <a:blip xmlns:r="http://schemas.openxmlformats.org/officeDocument/2006/relationships" r:embed="rId1">
+            <a:extLst>
+              <a:ext uri="{96DAC541-7B7A-43D3-8B79-37D633B846F1}">
+                <asvg:svgBlip xmlns:asvg="http://schemas.microsoft.com/office/drawing/2016/SVG/main" r:embed="rId2"/>
+              </a:ext>
+            </a:extLst>
+          </a:blip>
+          <a:srcRect/>
+          <a:stretch>
+            <a:fillRect/>
+          </a:stretch>
+        </a:blipFill>
+        <a:ln w="12700" cap="flat" cmpd="sng" algn="ctr">
+          <a:solidFill>
+            <a:schemeClr val="lt1">
+              <a:hueOff val="0"/>
+              <a:satOff val="0"/>
+              <a:lumOff val="0"/>
+              <a:alphaOff val="0"/>
+            </a:schemeClr>
+          </a:solidFill>
+          <a:prstDash val="solid"/>
+          <a:miter lim="800000"/>
+        </a:ln>
+        <a:effectLst/>
+      </dsp:spPr>
+      <dsp:style>
+        <a:lnRef idx="2">
+          <a:scrgbClr r="0" g="0" b="0"/>
+        </a:lnRef>
+        <a:fillRef idx="1">
+          <a:scrgbClr r="0" g="0" b="0"/>
+        </a:fillRef>
+        <a:effectRef idx="0">
+          <a:scrgbClr r="0" g="0" b="0"/>
+        </a:effectRef>
+        <a:fontRef idx="minor">
+          <a:schemeClr val="lt1"/>
+        </a:fontRef>
+      </dsp:style>
+    </dsp:sp>
+    <dsp:sp modelId="{95F1F8FA-0E6D-4816-B222-593DE12F4775}">
+      <dsp:nvSpPr>
+        <dsp:cNvPr id="0" name=""/>
+        <dsp:cNvSpPr/>
+      </dsp:nvSpPr>
+      <dsp:spPr>
+        <a:xfrm>
+          <a:off x="1435590" y="531"/>
+          <a:ext cx="9080009" cy="1242935"/>
+        </a:xfrm>
+        <a:prstGeom prst="rect">
+          <a:avLst/>
+        </a:prstGeom>
+        <a:noFill/>
+        <a:ln>
+          <a:noFill/>
+        </a:ln>
+        <a:effectLst/>
+      </dsp:spPr>
+      <dsp:style>
+        <a:lnRef idx="0">
+          <a:scrgbClr r="0" g="0" b="0"/>
+        </a:lnRef>
+        <a:fillRef idx="0">
+          <a:scrgbClr r="0" g="0" b="0"/>
+        </a:fillRef>
+        <a:effectRef idx="0">
+          <a:scrgbClr r="0" g="0" b="0"/>
+        </a:effectRef>
+        <a:fontRef idx="minor"/>
+      </dsp:style>
+      <dsp:txBody>
+        <a:bodyPr spcFirstLastPara="0" vert="horz" wrap="square" lIns="131544" tIns="131544" rIns="131544" bIns="131544" numCol="1" spcCol="1270" anchor="ctr" anchorCtr="0">
+          <a:noAutofit/>
+        </a:bodyPr>
+        <a:lstStyle/>
+        <a:p>
+          <a:pPr marL="0" lvl="0" indent="0" algn="l" defTabSz="1111250">
+            <a:lnSpc>
+              <a:spcPct val="100000"/>
+            </a:lnSpc>
+            <a:spcBef>
+              <a:spcPct val="0"/>
+            </a:spcBef>
+            <a:spcAft>
+              <a:spcPct val="35000"/>
+            </a:spcAft>
+            <a:buNone/>
+          </a:pPr>
+          <a:r>
+            <a:rPr lang="it-IT" sz="2500" kern="1200" dirty="0"/>
+            <a:t>Use Rhetorical Roles Classification to improve the performances of Legal Holding Extraction models.</a:t>
+          </a:r>
+          <a:endParaRPr lang="en-US" sz="2500" kern="1200" dirty="0"/>
+        </a:p>
+      </dsp:txBody>
+      <dsp:txXfrm>
+        <a:off x="1435590" y="531"/>
+        <a:ext cx="9080009" cy="1242935"/>
+      </dsp:txXfrm>
+    </dsp:sp>
+    <dsp:sp modelId="{ED4703E8-BBF7-43C6-A0B9-A262CF59D503}">
+      <dsp:nvSpPr>
+        <dsp:cNvPr id="0" name=""/>
+        <dsp:cNvSpPr/>
+      </dsp:nvSpPr>
+      <dsp:spPr>
+        <a:xfrm>
+          <a:off x="0" y="1554201"/>
+          <a:ext cx="10515600" cy="1242935"/>
+        </a:xfrm>
+        <a:prstGeom prst="roundRect">
+          <a:avLst>
+            <a:gd name="adj" fmla="val 10000"/>
+          </a:avLst>
+        </a:prstGeom>
+        <a:solidFill>
+          <a:schemeClr val="accent1">
+            <a:tint val="40000"/>
+            <a:hueOff val="0"/>
+            <a:satOff val="0"/>
+            <a:lumOff val="0"/>
+            <a:alphaOff val="0"/>
+          </a:schemeClr>
+        </a:solidFill>
+        <a:ln>
+          <a:noFill/>
+        </a:ln>
+        <a:effectLst/>
+      </dsp:spPr>
+      <dsp:style>
+        <a:lnRef idx="0">
+          <a:scrgbClr r="0" g="0" b="0"/>
+        </a:lnRef>
+        <a:fillRef idx="1">
+          <a:scrgbClr r="0" g="0" b="0"/>
+        </a:fillRef>
+        <a:effectRef idx="0">
+          <a:scrgbClr r="0" g="0" b="0"/>
+        </a:effectRef>
+        <a:fontRef idx="minor"/>
+      </dsp:style>
+    </dsp:sp>
+    <dsp:sp modelId="{A3594EF9-1D80-472E-BB59-92D0AF8AFD3D}">
+      <dsp:nvSpPr>
+        <dsp:cNvPr id="0" name=""/>
+        <dsp:cNvSpPr/>
+      </dsp:nvSpPr>
+      <dsp:spPr>
+        <a:xfrm>
+          <a:off x="375988" y="1833861"/>
+          <a:ext cx="683614" cy="683614"/>
+        </a:xfrm>
+        <a:prstGeom prst="rect">
+          <a:avLst/>
+        </a:prstGeom>
+        <a:blipFill>
+          <a:blip xmlns:r="http://schemas.openxmlformats.org/officeDocument/2006/relationships" r:embed="rId3">
+            <a:extLst>
+              <a:ext uri="{96DAC541-7B7A-43D3-8B79-37D633B846F1}">
+                <asvg:svgBlip xmlns:asvg="http://schemas.microsoft.com/office/drawing/2016/SVG/main" r:embed="rId4"/>
+              </a:ext>
+            </a:extLst>
+          </a:blip>
+          <a:srcRect/>
+          <a:stretch>
+            <a:fillRect/>
+          </a:stretch>
+        </a:blipFill>
+        <a:ln w="12700" cap="flat" cmpd="sng" algn="ctr">
+          <a:solidFill>
+            <a:schemeClr val="lt1">
+              <a:hueOff val="0"/>
+              <a:satOff val="0"/>
+              <a:lumOff val="0"/>
+              <a:alphaOff val="0"/>
+            </a:schemeClr>
+          </a:solidFill>
+          <a:prstDash val="solid"/>
+          <a:miter lim="800000"/>
+        </a:ln>
+        <a:effectLst/>
+      </dsp:spPr>
+      <dsp:style>
+        <a:lnRef idx="2">
+          <a:scrgbClr r="0" g="0" b="0"/>
+        </a:lnRef>
+        <a:fillRef idx="1">
+          <a:scrgbClr r="0" g="0" b="0"/>
+        </a:fillRef>
+        <a:effectRef idx="0">
+          <a:scrgbClr r="0" g="0" b="0"/>
+        </a:effectRef>
+        <a:fontRef idx="minor">
+          <a:schemeClr val="lt1"/>
+        </a:fontRef>
+      </dsp:style>
+    </dsp:sp>
+    <dsp:sp modelId="{41742AE3-EC8D-4337-B6A7-FE42A7F77FFE}">
+      <dsp:nvSpPr>
+        <dsp:cNvPr id="0" name=""/>
+        <dsp:cNvSpPr/>
+      </dsp:nvSpPr>
+      <dsp:spPr>
+        <a:xfrm>
+          <a:off x="1435590" y="1554201"/>
+          <a:ext cx="9080009" cy="1242935"/>
+        </a:xfrm>
+        <a:prstGeom prst="rect">
+          <a:avLst/>
+        </a:prstGeom>
+        <a:noFill/>
+        <a:ln>
+          <a:noFill/>
+        </a:ln>
+        <a:effectLst/>
+      </dsp:spPr>
+      <dsp:style>
+        <a:lnRef idx="0">
+          <a:scrgbClr r="0" g="0" b="0"/>
+        </a:lnRef>
+        <a:fillRef idx="0">
+          <a:scrgbClr r="0" g="0" b="0"/>
+        </a:fillRef>
+        <a:effectRef idx="0">
+          <a:scrgbClr r="0" g="0" b="0"/>
+        </a:effectRef>
+        <a:fontRef idx="minor"/>
+      </dsp:style>
+      <dsp:txBody>
+        <a:bodyPr spcFirstLastPara="0" vert="horz" wrap="square" lIns="131544" tIns="131544" rIns="131544" bIns="131544" numCol="1" spcCol="1270" anchor="ctr" anchorCtr="0">
+          <a:noAutofit/>
+        </a:bodyPr>
+        <a:lstStyle/>
+        <a:p>
+          <a:pPr marL="0" lvl="0" indent="0" algn="l" defTabSz="1111250">
+            <a:lnSpc>
+              <a:spcPct val="100000"/>
+            </a:lnSpc>
+            <a:spcBef>
+              <a:spcPct val="0"/>
+            </a:spcBef>
+            <a:spcAft>
+              <a:spcPct val="35000"/>
+            </a:spcAft>
+            <a:buNone/>
+          </a:pPr>
+          <a:r>
+            <a:rPr lang="it-IT" sz="2500" kern="1200" dirty="0"/>
+            <a:t>The bigger the better? Try to use more recent Large Language Models to improve the classification accuracy.</a:t>
+          </a:r>
+          <a:endParaRPr lang="en-US" sz="2500" kern="1200" dirty="0"/>
+        </a:p>
+      </dsp:txBody>
+      <dsp:txXfrm>
+        <a:off x="1435590" y="1554201"/>
+        <a:ext cx="9080009" cy="1242935"/>
+      </dsp:txXfrm>
+    </dsp:sp>
+    <dsp:sp modelId="{F94DC68F-EB76-446F-A5A1-762758F69245}">
+      <dsp:nvSpPr>
+        <dsp:cNvPr id="0" name=""/>
+        <dsp:cNvSpPr/>
+      </dsp:nvSpPr>
+      <dsp:spPr>
+        <a:xfrm>
+          <a:off x="0" y="3107870"/>
+          <a:ext cx="10515600" cy="1242935"/>
+        </a:xfrm>
+        <a:prstGeom prst="roundRect">
+          <a:avLst>
+            <a:gd name="adj" fmla="val 10000"/>
+          </a:avLst>
+        </a:prstGeom>
+        <a:solidFill>
+          <a:schemeClr val="accent1">
+            <a:tint val="40000"/>
+            <a:hueOff val="0"/>
+            <a:satOff val="0"/>
+            <a:lumOff val="0"/>
+            <a:alphaOff val="0"/>
+          </a:schemeClr>
+        </a:solidFill>
+        <a:ln>
+          <a:noFill/>
+        </a:ln>
+        <a:effectLst/>
+      </dsp:spPr>
+      <dsp:style>
+        <a:lnRef idx="0">
+          <a:scrgbClr r="0" g="0" b="0"/>
+        </a:lnRef>
+        <a:fillRef idx="1">
+          <a:scrgbClr r="0" g="0" b="0"/>
+        </a:fillRef>
+        <a:effectRef idx="0">
+          <a:scrgbClr r="0" g="0" b="0"/>
+        </a:effectRef>
+        <a:fontRef idx="minor"/>
+      </dsp:style>
+    </dsp:sp>
+    <dsp:sp modelId="{9EA85806-114B-42F1-884A-669DA433CD6F}">
+      <dsp:nvSpPr>
+        <dsp:cNvPr id="0" name=""/>
+        <dsp:cNvSpPr/>
+      </dsp:nvSpPr>
+      <dsp:spPr>
+        <a:xfrm>
+          <a:off x="375988" y="3387531"/>
+          <a:ext cx="683614" cy="683614"/>
+        </a:xfrm>
+        <a:prstGeom prst="rect">
+          <a:avLst/>
+        </a:prstGeom>
+        <a:blipFill>
+          <a:blip xmlns:r="http://schemas.openxmlformats.org/officeDocument/2006/relationships" r:embed="rId5">
+            <a:extLst>
+              <a:ext uri="{96DAC541-7B7A-43D3-8B79-37D633B846F1}">
+                <asvg:svgBlip xmlns:asvg="http://schemas.microsoft.com/office/drawing/2016/SVG/main" r:embed="rId6"/>
+              </a:ext>
+            </a:extLst>
+          </a:blip>
+          <a:srcRect/>
+          <a:stretch>
+            <a:fillRect/>
+          </a:stretch>
+        </a:blipFill>
+        <a:ln w="12700" cap="flat" cmpd="sng" algn="ctr">
+          <a:solidFill>
+            <a:schemeClr val="lt1">
+              <a:hueOff val="0"/>
+              <a:satOff val="0"/>
+              <a:lumOff val="0"/>
+              <a:alphaOff val="0"/>
+            </a:schemeClr>
+          </a:solidFill>
+          <a:prstDash val="solid"/>
+          <a:miter lim="800000"/>
+        </a:ln>
+        <a:effectLst/>
+      </dsp:spPr>
+      <dsp:style>
+        <a:lnRef idx="2">
+          <a:scrgbClr r="0" g="0" b="0"/>
+        </a:lnRef>
+        <a:fillRef idx="1">
+          <a:scrgbClr r="0" g="0" b="0"/>
+        </a:fillRef>
+        <a:effectRef idx="0">
+          <a:scrgbClr r="0" g="0" b="0"/>
+        </a:effectRef>
+        <a:fontRef idx="minor">
+          <a:schemeClr val="lt1"/>
+        </a:fontRef>
+      </dsp:style>
+    </dsp:sp>
+    <dsp:sp modelId="{9019D3EA-931B-4565-ACE1-C6D956643966}">
+      <dsp:nvSpPr>
+        <dsp:cNvPr id="0" name=""/>
+        <dsp:cNvSpPr/>
+      </dsp:nvSpPr>
+      <dsp:spPr>
+        <a:xfrm>
+          <a:off x="1435590" y="3107870"/>
+          <a:ext cx="9080009" cy="1242935"/>
+        </a:xfrm>
+        <a:prstGeom prst="rect">
+          <a:avLst/>
+        </a:prstGeom>
+        <a:noFill/>
+        <a:ln>
+          <a:noFill/>
+        </a:ln>
+        <a:effectLst/>
+      </dsp:spPr>
+      <dsp:style>
+        <a:lnRef idx="0">
+          <a:scrgbClr r="0" g="0" b="0"/>
+        </a:lnRef>
+        <a:fillRef idx="0">
+          <a:scrgbClr r="0" g="0" b="0"/>
+        </a:fillRef>
+        <a:effectRef idx="0">
+          <a:scrgbClr r="0" g="0" b="0"/>
+        </a:effectRef>
+        <a:fontRef idx="minor"/>
+      </dsp:style>
+      <dsp:txBody>
+        <a:bodyPr spcFirstLastPara="0" vert="horz" wrap="square" lIns="131544" tIns="131544" rIns="131544" bIns="131544" numCol="1" spcCol="1270" anchor="ctr" anchorCtr="0">
+          <a:noAutofit/>
+        </a:bodyPr>
+        <a:lstStyle/>
+        <a:p>
+          <a:pPr marL="0" lvl="0" indent="0" algn="l" defTabSz="1111250">
+            <a:lnSpc>
+              <a:spcPct val="100000"/>
+            </a:lnSpc>
+            <a:spcBef>
+              <a:spcPct val="0"/>
+            </a:spcBef>
+            <a:spcAft>
+              <a:spcPct val="35000"/>
+            </a:spcAft>
+            <a:buNone/>
+          </a:pPr>
+          <a:r>
+            <a:rPr lang="it-IT" sz="2500" kern="1200" dirty="0"/>
+            <a:t>Can Chat-GPT help?</a:t>
+          </a:r>
+          <a:endParaRPr lang="en-US" sz="2500" kern="1200" dirty="0"/>
+        </a:p>
+      </dsp:txBody>
+      <dsp:txXfrm>
+        <a:off x="1435590" y="3107870"/>
+        <a:ext cx="9080009" cy="1242935"/>
+      </dsp:txXfrm>
+    </dsp:sp>
+  </dsp:spTree>
+</dsp:drawing>
+</file>
+
 <file path=ppt/diagrams/layout1.xml><?xml version="1.0" encoding="utf-8"?>
 <dgm:layoutDef xmlns:dgm="http://schemas.openxmlformats.org/drawingml/2006/diagram" xmlns:a="http://schemas.openxmlformats.org/drawingml/2006/main" uniqueId="urn:microsoft.com/office/officeart/2005/8/layout/vList2">
   <dgm:title val=""/>
@@ -12418,6 +13983,300 @@
 </dgm:layoutDef>
 </file>
 
+<file path=ppt/diagrams/layout8.xml><?xml version="1.0" encoding="utf-8"?>
+<dgm:layoutDef xmlns:dgm="http://schemas.openxmlformats.org/drawingml/2006/diagram" xmlns:a="http://schemas.openxmlformats.org/drawingml/2006/main" uniqueId="urn:microsoft.com/office/officeart/2018/2/layout/IconVerticalSolidList">
+  <dgm:title val="Icon Vertical Solid List"/>
+  <dgm:desc val="Use to show a series of visuals from top to bottom with Level 1 or Level 1 and Level 2 text grouped in a shape. Works best with icons or small pictures with lengthier descriptions."/>
+  <dgm:catLst>
+    <dgm:cat type="icon" pri="500"/>
+  </dgm:catLst>
+  <dgm:sampData useDef="1">
+    <dgm:dataModel>
+      <dgm:ptLst/>
+      <dgm:bg/>
+      <dgm:whole/>
+    </dgm:dataModel>
+  </dgm:sampData>
+  <dgm:styleData useDef="1">
+    <dgm:dataModel>
+      <dgm:ptLst/>
+      <dgm:bg/>
+      <dgm:whole/>
+    </dgm:dataModel>
+  </dgm:styleData>
+  <dgm:clrData useDef="1">
+    <dgm:dataModel>
+      <dgm:ptLst/>
+      <dgm:bg/>
+      <dgm:whole/>
+    </dgm:dataModel>
+  </dgm:clrData>
+  <dgm:layoutNode name="root">
+    <dgm:varLst>
+      <dgm:dir/>
+      <dgm:resizeHandles val="exact"/>
+    </dgm:varLst>
+    <dgm:choose name="Name0">
+      <dgm:if name="Name1" axis="self" func="var" arg="dir" op="equ" val="norm">
+        <dgm:alg type="lin">
+          <dgm:param type="linDir" val="fromT"/>
+          <dgm:param type="nodeHorzAlign" val="l"/>
+        </dgm:alg>
+      </dgm:if>
+      <dgm:else name="Name2">
+        <dgm:alg type="lin">
+          <dgm:param type="linDir" val="fromT"/>
+          <dgm:param type="nodeHorzAlign" val="r"/>
+        </dgm:alg>
+      </dgm:else>
+    </dgm:choose>
+    <dgm:shape xmlns:r="http://schemas.openxmlformats.org/officeDocument/2006/relationships" r:blip="">
+      <dgm:adjLst/>
+    </dgm:shape>
+    <dgm:presOf/>
+    <dgm:choose name="Name3">
+      <dgm:if name="Name4" axis="ch" ptType="node" func="cnt" op="lte" val="3">
+        <dgm:constrLst>
+          <dgm:constr type="h" for="ch" forName="compNode" refType="h" fact="0.3"/>
+          <dgm:constr type="w" for="ch" forName="compNode" refType="w"/>
+          <dgm:constr type="h" for="ch" forName="sibTrans" refType="h" refFor="ch" refForName="compNode" fact="0.25"/>
+          <dgm:constr type="primFontSz" for="des" forName="parTx" val="25"/>
+          <dgm:constr type="primFontSz" for="des" forName="desTx" refType="primFontSz" refFor="des" refForName="parTx" op="lte" fact="0.75"/>
+          <dgm:constr type="h" for="des" forName="compNode" op="equ"/>
+          <dgm:constr type="h" for="des" forName="bgRect" op="equ"/>
+          <dgm:constr type="h" for="des" forName="iconRect" op="equ"/>
+          <dgm:constr type="w" for="des" forName="iconRect" op="equ"/>
+          <dgm:constr type="h" for="des" forName="spaceRect" op="equ"/>
+          <dgm:constr type="h" for="des" forName="parTx" op="equ"/>
+          <dgm:constr type="h" for="des" forName="desTx" op="equ"/>
+        </dgm:constrLst>
+      </dgm:if>
+      <dgm:if name="Name5" axis="ch" ptType="node" func="cnt" op="lte" val="4">
+        <dgm:constrLst>
+          <dgm:constr type="h" for="ch" forName="compNode" refType="h" fact="0.3"/>
+          <dgm:constr type="w" for="ch" forName="compNode" refType="w"/>
+          <dgm:constr type="h" for="ch" forName="sibTrans" refType="h" refFor="ch" refForName="compNode" fact="0.25"/>
+          <dgm:constr type="primFontSz" for="des" forName="parTx" val="22"/>
+          <dgm:constr type="primFontSz" for="des" forName="desTx" refType="primFontSz" refFor="des" refForName="parTx" op="lte" fact="0.75"/>
+          <dgm:constr type="h" for="des" forName="compNode" op="equ"/>
+          <dgm:constr type="h" for="des" forName="bgRect" op="equ"/>
+          <dgm:constr type="h" for="des" forName="iconRect" op="equ"/>
+          <dgm:constr type="w" for="des" forName="iconRect" op="equ"/>
+          <dgm:constr type="h" for="des" forName="spaceRect" op="equ"/>
+          <dgm:constr type="h" for="des" forName="parTx" op="equ"/>
+          <dgm:constr type="h" for="des" forName="desTx" op="equ"/>
+        </dgm:constrLst>
+      </dgm:if>
+      <dgm:if name="Name6" axis="ch" ptType="node" func="cnt" op="lte" val="6">
+        <dgm:constrLst>
+          <dgm:constr type="h" for="ch" forName="compNode" refType="h" fact="0.3"/>
+          <dgm:constr type="w" for="ch" forName="compNode" refType="w"/>
+          <dgm:constr type="h" for="ch" forName="sibTrans" refType="h" refFor="ch" refForName="compNode" fact="0.25"/>
+          <dgm:constr type="primFontSz" for="des" forName="parTx" val="19"/>
+          <dgm:constr type="primFontSz" for="des" forName="desTx" refType="primFontSz" refFor="des" refForName="parTx" op="lte" fact="0.75"/>
+          <dgm:constr type="h" for="des" forName="compNode" op="equ"/>
+          <dgm:constr type="h" for="des" forName="bgRect" op="equ"/>
+          <dgm:constr type="h" for="des" forName="iconRect" op="equ"/>
+          <dgm:constr type="w" for="des" forName="iconRect" op="equ"/>
+          <dgm:constr type="h" for="des" forName="spaceRect" op="equ"/>
+          <dgm:constr type="h" for="des" forName="parTx" op="equ"/>
+          <dgm:constr type="h" for="des" forName="desTx" op="equ"/>
+        </dgm:constrLst>
+      </dgm:if>
+      <dgm:else name="Name7">
+        <dgm:constrLst>
+          <dgm:constr type="h" for="ch" forName="compNode" refType="h" fact="0.3"/>
+          <dgm:constr type="w" for="ch" forName="compNode" refType="w"/>
+          <dgm:constr type="h" for="ch" forName="sibTrans" refType="h" refFor="ch" refForName="compNode" fact="0.25"/>
+          <dgm:constr type="primFontSz" for="des" forName="parTx" val="16"/>
+          <dgm:constr type="primFontSz" for="des" forName="desTx" refType="primFontSz" refFor="des" refForName="parTx" op="lte" fact="0.75"/>
+          <dgm:constr type="h" for="des" forName="compNode" op="equ"/>
+          <dgm:constr type="h" for="des" forName="bgRect" op="equ"/>
+          <dgm:constr type="h" for="des" forName="iconRect" op="equ"/>
+          <dgm:constr type="w" for="des" forName="iconRect" op="equ"/>
+          <dgm:constr type="h" for="des" forName="spaceRect" op="equ"/>
+          <dgm:constr type="h" for="des" forName="parTx" op="equ"/>
+          <dgm:constr type="h" for="des" forName="desTx" op="equ"/>
+        </dgm:constrLst>
+      </dgm:else>
+    </dgm:choose>
+    <dgm:ruleLst>
+      <dgm:rule type="h" for="ch" forName="compNode" val="0" fact="NaN" max="NaN"/>
+    </dgm:ruleLst>
+    <dgm:forEach name="Name8" axis="ch" ptType="node">
+      <dgm:layoutNode name="compNode">
+        <dgm:alg type="composite"/>
+        <dgm:shape xmlns:r="http://schemas.openxmlformats.org/officeDocument/2006/relationships" r:blip="">
+          <dgm:adjLst/>
+        </dgm:shape>
+        <dgm:presOf axis="self"/>
+        <dgm:choose name="Name9">
+          <dgm:if name="Name10" axis="ch" ptType="node" func="cnt" op="gte" val="1">
+            <dgm:constrLst>
+              <dgm:constr type="w" for="ch" forName="bgRect" refType="w"/>
+              <dgm:constr type="h" for="ch" forName="bgRect" refType="h"/>
+              <dgm:constr type="l" for="ch" forName="bgRect"/>
+              <dgm:constr type="t" for="ch" forName="bgRect"/>
+              <dgm:constr type="h" for="ch" forName="iconRect" refType="h" fact="0.55"/>
+              <dgm:constr type="w" for="ch" forName="iconRect" refType="h" refFor="ch" refForName="iconRect"/>
+              <dgm:constr type="l" for="ch" forName="iconRect" refType="h" refFor="ch" refForName="iconRect" fact="0.55"/>
+              <dgm:constr type="ctrY" for="ch" forName="iconRect" refType="ctrY" refFor="ch" refForName="bgRect"/>
+              <dgm:constr type="w" for="ch" forName="spaceRect" refType="l" refFor="ch" refForName="iconRect"/>
+              <dgm:constr type="h" for="ch" forName="spaceRect" refType="h"/>
+              <dgm:constr type="l" for="ch" forName="spaceRect" refType="r" refFor="ch" refForName="iconRect"/>
+              <dgm:constr type="t" for="ch" forName="spaceRect"/>
+              <dgm:constr type="w" for="ch" forName="parTx" refType="w" fact="0.45"/>
+              <dgm:constr type="h" for="ch" forName="parTx" refType="h"/>
+              <dgm:constr type="l" for="ch" forName="parTx" refType="r" refFor="ch" refForName="spaceRect"/>
+              <dgm:constr type="t" for="ch" forName="parTx"/>
+              <dgm:constr type="h" for="ch" forName="desTx" refType="h"/>
+              <dgm:constr type="l" for="ch" forName="desTx" refType="r" refFor="ch" refForName="parTx"/>
+              <dgm:constr type="t" for="ch" forName="desTx"/>
+            </dgm:constrLst>
+          </dgm:if>
+          <dgm:else name="Name11">
+            <dgm:constrLst>
+              <dgm:constr type="w" for="ch" forName="bgRect" refType="w"/>
+              <dgm:constr type="h" for="ch" forName="bgRect" refType="h"/>
+              <dgm:constr type="l" for="ch" forName="bgRect"/>
+              <dgm:constr type="t" for="ch" forName="bgRect"/>
+              <dgm:constr type="h" for="ch" forName="iconRect" refType="h" fact="0.55"/>
+              <dgm:constr type="w" for="ch" forName="iconRect" refType="h" refFor="ch" refForName="iconRect"/>
+              <dgm:constr type="l" for="ch" forName="iconRect" refType="h" refFor="ch" refForName="iconRect" fact="0.55"/>
+              <dgm:constr type="ctrY" for="ch" forName="iconRect" refType="ctrY" refFor="ch" refForName="bgRect"/>
+              <dgm:constr type="w" for="ch" forName="spaceRect" refType="l" refFor="ch" refForName="iconRect"/>
+              <dgm:constr type="h" for="ch" forName="spaceRect" refType="h"/>
+              <dgm:constr type="l" for="ch" forName="spaceRect" refType="r" refFor="ch" refForName="iconRect"/>
+              <dgm:constr type="t" for="ch" forName="spaceRect"/>
+              <dgm:constr type="h" for="ch" forName="parTx" refType="h"/>
+              <dgm:constr type="l" for="ch" forName="parTx" refType="r" refFor="ch" refForName="spaceRect"/>
+              <dgm:constr type="t" for="ch" forName="parTx"/>
+            </dgm:constrLst>
+          </dgm:else>
+        </dgm:choose>
+        <dgm:ruleLst>
+          <dgm:rule type="h" val="INF" fact="NaN" max="NaN"/>
+        </dgm:ruleLst>
+        <dgm:layoutNode name="bgRect" styleLbl="bgShp">
+          <dgm:alg type="sp"/>
+          <dgm:shape xmlns:r="http://schemas.openxmlformats.org/officeDocument/2006/relationships" type="roundRect" r:blip="">
+            <dgm:adjLst>
+              <dgm:adj idx="1" val="0.1"/>
+            </dgm:adjLst>
+          </dgm:shape>
+          <dgm:presOf/>
+          <dgm:constrLst/>
+          <dgm:ruleLst/>
+        </dgm:layoutNode>
+        <dgm:layoutNode name="iconRect" styleLbl="node1">
+          <dgm:alg type="sp"/>
+          <dgm:shape xmlns:r="http://schemas.openxmlformats.org/officeDocument/2006/relationships" type="rect" r:blip="" blipPhldr="1">
+            <dgm:adjLst/>
+          </dgm:shape>
+          <dgm:presOf/>
+          <dgm:constrLst/>
+          <dgm:ruleLst/>
+        </dgm:layoutNode>
+        <dgm:layoutNode name="spaceRect">
+          <dgm:alg type="sp"/>
+          <dgm:shape xmlns:r="http://schemas.openxmlformats.org/officeDocument/2006/relationships" r:blip="">
+            <dgm:adjLst/>
+          </dgm:shape>
+          <dgm:presOf/>
+          <dgm:constrLst/>
+          <dgm:ruleLst/>
+        </dgm:layoutNode>
+        <dgm:layoutNode name="parTx" styleLbl="revTx">
+          <dgm:varLst>
+            <dgm:chMax val="0"/>
+            <dgm:chPref val="0"/>
+          </dgm:varLst>
+          <dgm:alg type="tx">
+            <dgm:param type="txAnchorVert" val="mid"/>
+            <dgm:param type="parTxLTRAlign" val="l"/>
+            <dgm:param type="shpTxLTRAlignCh" val="l"/>
+            <dgm:param type="parTxRTLAlign" val="r"/>
+            <dgm:param type="shpTxRTLAlignCh" val="r"/>
+          </dgm:alg>
+          <dgm:shape xmlns:r="http://schemas.openxmlformats.org/officeDocument/2006/relationships" type="rect" r:blip="">
+            <dgm:adjLst/>
+          </dgm:shape>
+          <dgm:presOf axis="self" ptType="node"/>
+          <dgm:constrLst>
+            <dgm:constr type="lMarg" refType="h" fact="0.3"/>
+            <dgm:constr type="rMarg" refType="h" fact="0.3"/>
+            <dgm:constr type="tMarg" refType="h" fact="0.3"/>
+            <dgm:constr type="bMarg" refType="h" fact="0.3"/>
+          </dgm:constrLst>
+          <dgm:ruleLst>
+            <dgm:rule type="primFontSz" val="14" fact="NaN" max="NaN"/>
+            <dgm:rule type="h" val="INF" fact="NaN" max="NaN"/>
+          </dgm:ruleLst>
+        </dgm:layoutNode>
+        <dgm:choose name="Name12">
+          <dgm:if name="Name13" axis="ch" ptType="node" func="cnt" op="gte" val="1">
+            <dgm:layoutNode name="desTx" styleLbl="revTx">
+              <dgm:varLst/>
+              <dgm:alg type="tx">
+                <dgm:param type="txAnchorVertCh" val="mid"/>
+                <dgm:param type="parTxLTRAlign" val="l"/>
+                <dgm:param type="shpTxLTRAlignCh" val="l"/>
+                <dgm:param type="parTxRTLAlign" val="r"/>
+                <dgm:param type="shpTxRTLAlignCh" val="r"/>
+                <dgm:param type="stBulletLvl" val="0"/>
+              </dgm:alg>
+              <dgm:shape xmlns:r="http://schemas.openxmlformats.org/officeDocument/2006/relationships" type="rect" r:blip="">
+                <dgm:adjLst/>
+              </dgm:shape>
+              <dgm:presOf axis="des" ptType="node"/>
+              <dgm:constrLst>
+                <dgm:constr type="primFontSz" val="18"/>
+                <dgm:constr type="secFontSz" refType="primFontSz"/>
+                <dgm:constr type="lMarg" refType="h" fact="0.3"/>
+                <dgm:constr type="rMarg" refType="h" fact="0.3"/>
+                <dgm:constr type="tMarg" refType="h" fact="0.3"/>
+                <dgm:constr type="bMarg" refType="h" fact="0.3"/>
+              </dgm:constrLst>
+              <dgm:ruleLst>
+                <dgm:rule type="primFontSz" val="11" fact="NaN" max="NaN"/>
+              </dgm:ruleLst>
+            </dgm:layoutNode>
+          </dgm:if>
+          <dgm:else name="Name14"/>
+        </dgm:choose>
+      </dgm:layoutNode>
+      <dgm:forEach name="Name15" axis="followSib" ptType="sibTrans" cnt="1">
+        <dgm:layoutNode name="sibTrans">
+          <dgm:alg type="sp"/>
+          <dgm:shape xmlns:r="http://schemas.openxmlformats.org/officeDocument/2006/relationships" r:blip="">
+            <dgm:adjLst/>
+          </dgm:shape>
+          <dgm:presOf axis="self"/>
+          <dgm:constrLst/>
+          <dgm:ruleLst/>
+        </dgm:layoutNode>
+      </dgm:forEach>
+    </dgm:forEach>
+  </dgm:layoutNode>
+  <dgm:extLst>
+    <a:ext uri="{68A01E43-0DF5-4B5B-8FA6-DAF915123BFB}">
+      <dgm1612:lstStyle xmlns:dgm1612="http://schemas.microsoft.com/office/drawing/2016/12/diagram">
+        <a:lvl1pPr>
+          <a:lnSpc>
+            <a:spcPct val="100000"/>
+          </a:lnSpc>
+        </a:lvl1pPr>
+        <a:lvl2pPr>
+          <a:lnSpc>
+            <a:spcPct val="100000"/>
+          </a:lnSpc>
+        </a:lvl2pPr>
+      </dgm1612:lstStyle>
+    </a:ext>
+  </dgm:extLst>
+</dgm:layoutDef>
+</file>
+
 <file path=ppt/diagrams/quickStyle1.xml><?xml version="1.0" encoding="utf-8"?>
 <dgm:styleDef xmlns:dgm="http://schemas.openxmlformats.org/drawingml/2006/diagram" xmlns:a="http://schemas.openxmlformats.org/drawingml/2006/main" uniqueId="urn:microsoft.com/office/officeart/2005/8/quickstyle/simple1">
   <dgm:title val=""/>
@@ -18623,6 +20482,1040 @@
 </file>
 
 <file path=ppt/diagrams/quickStyle7.xml><?xml version="1.0" encoding="utf-8"?>
+<dgm:styleDef xmlns:dgm="http://schemas.openxmlformats.org/drawingml/2006/diagram" xmlns:a="http://schemas.openxmlformats.org/drawingml/2006/main" uniqueId="urn:microsoft.com/office/officeart/2005/8/quickstyle/simple1">
+  <dgm:title val=""/>
+  <dgm:desc val=""/>
+  <dgm:catLst>
+    <dgm:cat type="simple" pri="10100"/>
+  </dgm:catLst>
+  <dgm:scene3d>
+    <a:camera prst="orthographicFront"/>
+    <a:lightRig rig="threePt" dir="t"/>
+  </dgm:scene3d>
+  <dgm:styleLbl name="node0">
+    <dgm:scene3d>
+      <a:camera prst="orthographicFront"/>
+      <a:lightRig rig="threePt" dir="t"/>
+    </dgm:scene3d>
+    <dgm:sp3d/>
+    <dgm:txPr/>
+    <dgm:style>
+      <a:lnRef idx="2">
+        <a:scrgbClr r="0" g="0" b="0"/>
+      </a:lnRef>
+      <a:fillRef idx="1">
+        <a:scrgbClr r="0" g="0" b="0"/>
+      </a:fillRef>
+      <a:effectRef idx="0">
+        <a:scrgbClr r="0" g="0" b="0"/>
+      </a:effectRef>
+      <a:fontRef idx="minor">
+        <a:schemeClr val="lt1"/>
+      </a:fontRef>
+    </dgm:style>
+  </dgm:styleLbl>
+  <dgm:styleLbl name="lnNode1">
+    <dgm:scene3d>
+      <a:camera prst="orthographicFront"/>
+      <a:lightRig rig="threePt" dir="t"/>
+    </dgm:scene3d>
+    <dgm:sp3d/>
+    <dgm:txPr/>
+    <dgm:style>
+      <a:lnRef idx="2">
+        <a:scrgbClr r="0" g="0" b="0"/>
+      </a:lnRef>
+      <a:fillRef idx="1">
+        <a:scrgbClr r="0" g="0" b="0"/>
+      </a:fillRef>
+      <a:effectRef idx="0">
+        <a:scrgbClr r="0" g="0" b="0"/>
+      </a:effectRef>
+      <a:fontRef idx="minor">
+        <a:schemeClr val="lt1"/>
+      </a:fontRef>
+    </dgm:style>
+  </dgm:styleLbl>
+  <dgm:styleLbl name="vennNode1">
+    <dgm:scene3d>
+      <a:camera prst="orthographicFront"/>
+      <a:lightRig rig="threePt" dir="t"/>
+    </dgm:scene3d>
+    <dgm:sp3d/>
+    <dgm:txPr/>
+    <dgm:style>
+      <a:lnRef idx="2">
+        <a:scrgbClr r="0" g="0" b="0"/>
+      </a:lnRef>
+      <a:fillRef idx="1">
+        <a:scrgbClr r="0" g="0" b="0"/>
+      </a:fillRef>
+      <a:effectRef idx="0">
+        <a:scrgbClr r="0" g="0" b="0"/>
+      </a:effectRef>
+      <a:fontRef idx="minor">
+        <a:schemeClr val="tx1"/>
+      </a:fontRef>
+    </dgm:style>
+  </dgm:styleLbl>
+  <dgm:styleLbl name="alignNode1">
+    <dgm:scene3d>
+      <a:camera prst="orthographicFront"/>
+      <a:lightRig rig="threePt" dir="t"/>
+    </dgm:scene3d>
+    <dgm:sp3d/>
+    <dgm:txPr/>
+    <dgm:style>
+      <a:lnRef idx="2">
+        <a:scrgbClr r="0" g="0" b="0"/>
+      </a:lnRef>
+      <a:fillRef idx="1">
+        <a:scrgbClr r="0" g="0" b="0"/>
+      </a:fillRef>
+      <a:effectRef idx="0">
+        <a:scrgbClr r="0" g="0" b="0"/>
+      </a:effectRef>
+      <a:fontRef idx="minor">
+        <a:schemeClr val="lt1"/>
+      </a:fontRef>
+    </dgm:style>
+  </dgm:styleLbl>
+  <dgm:styleLbl name="node1">
+    <dgm:scene3d>
+      <a:camera prst="orthographicFront"/>
+      <a:lightRig rig="threePt" dir="t"/>
+    </dgm:scene3d>
+    <dgm:sp3d/>
+    <dgm:txPr/>
+    <dgm:style>
+      <a:lnRef idx="2">
+        <a:scrgbClr r="0" g="0" b="0"/>
+      </a:lnRef>
+      <a:fillRef idx="1">
+        <a:scrgbClr r="0" g="0" b="0"/>
+      </a:fillRef>
+      <a:effectRef idx="0">
+        <a:scrgbClr r="0" g="0" b="0"/>
+      </a:effectRef>
+      <a:fontRef idx="minor">
+        <a:schemeClr val="lt1"/>
+      </a:fontRef>
+    </dgm:style>
+  </dgm:styleLbl>
+  <dgm:styleLbl name="node2">
+    <dgm:scene3d>
+      <a:camera prst="orthographicFront"/>
+      <a:lightRig rig="threePt" dir="t"/>
+    </dgm:scene3d>
+    <dgm:sp3d/>
+    <dgm:txPr/>
+    <dgm:style>
+      <a:lnRef idx="2">
+        <a:scrgbClr r="0" g="0" b="0"/>
+      </a:lnRef>
+      <a:fillRef idx="1">
+        <a:scrgbClr r="0" g="0" b="0"/>
+      </a:fillRef>
+      <a:effectRef idx="0">
+        <a:scrgbClr r="0" g="0" b="0"/>
+      </a:effectRef>
+      <a:fontRef idx="minor">
+        <a:schemeClr val="lt1"/>
+      </a:fontRef>
+    </dgm:style>
+  </dgm:styleLbl>
+  <dgm:styleLbl name="node3">
+    <dgm:scene3d>
+      <a:camera prst="orthographicFront"/>
+      <a:lightRig rig="threePt" dir="t"/>
+    </dgm:scene3d>
+    <dgm:sp3d/>
+    <dgm:txPr/>
+    <dgm:style>
+      <a:lnRef idx="2">
+        <a:scrgbClr r="0" g="0" b="0"/>
+      </a:lnRef>
+      <a:fillRef idx="1">
+        <a:scrgbClr r="0" g="0" b="0"/>
+      </a:fillRef>
+      <a:effectRef idx="0">
+        <a:scrgbClr r="0" g="0" b="0"/>
+      </a:effectRef>
+      <a:fontRef idx="minor">
+        <a:schemeClr val="lt1"/>
+      </a:fontRef>
+    </dgm:style>
+  </dgm:styleLbl>
+  <dgm:styleLbl name="node4">
+    <dgm:scene3d>
+      <a:camera prst="orthographicFront"/>
+      <a:lightRig rig="threePt" dir="t"/>
+    </dgm:scene3d>
+    <dgm:sp3d/>
+    <dgm:txPr/>
+    <dgm:style>
+      <a:lnRef idx="2">
+        <a:scrgbClr r="0" g="0" b="0"/>
+      </a:lnRef>
+      <a:fillRef idx="1">
+        <a:scrgbClr r="0" g="0" b="0"/>
+      </a:fillRef>
+      <a:effectRef idx="0">
+        <a:scrgbClr r="0" g="0" b="0"/>
+      </a:effectRef>
+      <a:fontRef idx="minor">
+        <a:schemeClr val="lt1"/>
+      </a:fontRef>
+    </dgm:style>
+  </dgm:styleLbl>
+  <dgm:styleLbl name="fgImgPlace1">
+    <dgm:scene3d>
+      <a:camera prst="orthographicFront"/>
+      <a:lightRig rig="threePt" dir="t"/>
+    </dgm:scene3d>
+    <dgm:sp3d/>
+    <dgm:txPr/>
+    <dgm:style>
+      <a:lnRef idx="2">
+        <a:scrgbClr r="0" g="0" b="0"/>
+      </a:lnRef>
+      <a:fillRef idx="1">
+        <a:scrgbClr r="0" g="0" b="0"/>
+      </a:fillRef>
+      <a:effectRef idx="0">
+        <a:scrgbClr r="0" g="0" b="0"/>
+      </a:effectRef>
+      <a:fontRef idx="minor"/>
+    </dgm:style>
+  </dgm:styleLbl>
+  <dgm:styleLbl name="alignImgPlace1">
+    <dgm:scene3d>
+      <a:camera prst="orthographicFront"/>
+      <a:lightRig rig="threePt" dir="t"/>
+    </dgm:scene3d>
+    <dgm:sp3d/>
+    <dgm:txPr/>
+    <dgm:style>
+      <a:lnRef idx="2">
+        <a:scrgbClr r="0" g="0" b="0"/>
+      </a:lnRef>
+      <a:fillRef idx="1">
+        <a:scrgbClr r="0" g="0" b="0"/>
+      </a:fillRef>
+      <a:effectRef idx="0">
+        <a:scrgbClr r="0" g="0" b="0"/>
+      </a:effectRef>
+      <a:fontRef idx="minor"/>
+    </dgm:style>
+  </dgm:styleLbl>
+  <dgm:styleLbl name="bgImgPlace1">
+    <dgm:scene3d>
+      <a:camera prst="orthographicFront"/>
+      <a:lightRig rig="threePt" dir="t"/>
+    </dgm:scene3d>
+    <dgm:sp3d/>
+    <dgm:txPr/>
+    <dgm:style>
+      <a:lnRef idx="2">
+        <a:scrgbClr r="0" g="0" b="0"/>
+      </a:lnRef>
+      <a:fillRef idx="1">
+        <a:scrgbClr r="0" g="0" b="0"/>
+      </a:fillRef>
+      <a:effectRef idx="0">
+        <a:scrgbClr r="0" g="0" b="0"/>
+      </a:effectRef>
+      <a:fontRef idx="minor"/>
+    </dgm:style>
+  </dgm:styleLbl>
+  <dgm:styleLbl name="sibTrans2D1">
+    <dgm:scene3d>
+      <a:camera prst="orthographicFront"/>
+      <a:lightRig rig="threePt" dir="t"/>
+    </dgm:scene3d>
+    <dgm:sp3d/>
+    <dgm:txPr/>
+    <dgm:style>
+      <a:lnRef idx="0">
+        <a:scrgbClr r="0" g="0" b="0"/>
+      </a:lnRef>
+      <a:fillRef idx="1">
+        <a:scrgbClr r="0" g="0" b="0"/>
+      </a:fillRef>
+      <a:effectRef idx="0">
+        <a:scrgbClr r="0" g="0" b="0"/>
+      </a:effectRef>
+      <a:fontRef idx="minor">
+        <a:schemeClr val="lt1"/>
+      </a:fontRef>
+    </dgm:style>
+  </dgm:styleLbl>
+  <dgm:styleLbl name="fgSibTrans2D1">
+    <dgm:scene3d>
+      <a:camera prst="orthographicFront"/>
+      <a:lightRig rig="threePt" dir="t"/>
+    </dgm:scene3d>
+    <dgm:sp3d/>
+    <dgm:txPr/>
+    <dgm:style>
+      <a:lnRef idx="0">
+        <a:scrgbClr r="0" g="0" b="0"/>
+      </a:lnRef>
+      <a:fillRef idx="1">
+        <a:scrgbClr r="0" g="0" b="0"/>
+      </a:fillRef>
+      <a:effectRef idx="0">
+        <a:scrgbClr r="0" g="0" b="0"/>
+      </a:effectRef>
+      <a:fontRef idx="minor">
+        <a:schemeClr val="lt1"/>
+      </a:fontRef>
+    </dgm:style>
+  </dgm:styleLbl>
+  <dgm:styleLbl name="bgSibTrans2D1">
+    <dgm:scene3d>
+      <a:camera prst="orthographicFront"/>
+      <a:lightRig rig="threePt" dir="t"/>
+    </dgm:scene3d>
+    <dgm:sp3d/>
+    <dgm:txPr/>
+    <dgm:style>
+      <a:lnRef idx="0">
+        <a:scrgbClr r="0" g="0" b="0"/>
+      </a:lnRef>
+      <a:fillRef idx="1">
+        <a:scrgbClr r="0" g="0" b="0"/>
+      </a:fillRef>
+      <a:effectRef idx="0">
+        <a:scrgbClr r="0" g="0" b="0"/>
+      </a:effectRef>
+      <a:fontRef idx="minor">
+        <a:schemeClr val="lt1"/>
+      </a:fontRef>
+    </dgm:style>
+  </dgm:styleLbl>
+  <dgm:styleLbl name="sibTrans1D1">
+    <dgm:scene3d>
+      <a:camera prst="orthographicFront"/>
+      <a:lightRig rig="threePt" dir="t"/>
+    </dgm:scene3d>
+    <dgm:sp3d/>
+    <dgm:txPr/>
+    <dgm:style>
+      <a:lnRef idx="1">
+        <a:scrgbClr r="0" g="0" b="0"/>
+      </a:lnRef>
+      <a:fillRef idx="0">
+        <a:scrgbClr r="0" g="0" b="0"/>
+      </a:fillRef>
+      <a:effectRef idx="0">
+        <a:scrgbClr r="0" g="0" b="0"/>
+      </a:effectRef>
+      <a:fontRef idx="minor"/>
+    </dgm:style>
+  </dgm:styleLbl>
+  <dgm:styleLbl name="callout">
+    <dgm:scene3d>
+      <a:camera prst="orthographicFront"/>
+      <a:lightRig rig="threePt" dir="t"/>
+    </dgm:scene3d>
+    <dgm:sp3d/>
+    <dgm:txPr/>
+    <dgm:style>
+      <a:lnRef idx="2">
+        <a:scrgbClr r="0" g="0" b="0"/>
+      </a:lnRef>
+      <a:fillRef idx="1">
+        <a:scrgbClr r="0" g="0" b="0"/>
+      </a:fillRef>
+      <a:effectRef idx="0">
+        <a:scrgbClr r="0" g="0" b="0"/>
+      </a:effectRef>
+      <a:fontRef idx="minor"/>
+    </dgm:style>
+  </dgm:styleLbl>
+  <dgm:styleLbl name="asst0">
+    <dgm:scene3d>
+      <a:camera prst="orthographicFront"/>
+      <a:lightRig rig="threePt" dir="t"/>
+    </dgm:scene3d>
+    <dgm:sp3d/>
+    <dgm:txPr/>
+    <dgm:style>
+      <a:lnRef idx="2">
+        <a:scrgbClr r="0" g="0" b="0"/>
+      </a:lnRef>
+      <a:fillRef idx="1">
+        <a:scrgbClr r="0" g="0" b="0"/>
+      </a:fillRef>
+      <a:effectRef idx="0">
+        <a:scrgbClr r="0" g="0" b="0"/>
+      </a:effectRef>
+      <a:fontRef idx="minor">
+        <a:schemeClr val="lt1"/>
+      </a:fontRef>
+    </dgm:style>
+  </dgm:styleLbl>
+  <dgm:styleLbl name="asst1">
+    <dgm:scene3d>
+      <a:camera prst="orthographicFront"/>
+      <a:lightRig rig="threePt" dir="t"/>
+    </dgm:scene3d>
+    <dgm:sp3d/>
+    <dgm:txPr/>
+    <dgm:style>
+      <a:lnRef idx="2">
+        <a:scrgbClr r="0" g="0" b="0"/>
+      </a:lnRef>
+      <a:fillRef idx="1">
+        <a:scrgbClr r="0" g="0" b="0"/>
+      </a:fillRef>
+      <a:effectRef idx="0">
+        <a:scrgbClr r="0" g="0" b="0"/>
+      </a:effectRef>
+      <a:fontRef idx="minor">
+        <a:schemeClr val="lt1"/>
+      </a:fontRef>
+    </dgm:style>
+  </dgm:styleLbl>
+  <dgm:styleLbl name="asst2">
+    <dgm:scene3d>
+      <a:camera prst="orthographicFront"/>
+      <a:lightRig rig="threePt" dir="t"/>
+    </dgm:scene3d>
+    <dgm:sp3d/>
+    <dgm:txPr/>
+    <dgm:style>
+      <a:lnRef idx="2">
+        <a:scrgbClr r="0" g="0" b="0"/>
+      </a:lnRef>
+      <a:fillRef idx="1">
+        <a:scrgbClr r="0" g="0" b="0"/>
+      </a:fillRef>
+      <a:effectRef idx="0">
+        <a:scrgbClr r="0" g="0" b="0"/>
+      </a:effectRef>
+      <a:fontRef idx="minor">
+        <a:schemeClr val="lt1"/>
+      </a:fontRef>
+    </dgm:style>
+  </dgm:styleLbl>
+  <dgm:styleLbl name="asst3">
+    <dgm:scene3d>
+      <a:camera prst="orthographicFront"/>
+      <a:lightRig rig="threePt" dir="t"/>
+    </dgm:scene3d>
+    <dgm:sp3d/>
+    <dgm:txPr/>
+    <dgm:style>
+      <a:lnRef idx="2">
+        <a:scrgbClr r="0" g="0" b="0"/>
+      </a:lnRef>
+      <a:fillRef idx="1">
+        <a:scrgbClr r="0" g="0" b="0"/>
+      </a:fillRef>
+      <a:effectRef idx="0">
+        <a:scrgbClr r="0" g="0" b="0"/>
+      </a:effectRef>
+      <a:fontRef idx="minor">
+        <a:schemeClr val="lt1"/>
+      </a:fontRef>
+    </dgm:style>
+  </dgm:styleLbl>
+  <dgm:styleLbl name="asst4">
+    <dgm:scene3d>
+      <a:camera prst="orthographicFront"/>
+      <a:lightRig rig="threePt" dir="t"/>
+    </dgm:scene3d>
+    <dgm:sp3d/>
+    <dgm:txPr/>
+    <dgm:style>
+      <a:lnRef idx="2">
+        <a:scrgbClr r="0" g="0" b="0"/>
+      </a:lnRef>
+      <a:fillRef idx="1">
+        <a:scrgbClr r="0" g="0" b="0"/>
+      </a:fillRef>
+      <a:effectRef idx="0">
+        <a:scrgbClr r="0" g="0" b="0"/>
+      </a:effectRef>
+      <a:fontRef idx="minor">
+        <a:schemeClr val="lt1"/>
+      </a:fontRef>
+    </dgm:style>
+  </dgm:styleLbl>
+  <dgm:styleLbl name="parChTrans2D1">
+    <dgm:scene3d>
+      <a:camera prst="orthographicFront"/>
+      <a:lightRig rig="threePt" dir="t"/>
+    </dgm:scene3d>
+    <dgm:sp3d/>
+    <dgm:txPr/>
+    <dgm:style>
+      <a:lnRef idx="2">
+        <a:scrgbClr r="0" g="0" b="0"/>
+      </a:lnRef>
+      <a:fillRef idx="1">
+        <a:scrgbClr r="0" g="0" b="0"/>
+      </a:fillRef>
+      <a:effectRef idx="0">
+        <a:scrgbClr r="0" g="0" b="0"/>
+      </a:effectRef>
+      <a:fontRef idx="minor">
+        <a:schemeClr val="lt1"/>
+      </a:fontRef>
+    </dgm:style>
+  </dgm:styleLbl>
+  <dgm:styleLbl name="parChTrans2D2">
+    <dgm:scene3d>
+      <a:camera prst="orthographicFront"/>
+      <a:lightRig rig="threePt" dir="t"/>
+    </dgm:scene3d>
+    <dgm:sp3d/>
+    <dgm:txPr/>
+    <dgm:style>
+      <a:lnRef idx="2">
+        <a:scrgbClr r="0" g="0" b="0"/>
+      </a:lnRef>
+      <a:fillRef idx="1">
+        <a:scrgbClr r="0" g="0" b="0"/>
+      </a:fillRef>
+      <a:effectRef idx="0">
+        <a:scrgbClr r="0" g="0" b="0"/>
+      </a:effectRef>
+      <a:fontRef idx="minor">
+        <a:schemeClr val="lt1"/>
+      </a:fontRef>
+    </dgm:style>
+  </dgm:styleLbl>
+  <dgm:styleLbl name="parChTrans2D3">
+    <dgm:scene3d>
+      <a:camera prst="orthographicFront"/>
+      <a:lightRig rig="threePt" dir="t"/>
+    </dgm:scene3d>
+    <dgm:sp3d/>
+    <dgm:txPr/>
+    <dgm:style>
+      <a:lnRef idx="2">
+        <a:scrgbClr r="0" g="0" b="0"/>
+      </a:lnRef>
+      <a:fillRef idx="1">
+        <a:scrgbClr r="0" g="0" b="0"/>
+      </a:fillRef>
+      <a:effectRef idx="0">
+        <a:scrgbClr r="0" g="0" b="0"/>
+      </a:effectRef>
+      <a:fontRef idx="minor">
+        <a:schemeClr val="lt1"/>
+      </a:fontRef>
+    </dgm:style>
+  </dgm:styleLbl>
+  <dgm:styleLbl name="parChTrans2D4">
+    <dgm:scene3d>
+      <a:camera prst="orthographicFront"/>
+      <a:lightRig rig="threePt" dir="t"/>
+    </dgm:scene3d>
+    <dgm:sp3d/>
+    <dgm:txPr/>
+    <dgm:style>
+      <a:lnRef idx="2">
+        <a:scrgbClr r="0" g="0" b="0"/>
+      </a:lnRef>
+      <a:fillRef idx="1">
+        <a:scrgbClr r="0" g="0" b="0"/>
+      </a:fillRef>
+      <a:effectRef idx="0">
+        <a:scrgbClr r="0" g="0" b="0"/>
+      </a:effectRef>
+      <a:fontRef idx="minor">
+        <a:schemeClr val="lt1"/>
+      </a:fontRef>
+    </dgm:style>
+  </dgm:styleLbl>
+  <dgm:styleLbl name="parChTrans1D1">
+    <dgm:scene3d>
+      <a:camera prst="orthographicFront"/>
+      <a:lightRig rig="threePt" dir="t"/>
+    </dgm:scene3d>
+    <dgm:sp3d/>
+    <dgm:txPr/>
+    <dgm:style>
+      <a:lnRef idx="2">
+        <a:scrgbClr r="0" g="0" b="0"/>
+      </a:lnRef>
+      <a:fillRef idx="0">
+        <a:scrgbClr r="0" g="0" b="0"/>
+      </a:fillRef>
+      <a:effectRef idx="0">
+        <a:scrgbClr r="0" g="0" b="0"/>
+      </a:effectRef>
+      <a:fontRef idx="minor"/>
+    </dgm:style>
+  </dgm:styleLbl>
+  <dgm:styleLbl name="parChTrans1D2">
+    <dgm:scene3d>
+      <a:camera prst="orthographicFront"/>
+      <a:lightRig rig="threePt" dir="t"/>
+    </dgm:scene3d>
+    <dgm:sp3d/>
+    <dgm:txPr/>
+    <dgm:style>
+      <a:lnRef idx="2">
+        <a:scrgbClr r="0" g="0" b="0"/>
+      </a:lnRef>
+      <a:fillRef idx="0">
+        <a:scrgbClr r="0" g="0" b="0"/>
+      </a:fillRef>
+      <a:effectRef idx="0">
+        <a:scrgbClr r="0" g="0" b="0"/>
+      </a:effectRef>
+      <a:fontRef idx="minor"/>
+    </dgm:style>
+  </dgm:styleLbl>
+  <dgm:styleLbl name="parChTrans1D3">
+    <dgm:scene3d>
+      <a:camera prst="orthographicFront"/>
+      <a:lightRig rig="threePt" dir="t"/>
+    </dgm:scene3d>
+    <dgm:sp3d/>
+    <dgm:txPr/>
+    <dgm:style>
+      <a:lnRef idx="2">
+        <a:scrgbClr r="0" g="0" b="0"/>
+      </a:lnRef>
+      <a:fillRef idx="0">
+        <a:scrgbClr r="0" g="0" b="0"/>
+      </a:fillRef>
+      <a:effectRef idx="0">
+        <a:scrgbClr r="0" g="0" b="0"/>
+      </a:effectRef>
+      <a:fontRef idx="minor"/>
+    </dgm:style>
+  </dgm:styleLbl>
+  <dgm:styleLbl name="parChTrans1D4">
+    <dgm:scene3d>
+      <a:camera prst="orthographicFront"/>
+      <a:lightRig rig="threePt" dir="t"/>
+    </dgm:scene3d>
+    <dgm:sp3d/>
+    <dgm:txPr/>
+    <dgm:style>
+      <a:lnRef idx="2">
+        <a:scrgbClr r="0" g="0" b="0"/>
+      </a:lnRef>
+      <a:fillRef idx="0">
+        <a:scrgbClr r="0" g="0" b="0"/>
+      </a:fillRef>
+      <a:effectRef idx="0">
+        <a:scrgbClr r="0" g="0" b="0"/>
+      </a:effectRef>
+      <a:fontRef idx="minor"/>
+    </dgm:style>
+  </dgm:styleLbl>
+  <dgm:styleLbl name="fgAcc1">
+    <dgm:scene3d>
+      <a:camera prst="orthographicFront"/>
+      <a:lightRig rig="threePt" dir="t"/>
+    </dgm:scene3d>
+    <dgm:sp3d/>
+    <dgm:txPr/>
+    <dgm:style>
+      <a:lnRef idx="2">
+        <a:scrgbClr r="0" g="0" b="0"/>
+      </a:lnRef>
+      <a:fillRef idx="1">
+        <a:scrgbClr r="0" g="0" b="0"/>
+      </a:fillRef>
+      <a:effectRef idx="0">
+        <a:scrgbClr r="0" g="0" b="0"/>
+      </a:effectRef>
+      <a:fontRef idx="minor"/>
+    </dgm:style>
+  </dgm:styleLbl>
+  <dgm:styleLbl name="conFgAcc1">
+    <dgm:scene3d>
+      <a:camera prst="orthographicFront"/>
+      <a:lightRig rig="threePt" dir="t"/>
+    </dgm:scene3d>
+    <dgm:sp3d/>
+    <dgm:txPr/>
+    <dgm:style>
+      <a:lnRef idx="2">
+        <a:scrgbClr r="0" g="0" b="0"/>
+      </a:lnRef>
+      <a:fillRef idx="1">
+        <a:scrgbClr r="0" g="0" b="0"/>
+      </a:fillRef>
+      <a:effectRef idx="0">
+        <a:scrgbClr r="0" g="0" b="0"/>
+      </a:effectRef>
+      <a:fontRef idx="minor"/>
+    </dgm:style>
+  </dgm:styleLbl>
+  <dgm:styleLbl name="alignAcc1">
+    <dgm:scene3d>
+      <a:camera prst="orthographicFront"/>
+      <a:lightRig rig="threePt" dir="t"/>
+    </dgm:scene3d>
+    <dgm:sp3d/>
+    <dgm:txPr/>
+    <dgm:style>
+      <a:lnRef idx="2">
+        <a:scrgbClr r="0" g="0" b="0"/>
+      </a:lnRef>
+      <a:fillRef idx="1">
+        <a:scrgbClr r="0" g="0" b="0"/>
+      </a:fillRef>
+      <a:effectRef idx="0">
+        <a:scrgbClr r="0" g="0" b="0"/>
+      </a:effectRef>
+      <a:fontRef idx="minor"/>
+    </dgm:style>
+  </dgm:styleLbl>
+  <dgm:styleLbl name="trAlignAcc1">
+    <dgm:scene3d>
+      <a:camera prst="orthographicFront"/>
+      <a:lightRig rig="threePt" dir="t"/>
+    </dgm:scene3d>
+    <dgm:sp3d/>
+    <dgm:txPr/>
+    <dgm:style>
+      <a:lnRef idx="1">
+        <a:scrgbClr r="0" g="0" b="0"/>
+      </a:lnRef>
+      <a:fillRef idx="1">
+        <a:scrgbClr r="0" g="0" b="0"/>
+      </a:fillRef>
+      <a:effectRef idx="0">
+        <a:scrgbClr r="0" g="0" b="0"/>
+      </a:effectRef>
+      <a:fontRef idx="minor"/>
+    </dgm:style>
+  </dgm:styleLbl>
+  <dgm:styleLbl name="bgAcc1">
+    <dgm:scene3d>
+      <a:camera prst="orthographicFront"/>
+      <a:lightRig rig="threePt" dir="t"/>
+    </dgm:scene3d>
+    <dgm:sp3d/>
+    <dgm:txPr/>
+    <dgm:style>
+      <a:lnRef idx="2">
+        <a:scrgbClr r="0" g="0" b="0"/>
+      </a:lnRef>
+      <a:fillRef idx="1">
+        <a:scrgbClr r="0" g="0" b="0"/>
+      </a:fillRef>
+      <a:effectRef idx="0">
+        <a:scrgbClr r="0" g="0" b="0"/>
+      </a:effectRef>
+      <a:fontRef idx="minor"/>
+    </dgm:style>
+  </dgm:styleLbl>
+  <dgm:styleLbl name="solidFgAcc1">
+    <dgm:scene3d>
+      <a:camera prst="orthographicFront"/>
+      <a:lightRig rig="threePt" dir="t"/>
+    </dgm:scene3d>
+    <dgm:sp3d/>
+    <dgm:txPr/>
+    <dgm:style>
+      <a:lnRef idx="2">
+        <a:scrgbClr r="0" g="0" b="0"/>
+      </a:lnRef>
+      <a:fillRef idx="1">
+        <a:scrgbClr r="0" g="0" b="0"/>
+      </a:fillRef>
+      <a:effectRef idx="0">
+        <a:scrgbClr r="0" g="0" b="0"/>
+      </a:effectRef>
+      <a:fontRef idx="minor"/>
+    </dgm:style>
+  </dgm:styleLbl>
+  <dgm:styleLbl name="solidAlignAcc1">
+    <dgm:scene3d>
+      <a:camera prst="orthographicFront"/>
+      <a:lightRig rig="threePt" dir="t"/>
+    </dgm:scene3d>
+    <dgm:sp3d/>
+    <dgm:txPr/>
+    <dgm:style>
+      <a:lnRef idx="2">
+        <a:scrgbClr r="0" g="0" b="0"/>
+      </a:lnRef>
+      <a:fillRef idx="1">
+        <a:scrgbClr r="0" g="0" b="0"/>
+      </a:fillRef>
+      <a:effectRef idx="0">
+        <a:scrgbClr r="0" g="0" b="0"/>
+      </a:effectRef>
+      <a:fontRef idx="minor"/>
+    </dgm:style>
+  </dgm:styleLbl>
+  <dgm:styleLbl name="solidBgAcc1">
+    <dgm:scene3d>
+      <a:camera prst="orthographicFront"/>
+      <a:lightRig rig="threePt" dir="t"/>
+    </dgm:scene3d>
+    <dgm:sp3d/>
+    <dgm:txPr/>
+    <dgm:style>
+      <a:lnRef idx="2">
+        <a:scrgbClr r="0" g="0" b="0"/>
+      </a:lnRef>
+      <a:fillRef idx="1">
+        <a:scrgbClr r="0" g="0" b="0"/>
+      </a:fillRef>
+      <a:effectRef idx="0">
+        <a:scrgbClr r="0" g="0" b="0"/>
+      </a:effectRef>
+      <a:fontRef idx="minor"/>
+    </dgm:style>
+  </dgm:styleLbl>
+  <dgm:styleLbl name="fgAccFollowNode1">
+    <dgm:scene3d>
+      <a:camera prst="orthographicFront"/>
+      <a:lightRig rig="threePt" dir="t"/>
+    </dgm:scene3d>
+    <dgm:sp3d/>
+    <dgm:txPr/>
+    <dgm:style>
+      <a:lnRef idx="2">
+        <a:scrgbClr r="0" g="0" b="0"/>
+      </a:lnRef>
+      <a:fillRef idx="1">
+        <a:scrgbClr r="0" g="0" b="0"/>
+      </a:fillRef>
+      <a:effectRef idx="0">
+        <a:scrgbClr r="0" g="0" b="0"/>
+      </a:effectRef>
+      <a:fontRef idx="minor"/>
+    </dgm:style>
+  </dgm:styleLbl>
+  <dgm:styleLbl name="alignAccFollowNode1">
+    <dgm:scene3d>
+      <a:camera prst="orthographicFront"/>
+      <a:lightRig rig="threePt" dir="t"/>
+    </dgm:scene3d>
+    <dgm:sp3d/>
+    <dgm:txPr/>
+    <dgm:style>
+      <a:lnRef idx="2">
+        <a:scrgbClr r="0" g="0" b="0"/>
+      </a:lnRef>
+      <a:fillRef idx="1">
+        <a:scrgbClr r="0" g="0" b="0"/>
+      </a:fillRef>
+      <a:effectRef idx="0">
+        <a:scrgbClr r="0" g="0" b="0"/>
+      </a:effectRef>
+      <a:fontRef idx="minor"/>
+    </dgm:style>
+  </dgm:styleLbl>
+  <dgm:styleLbl name="bgAccFollowNode1">
+    <dgm:scene3d>
+      <a:camera prst="orthographicFront"/>
+      <a:lightRig rig="threePt" dir="t"/>
+    </dgm:scene3d>
+    <dgm:sp3d/>
+    <dgm:txPr/>
+    <dgm:style>
+      <a:lnRef idx="2">
+        <a:scrgbClr r="0" g="0" b="0"/>
+      </a:lnRef>
+      <a:fillRef idx="1">
+        <a:scrgbClr r="0" g="0" b="0"/>
+      </a:fillRef>
+      <a:effectRef idx="0">
+        <a:scrgbClr r="0" g="0" b="0"/>
+      </a:effectRef>
+      <a:fontRef idx="minor"/>
+    </dgm:style>
+  </dgm:styleLbl>
+  <dgm:styleLbl name="fgAcc0">
+    <dgm:scene3d>
+      <a:camera prst="orthographicFront"/>
+      <a:lightRig rig="threePt" dir="t"/>
+    </dgm:scene3d>
+    <dgm:sp3d/>
+    <dgm:txPr/>
+    <dgm:style>
+      <a:lnRef idx="2">
+        <a:scrgbClr r="0" g="0" b="0"/>
+      </a:lnRef>
+      <a:fillRef idx="1">
+        <a:scrgbClr r="0" g="0" b="0"/>
+      </a:fillRef>
+      <a:effectRef idx="0">
+        <a:scrgbClr r="0" g="0" b="0"/>
+      </a:effectRef>
+      <a:fontRef idx="minor"/>
+    </dgm:style>
+  </dgm:styleLbl>
+  <dgm:styleLbl name="fgAcc2">
+    <dgm:scene3d>
+      <a:camera prst="orthographicFront"/>
+      <a:lightRig rig="threePt" dir="t"/>
+    </dgm:scene3d>
+    <dgm:sp3d/>
+    <dgm:txPr/>
+    <dgm:style>
+      <a:lnRef idx="2">
+        <a:scrgbClr r="0" g="0" b="0"/>
+      </a:lnRef>
+      <a:fillRef idx="1">
+        <a:scrgbClr r="0" g="0" b="0"/>
+      </a:fillRef>
+      <a:effectRef idx="0">
+        <a:scrgbClr r="0" g="0" b="0"/>
+      </a:effectRef>
+      <a:fontRef idx="minor"/>
+    </dgm:style>
+  </dgm:styleLbl>
+  <dgm:styleLbl name="fgAcc3">
+    <dgm:scene3d>
+      <a:camera prst="orthographicFront"/>
+      <a:lightRig rig="threePt" dir="t"/>
+    </dgm:scene3d>
+    <dgm:sp3d/>
+    <dgm:txPr/>
+    <dgm:style>
+      <a:lnRef idx="2">
+        <a:scrgbClr r="0" g="0" b="0"/>
+      </a:lnRef>
+      <a:fillRef idx="1">
+        <a:scrgbClr r="0" g="0" b="0"/>
+      </a:fillRef>
+      <a:effectRef idx="0">
+        <a:scrgbClr r="0" g="0" b="0"/>
+      </a:effectRef>
+      <a:fontRef idx="minor"/>
+    </dgm:style>
+  </dgm:styleLbl>
+  <dgm:styleLbl name="fgAcc4">
+    <dgm:scene3d>
+      <a:camera prst="orthographicFront"/>
+      <a:lightRig rig="threePt" dir="t"/>
+    </dgm:scene3d>
+    <dgm:sp3d/>
+    <dgm:txPr/>
+    <dgm:style>
+      <a:lnRef idx="2">
+        <a:scrgbClr r="0" g="0" b="0"/>
+      </a:lnRef>
+      <a:fillRef idx="1">
+        <a:scrgbClr r="0" g="0" b="0"/>
+      </a:fillRef>
+      <a:effectRef idx="0">
+        <a:scrgbClr r="0" g="0" b="0"/>
+      </a:effectRef>
+      <a:fontRef idx="minor"/>
+    </dgm:style>
+  </dgm:styleLbl>
+  <dgm:styleLbl name="bgShp">
+    <dgm:scene3d>
+      <a:camera prst="orthographicFront"/>
+      <a:lightRig rig="threePt" dir="t"/>
+    </dgm:scene3d>
+    <dgm:sp3d/>
+    <dgm:txPr/>
+    <dgm:style>
+      <a:lnRef idx="0">
+        <a:scrgbClr r="0" g="0" b="0"/>
+      </a:lnRef>
+      <a:fillRef idx="1">
+        <a:scrgbClr r="0" g="0" b="0"/>
+      </a:fillRef>
+      <a:effectRef idx="0">
+        <a:scrgbClr r="0" g="0" b="0"/>
+      </a:effectRef>
+      <a:fontRef idx="minor"/>
+    </dgm:style>
+  </dgm:styleLbl>
+  <dgm:styleLbl name="dkBgShp">
+    <dgm:scene3d>
+      <a:camera prst="orthographicFront"/>
+      <a:lightRig rig="threePt" dir="t"/>
+    </dgm:scene3d>
+    <dgm:sp3d/>
+    <dgm:txPr/>
+    <dgm:style>
+      <a:lnRef idx="0">
+        <a:scrgbClr r="0" g="0" b="0"/>
+      </a:lnRef>
+      <a:fillRef idx="1">
+        <a:scrgbClr r="0" g="0" b="0"/>
+      </a:fillRef>
+      <a:effectRef idx="0">
+        <a:scrgbClr r="0" g="0" b="0"/>
+      </a:effectRef>
+      <a:fontRef idx="minor"/>
+    </dgm:style>
+  </dgm:styleLbl>
+  <dgm:styleLbl name="trBgShp">
+    <dgm:scene3d>
+      <a:camera prst="orthographicFront"/>
+      <a:lightRig rig="threePt" dir="t"/>
+    </dgm:scene3d>
+    <dgm:sp3d/>
+    <dgm:txPr/>
+    <dgm:style>
+      <a:lnRef idx="0">
+        <a:scrgbClr r="0" g="0" b="0"/>
+      </a:lnRef>
+      <a:fillRef idx="1">
+        <a:scrgbClr r="0" g="0" b="0"/>
+      </a:fillRef>
+      <a:effectRef idx="0">
+        <a:scrgbClr r="0" g="0" b="0"/>
+      </a:effectRef>
+      <a:fontRef idx="minor"/>
+    </dgm:style>
+  </dgm:styleLbl>
+  <dgm:styleLbl name="fgShp">
+    <dgm:scene3d>
+      <a:camera prst="orthographicFront"/>
+      <a:lightRig rig="threePt" dir="t"/>
+    </dgm:scene3d>
+    <dgm:sp3d/>
+    <dgm:txPr/>
+    <dgm:style>
+      <a:lnRef idx="2">
+        <a:scrgbClr r="0" g="0" b="0"/>
+      </a:lnRef>
+      <a:fillRef idx="1">
+        <a:scrgbClr r="0" g="0" b="0"/>
+      </a:fillRef>
+      <a:effectRef idx="0">
+        <a:scrgbClr r="0" g="0" b="0"/>
+      </a:effectRef>
+      <a:fontRef idx="minor"/>
+    </dgm:style>
+  </dgm:styleLbl>
+  <dgm:styleLbl name="revTx">
+    <dgm:scene3d>
+      <a:camera prst="orthographicFront"/>
+      <a:lightRig rig="threePt" dir="t"/>
+    </dgm:scene3d>
+    <dgm:sp3d/>
+    <dgm:txPr/>
+    <dgm:style>
+      <a:lnRef idx="0">
+        <a:scrgbClr r="0" g="0" b="0"/>
+      </a:lnRef>
+      <a:fillRef idx="0">
+        <a:scrgbClr r="0" g="0" b="0"/>
+      </a:fillRef>
+      <a:effectRef idx="0">
+        <a:scrgbClr r="0" g="0" b="0"/>
+      </a:effectRef>
+      <a:fontRef idx="minor"/>
+    </dgm:style>
+  </dgm:styleLbl>
+</dgm:styleDef>
+</file>
+
+<file path=ppt/diagrams/quickStyle8.xml><?xml version="1.0" encoding="utf-8"?>
 <dgm:styleDef xmlns:dgm="http://schemas.openxmlformats.org/drawingml/2006/diagram" xmlns:a="http://schemas.openxmlformats.org/drawingml/2006/main" uniqueId="urn:microsoft.com/office/officeart/2005/8/quickstyle/simple1">
   <dgm:title val=""/>
   <dgm:desc val=""/>
@@ -19803,7 +22696,7 @@
           <a:p>
             <a:fld id="{8C77E0C0-752F-466F-AC08-034F441A9B5C}" type="datetimeFigureOut">
               <a:rPr lang="en-US" smtClean="0"/>
-              <a:t>6/13/2023</a:t>
+              <a:t>6/23/2023</a:t>
             </a:fld>
             <a:endParaRPr lang="en-US"/>
           </a:p>
@@ -20001,7 +22894,7 @@
           <a:p>
             <a:fld id="{8C77E0C0-752F-466F-AC08-034F441A9B5C}" type="datetimeFigureOut">
               <a:rPr lang="en-US" smtClean="0"/>
-              <a:t>6/13/2023</a:t>
+              <a:t>6/23/2023</a:t>
             </a:fld>
             <a:endParaRPr lang="en-US"/>
           </a:p>
@@ -20209,7 +23102,7 @@
           <a:p>
             <a:fld id="{8C77E0C0-752F-466F-AC08-034F441A9B5C}" type="datetimeFigureOut">
               <a:rPr lang="en-US" smtClean="0"/>
-              <a:t>6/13/2023</a:t>
+              <a:t>6/23/2023</a:t>
             </a:fld>
             <a:endParaRPr lang="en-US"/>
           </a:p>
@@ -20407,7 +23300,7 @@
           <a:p>
             <a:fld id="{8C77E0C0-752F-466F-AC08-034F441A9B5C}" type="datetimeFigureOut">
               <a:rPr lang="en-US" smtClean="0"/>
-              <a:t>6/13/2023</a:t>
+              <a:t>6/23/2023</a:t>
             </a:fld>
             <a:endParaRPr lang="en-US"/>
           </a:p>
@@ -20682,7 +23575,7 @@
           <a:p>
             <a:fld id="{8C77E0C0-752F-466F-AC08-034F441A9B5C}" type="datetimeFigureOut">
               <a:rPr lang="en-US" smtClean="0"/>
-              <a:t>6/13/2023</a:t>
+              <a:t>6/23/2023</a:t>
             </a:fld>
             <a:endParaRPr lang="en-US"/>
           </a:p>
@@ -20947,7 +23840,7 @@
           <a:p>
             <a:fld id="{8C77E0C0-752F-466F-AC08-034F441A9B5C}" type="datetimeFigureOut">
               <a:rPr lang="en-US" smtClean="0"/>
-              <a:t>6/13/2023</a:t>
+              <a:t>6/23/2023</a:t>
             </a:fld>
             <a:endParaRPr lang="en-US"/>
           </a:p>
@@ -21359,7 +24252,7 @@
           <a:p>
             <a:fld id="{8C77E0C0-752F-466F-AC08-034F441A9B5C}" type="datetimeFigureOut">
               <a:rPr lang="en-US" smtClean="0"/>
-              <a:t>6/13/2023</a:t>
+              <a:t>6/23/2023</a:t>
             </a:fld>
             <a:endParaRPr lang="en-US"/>
           </a:p>
@@ -21500,7 +24393,7 @@
           <a:p>
             <a:fld id="{8C77E0C0-752F-466F-AC08-034F441A9B5C}" type="datetimeFigureOut">
               <a:rPr lang="en-US" smtClean="0"/>
-              <a:t>6/13/2023</a:t>
+              <a:t>6/23/2023</a:t>
             </a:fld>
             <a:endParaRPr lang="en-US"/>
           </a:p>
@@ -21613,7 +24506,7 @@
           <a:p>
             <a:fld id="{8C77E0C0-752F-466F-AC08-034F441A9B5C}" type="datetimeFigureOut">
               <a:rPr lang="en-US" smtClean="0"/>
-              <a:t>6/13/2023</a:t>
+              <a:t>6/23/2023</a:t>
             </a:fld>
             <a:endParaRPr lang="en-US"/>
           </a:p>
@@ -21924,7 +24817,7 @@
           <a:p>
             <a:fld id="{8C77E0C0-752F-466F-AC08-034F441A9B5C}" type="datetimeFigureOut">
               <a:rPr lang="en-US" smtClean="0"/>
-              <a:t>6/13/2023</a:t>
+              <a:t>6/23/2023</a:t>
             </a:fld>
             <a:endParaRPr lang="en-US"/>
           </a:p>
@@ -22212,7 +25105,7 @@
           <a:p>
             <a:fld id="{8C77E0C0-752F-466F-AC08-034F441A9B5C}" type="datetimeFigureOut">
               <a:rPr lang="en-US" smtClean="0"/>
-              <a:t>6/13/2023</a:t>
+              <a:t>6/23/2023</a:t>
             </a:fld>
             <a:endParaRPr lang="en-US"/>
           </a:p>
@@ -22453,7 +25346,7 @@
           <a:p>
             <a:fld id="{8C77E0C0-752F-466F-AC08-034F441A9B5C}" type="datetimeFigureOut">
               <a:rPr lang="en-US" smtClean="0"/>
-              <a:t>6/13/2023</a:t>
+              <a:t>6/23/2023</a:t>
             </a:fld>
             <a:endParaRPr lang="en-US"/>
           </a:p>
@@ -23587,8 +26480,8 @@
           <a:chExt cx="0" cy="0"/>
         </a:xfrm>
       </p:grpSpPr>
-      <mc:AlternateContent xmlns:mc="http://schemas.openxmlformats.org/markup-compatibility/2006">
-        <mc:Choice xmlns:a14="http://schemas.microsoft.com/office/drawing/2010/main" Requires="a14">
+      <mc:AlternateContent xmlns:mc="http://schemas.openxmlformats.org/markup-compatibility/2006" xmlns:a14="http://schemas.microsoft.com/office/drawing/2010/main">
+        <mc:Choice Requires="a14">
           <p:sp>
             <p:nvSpPr>
               <p:cNvPr id="4" name="Scroll: Horizontal 3">
@@ -23651,7 +26544,7 @@
             </p:txBody>
           </p:sp>
         </mc:Choice>
-        <mc:Fallback>
+        <mc:Fallback xmlns="">
           <p:sp>
             <p:nvSpPr>
               <p:cNvPr id="4" name="Scroll: Horizontal 3">
@@ -23742,8 +26635,8 @@
           </a:p>
         </p:txBody>
       </p:sp>
-      <mc:AlternateContent xmlns:mc="http://schemas.openxmlformats.org/markup-compatibility/2006">
-        <mc:Choice xmlns:a14="http://schemas.microsoft.com/office/drawing/2010/main" Requires="a14">
+      <mc:AlternateContent xmlns:mc="http://schemas.openxmlformats.org/markup-compatibility/2006" xmlns:a14="http://schemas.microsoft.com/office/drawing/2010/main">
+        <mc:Choice Requires="a14">
           <p:sp>
             <p:nvSpPr>
               <p:cNvPr id="6" name="Speech Bubble: Rectangle 5">
@@ -23825,7 +26718,7 @@
             </p:txBody>
           </p:sp>
         </mc:Choice>
-        <mc:Fallback>
+        <mc:Fallback xmlns="">
           <p:sp>
             <p:nvSpPr>
               <p:cNvPr id="6" name="Speech Bubble: Rectangle 5">
@@ -24088,8 +26981,8 @@
           </a:prstGeom>
         </p:spPr>
       </p:pic>
-      <mc:AlternateContent xmlns:mc="http://schemas.openxmlformats.org/markup-compatibility/2006">
-        <mc:Choice xmlns:a14="http://schemas.microsoft.com/office/drawing/2010/main" Requires="a14">
+      <mc:AlternateContent xmlns:mc="http://schemas.openxmlformats.org/markup-compatibility/2006" xmlns:a14="http://schemas.microsoft.com/office/drawing/2010/main">
+        <mc:Choice Requires="a14">
           <p:sp>
             <p:nvSpPr>
               <p:cNvPr id="17" name="TextBox 16">
@@ -24186,7 +27079,7 @@
             </p:txBody>
           </p:sp>
         </mc:Choice>
-        <mc:Fallback>
+        <mc:Fallback xmlns="">
           <p:sp>
             <p:nvSpPr>
               <p:cNvPr id="17" name="TextBox 16">
@@ -24788,8 +27681,8 @@
           </a:p>
         </p:txBody>
       </p:sp>
-      <mc:AlternateContent xmlns:mc="http://schemas.openxmlformats.org/markup-compatibility/2006">
-        <mc:Choice xmlns:a14="http://schemas.microsoft.com/office/drawing/2010/main" Requires="a14">
+      <mc:AlternateContent xmlns:mc="http://schemas.openxmlformats.org/markup-compatibility/2006" xmlns:a14="http://schemas.microsoft.com/office/drawing/2010/main">
+        <mc:Choice Requires="a14">
           <p:sp>
             <p:nvSpPr>
               <p:cNvPr id="95" name="Speech Bubble: Rectangle 94">
@@ -24871,7 +27764,7 @@
             </p:txBody>
           </p:sp>
         </mc:Choice>
-        <mc:Fallback>
+        <mc:Fallback xmlns="">
           <p:sp>
             <p:nvSpPr>
               <p:cNvPr id="95" name="Speech Bubble: Rectangle 94">
@@ -25172,8 +28065,8 @@
           </a:p>
         </p:txBody>
       </p:sp>
-      <mc:AlternateContent xmlns:mc="http://schemas.openxmlformats.org/markup-compatibility/2006">
-        <mc:Choice xmlns:a14="http://schemas.microsoft.com/office/drawing/2010/main" Requires="a14">
+      <mc:AlternateContent xmlns:mc="http://schemas.openxmlformats.org/markup-compatibility/2006" xmlns:a14="http://schemas.microsoft.com/office/drawing/2010/main">
+        <mc:Choice Requires="a14">
           <p:sp>
             <p:nvSpPr>
               <p:cNvPr id="111" name="Speech Bubble: Rectangle 110">
@@ -25255,7 +28148,7 @@
             </p:txBody>
           </p:sp>
         </mc:Choice>
-        <mc:Fallback>
+        <mc:Fallback xmlns="">
           <p:sp>
             <p:nvSpPr>
               <p:cNvPr id="111" name="Speech Bubble: Rectangle 110">
@@ -25884,8 +28777,8 @@
           </a:p>
         </p:txBody>
       </p:sp>
-      <mc:AlternateContent xmlns:mc="http://schemas.openxmlformats.org/markup-compatibility/2006">
-        <mc:Choice xmlns:a14="http://schemas.microsoft.com/office/drawing/2010/main" Requires="a14">
+      <mc:AlternateContent xmlns:mc="http://schemas.openxmlformats.org/markup-compatibility/2006" xmlns:a14="http://schemas.microsoft.com/office/drawing/2010/main">
+        <mc:Choice Requires="a14">
           <p:sp>
             <p:nvSpPr>
               <p:cNvPr id="131" name="TextBox 130">
@@ -25982,7 +28875,7 @@
             </p:txBody>
           </p:sp>
         </mc:Choice>
-        <mc:Fallback>
+        <mc:Fallback xmlns="">
           <p:sp>
             <p:nvSpPr>
               <p:cNvPr id="131" name="TextBox 130">
@@ -26119,8 +29012,8 @@
           </a:p>
         </p:txBody>
       </p:sp>
-      <mc:AlternateContent xmlns:mc="http://schemas.openxmlformats.org/markup-compatibility/2006">
-        <mc:Choice xmlns:a14="http://schemas.microsoft.com/office/drawing/2010/main" Requires="a14">
+      <mc:AlternateContent xmlns:mc="http://schemas.openxmlformats.org/markup-compatibility/2006" xmlns:a14="http://schemas.microsoft.com/office/drawing/2010/main">
+        <mc:Choice Requires="a14">
           <p:sp>
             <p:nvSpPr>
               <p:cNvPr id="134" name="TextBox 133">
@@ -26217,7 +29110,7 @@
             </p:txBody>
           </p:sp>
         </mc:Choice>
-        <mc:Fallback>
+        <mc:Fallback xmlns="">
           <p:sp>
             <p:nvSpPr>
               <p:cNvPr id="134" name="TextBox 133">
@@ -26272,6 +29165,1384 @@
   <p:clrMapOvr>
     <a:masterClrMapping/>
   </p:clrMapOvr>
+  <p:timing>
+    <p:tnLst>
+      <p:par>
+        <p:cTn id="1" dur="indefinite" restart="never" nodeType="tmRoot">
+          <p:childTnLst>
+            <p:seq concurrent="1" nextAc="seek">
+              <p:cTn id="2" dur="indefinite" nodeType="mainSeq">
+                <p:childTnLst>
+                  <p:par>
+                    <p:cTn id="3" fill="hold">
+                      <p:stCondLst>
+                        <p:cond delay="indefinite"/>
+                      </p:stCondLst>
+                      <p:childTnLst>
+                        <p:par>
+                          <p:cTn id="4" fill="hold">
+                            <p:stCondLst>
+                              <p:cond delay="0"/>
+                            </p:stCondLst>
+                            <p:childTnLst>
+                              <p:par>
+                                <p:cTn id="5" presetID="1" presetClass="entr" presetSubtype="0" fill="hold" grpId="0" nodeType="clickEffect">
+                                  <p:stCondLst>
+                                    <p:cond delay="0"/>
+                                  </p:stCondLst>
+                                  <p:childTnLst>
+                                    <p:set>
+                                      <p:cBhvr>
+                                        <p:cTn id="6" dur="1" fill="hold">
+                                          <p:stCondLst>
+                                            <p:cond delay="0"/>
+                                          </p:stCondLst>
+                                        </p:cTn>
+                                        <p:tgtEl>
+                                          <p:spTgt spid="5"/>
+                                        </p:tgtEl>
+                                        <p:attrNameLst>
+                                          <p:attrName>style.visibility</p:attrName>
+                                        </p:attrNameLst>
+                                      </p:cBhvr>
+                                      <p:to>
+                                        <p:strVal val="visible"/>
+                                      </p:to>
+                                    </p:set>
+                                  </p:childTnLst>
+                                </p:cTn>
+                              </p:par>
+                              <p:par>
+                                <p:cTn id="7" presetID="1" presetClass="entr" presetSubtype="0" fill="hold" grpId="0" nodeType="withEffect">
+                                  <p:stCondLst>
+                                    <p:cond delay="0"/>
+                                  </p:stCondLst>
+                                  <p:childTnLst>
+                                    <p:set>
+                                      <p:cBhvr>
+                                        <p:cTn id="8" dur="1" fill="hold">
+                                          <p:stCondLst>
+                                            <p:cond delay="0"/>
+                                          </p:stCondLst>
+                                        </p:cTn>
+                                        <p:tgtEl>
+                                          <p:spTgt spid="6"/>
+                                        </p:tgtEl>
+                                        <p:attrNameLst>
+                                          <p:attrName>style.visibility</p:attrName>
+                                        </p:attrNameLst>
+                                      </p:cBhvr>
+                                      <p:to>
+                                        <p:strVal val="visible"/>
+                                      </p:to>
+                                    </p:set>
+                                  </p:childTnLst>
+                                </p:cTn>
+                              </p:par>
+                              <p:par>
+                                <p:cTn id="9" presetID="1" presetClass="entr" presetSubtype="0" fill="hold" grpId="0" nodeType="withEffect">
+                                  <p:stCondLst>
+                                    <p:cond delay="0"/>
+                                  </p:stCondLst>
+                                  <p:childTnLst>
+                                    <p:set>
+                                      <p:cBhvr>
+                                        <p:cTn id="10" dur="1" fill="hold">
+                                          <p:stCondLst>
+                                            <p:cond delay="0"/>
+                                          </p:stCondLst>
+                                        </p:cTn>
+                                        <p:tgtEl>
+                                          <p:spTgt spid="7"/>
+                                        </p:tgtEl>
+                                        <p:attrNameLst>
+                                          <p:attrName>style.visibility</p:attrName>
+                                        </p:attrNameLst>
+                                      </p:cBhvr>
+                                      <p:to>
+                                        <p:strVal val="visible"/>
+                                      </p:to>
+                                    </p:set>
+                                  </p:childTnLst>
+                                </p:cTn>
+                              </p:par>
+                              <p:par>
+                                <p:cTn id="11" presetID="1" presetClass="entr" presetSubtype="0" fill="hold" grpId="0" nodeType="withEffect">
+                                  <p:stCondLst>
+                                    <p:cond delay="0"/>
+                                  </p:stCondLst>
+                                  <p:childTnLst>
+                                    <p:set>
+                                      <p:cBhvr>
+                                        <p:cTn id="12" dur="1" fill="hold">
+                                          <p:stCondLst>
+                                            <p:cond delay="0"/>
+                                          </p:stCondLst>
+                                        </p:cTn>
+                                        <p:tgtEl>
+                                          <p:spTgt spid="8"/>
+                                        </p:tgtEl>
+                                        <p:attrNameLst>
+                                          <p:attrName>style.visibility</p:attrName>
+                                        </p:attrNameLst>
+                                      </p:cBhvr>
+                                      <p:to>
+                                        <p:strVal val="visible"/>
+                                      </p:to>
+                                    </p:set>
+                                  </p:childTnLst>
+                                </p:cTn>
+                              </p:par>
+                              <p:par>
+                                <p:cTn id="13" presetID="1" presetClass="entr" presetSubtype="0" fill="hold" grpId="0" nodeType="withEffect">
+                                  <p:stCondLst>
+                                    <p:cond delay="0"/>
+                                  </p:stCondLst>
+                                  <p:childTnLst>
+                                    <p:set>
+                                      <p:cBhvr>
+                                        <p:cTn id="14" dur="1" fill="hold">
+                                          <p:stCondLst>
+                                            <p:cond delay="0"/>
+                                          </p:stCondLst>
+                                        </p:cTn>
+                                        <p:tgtEl>
+                                          <p:spTgt spid="9"/>
+                                        </p:tgtEl>
+                                        <p:attrNameLst>
+                                          <p:attrName>style.visibility</p:attrName>
+                                        </p:attrNameLst>
+                                      </p:cBhvr>
+                                      <p:to>
+                                        <p:strVal val="visible"/>
+                                      </p:to>
+                                    </p:set>
+                                  </p:childTnLst>
+                                </p:cTn>
+                              </p:par>
+                              <p:par>
+                                <p:cTn id="15" presetID="1" presetClass="entr" presetSubtype="0" fill="hold" grpId="0" nodeType="withEffect">
+                                  <p:stCondLst>
+                                    <p:cond delay="0"/>
+                                  </p:stCondLst>
+                                  <p:childTnLst>
+                                    <p:set>
+                                      <p:cBhvr>
+                                        <p:cTn id="16" dur="1" fill="hold">
+                                          <p:stCondLst>
+                                            <p:cond delay="0"/>
+                                          </p:stCondLst>
+                                        </p:cTn>
+                                        <p:tgtEl>
+                                          <p:spTgt spid="10"/>
+                                        </p:tgtEl>
+                                        <p:attrNameLst>
+                                          <p:attrName>style.visibility</p:attrName>
+                                        </p:attrNameLst>
+                                      </p:cBhvr>
+                                      <p:to>
+                                        <p:strVal val="visible"/>
+                                      </p:to>
+                                    </p:set>
+                                  </p:childTnLst>
+                                </p:cTn>
+                              </p:par>
+                              <p:par>
+                                <p:cTn id="17" presetID="1" presetClass="entr" presetSubtype="0" fill="hold" grpId="0" nodeType="withEffect">
+                                  <p:stCondLst>
+                                    <p:cond delay="0"/>
+                                  </p:stCondLst>
+                                  <p:childTnLst>
+                                    <p:set>
+                                      <p:cBhvr>
+                                        <p:cTn id="18" dur="1" fill="hold">
+                                          <p:stCondLst>
+                                            <p:cond delay="0"/>
+                                          </p:stCondLst>
+                                        </p:cTn>
+                                        <p:tgtEl>
+                                          <p:spTgt spid="95"/>
+                                        </p:tgtEl>
+                                        <p:attrNameLst>
+                                          <p:attrName>style.visibility</p:attrName>
+                                        </p:attrNameLst>
+                                      </p:cBhvr>
+                                      <p:to>
+                                        <p:strVal val="visible"/>
+                                      </p:to>
+                                    </p:set>
+                                  </p:childTnLst>
+                                </p:cTn>
+                              </p:par>
+                              <p:par>
+                                <p:cTn id="19" presetID="1" presetClass="entr" presetSubtype="0" fill="hold" grpId="0" nodeType="withEffect">
+                                  <p:stCondLst>
+                                    <p:cond delay="0"/>
+                                  </p:stCondLst>
+                                  <p:childTnLst>
+                                    <p:set>
+                                      <p:cBhvr>
+                                        <p:cTn id="20" dur="1" fill="hold">
+                                          <p:stCondLst>
+                                            <p:cond delay="0"/>
+                                          </p:stCondLst>
+                                        </p:cTn>
+                                        <p:tgtEl>
+                                          <p:spTgt spid="111"/>
+                                        </p:tgtEl>
+                                        <p:attrNameLst>
+                                          <p:attrName>style.visibility</p:attrName>
+                                        </p:attrNameLst>
+                                      </p:cBhvr>
+                                      <p:to>
+                                        <p:strVal val="visible"/>
+                                      </p:to>
+                                    </p:set>
+                                  </p:childTnLst>
+                                </p:cTn>
+                              </p:par>
+                              <p:par>
+                                <p:cTn id="21" presetID="1" presetClass="entr" presetSubtype="0" fill="hold" grpId="0" nodeType="withEffect">
+                                  <p:stCondLst>
+                                    <p:cond delay="0"/>
+                                  </p:stCondLst>
+                                  <p:childTnLst>
+                                    <p:set>
+                                      <p:cBhvr>
+                                        <p:cTn id="22" dur="1" fill="hold">
+                                          <p:stCondLst>
+                                            <p:cond delay="0"/>
+                                          </p:stCondLst>
+                                        </p:cTn>
+                                        <p:tgtEl>
+                                          <p:spTgt spid="132"/>
+                                        </p:tgtEl>
+                                        <p:attrNameLst>
+                                          <p:attrName>style.visibility</p:attrName>
+                                        </p:attrNameLst>
+                                      </p:cBhvr>
+                                      <p:to>
+                                        <p:strVal val="visible"/>
+                                      </p:to>
+                                    </p:set>
+                                  </p:childTnLst>
+                                </p:cTn>
+                              </p:par>
+                              <p:par>
+                                <p:cTn id="23" presetID="1" presetClass="entr" presetSubtype="0" fill="hold" grpId="0" nodeType="withEffect">
+                                  <p:stCondLst>
+                                    <p:cond delay="0"/>
+                                  </p:stCondLst>
+                                  <p:childTnLst>
+                                    <p:set>
+                                      <p:cBhvr>
+                                        <p:cTn id="24" dur="1" fill="hold">
+                                          <p:stCondLst>
+                                            <p:cond delay="0"/>
+                                          </p:stCondLst>
+                                        </p:cTn>
+                                        <p:tgtEl>
+                                          <p:spTgt spid="133"/>
+                                        </p:tgtEl>
+                                        <p:attrNameLst>
+                                          <p:attrName>style.visibility</p:attrName>
+                                        </p:attrNameLst>
+                                      </p:cBhvr>
+                                      <p:to>
+                                        <p:strVal val="visible"/>
+                                      </p:to>
+                                    </p:set>
+                                  </p:childTnLst>
+                                </p:cTn>
+                              </p:par>
+                            </p:childTnLst>
+                          </p:cTn>
+                        </p:par>
+                      </p:childTnLst>
+                    </p:cTn>
+                  </p:par>
+                  <p:par>
+                    <p:cTn id="25" fill="hold">
+                      <p:stCondLst>
+                        <p:cond delay="indefinite"/>
+                      </p:stCondLst>
+                      <p:childTnLst>
+                        <p:par>
+                          <p:cTn id="26" fill="hold">
+                            <p:stCondLst>
+                              <p:cond delay="0"/>
+                            </p:stCondLst>
+                            <p:childTnLst>
+                              <p:par>
+                                <p:cTn id="27" presetID="1" presetClass="entr" presetSubtype="0" fill="hold" nodeType="clickEffect">
+                                  <p:stCondLst>
+                                    <p:cond delay="0"/>
+                                  </p:stCondLst>
+                                  <p:childTnLst>
+                                    <p:set>
+                                      <p:cBhvr>
+                                        <p:cTn id="28" dur="1" fill="hold">
+                                          <p:stCondLst>
+                                            <p:cond delay="0"/>
+                                          </p:stCondLst>
+                                        </p:cTn>
+                                        <p:tgtEl>
+                                          <p:spTgt spid="16"/>
+                                        </p:tgtEl>
+                                        <p:attrNameLst>
+                                          <p:attrName>style.visibility</p:attrName>
+                                        </p:attrNameLst>
+                                      </p:cBhvr>
+                                      <p:to>
+                                        <p:strVal val="visible"/>
+                                      </p:to>
+                                    </p:set>
+                                  </p:childTnLst>
+                                </p:cTn>
+                              </p:par>
+                              <p:par>
+                                <p:cTn id="29" presetID="1" presetClass="entr" presetSubtype="0" fill="hold" grpId="0" nodeType="withEffect">
+                                  <p:stCondLst>
+                                    <p:cond delay="0"/>
+                                  </p:stCondLst>
+                                  <p:childTnLst>
+                                    <p:set>
+                                      <p:cBhvr>
+                                        <p:cTn id="30" dur="1" fill="hold">
+                                          <p:stCondLst>
+                                            <p:cond delay="0"/>
+                                          </p:stCondLst>
+                                        </p:cTn>
+                                        <p:tgtEl>
+                                          <p:spTgt spid="73"/>
+                                        </p:tgtEl>
+                                        <p:attrNameLst>
+                                          <p:attrName>style.visibility</p:attrName>
+                                        </p:attrNameLst>
+                                      </p:cBhvr>
+                                      <p:to>
+                                        <p:strVal val="visible"/>
+                                      </p:to>
+                                    </p:set>
+                                  </p:childTnLst>
+                                </p:cTn>
+                              </p:par>
+                              <p:par>
+                                <p:cTn id="31" presetID="1" presetClass="entr" presetSubtype="0" fill="hold" nodeType="withEffect">
+                                  <p:stCondLst>
+                                    <p:cond delay="0"/>
+                                  </p:stCondLst>
+                                  <p:childTnLst>
+                                    <p:set>
+                                      <p:cBhvr>
+                                        <p:cTn id="32" dur="1" fill="hold">
+                                          <p:stCondLst>
+                                            <p:cond delay="0"/>
+                                          </p:stCondLst>
+                                        </p:cTn>
+                                        <p:tgtEl>
+                                          <p:spTgt spid="96"/>
+                                        </p:tgtEl>
+                                        <p:attrNameLst>
+                                          <p:attrName>style.visibility</p:attrName>
+                                        </p:attrNameLst>
+                                      </p:cBhvr>
+                                      <p:to>
+                                        <p:strVal val="visible"/>
+                                      </p:to>
+                                    </p:set>
+                                  </p:childTnLst>
+                                </p:cTn>
+                              </p:par>
+                              <p:par>
+                                <p:cTn id="33" presetID="1" presetClass="entr" presetSubtype="0" fill="hold" grpId="0" nodeType="withEffect">
+                                  <p:stCondLst>
+                                    <p:cond delay="0"/>
+                                  </p:stCondLst>
+                                  <p:childTnLst>
+                                    <p:set>
+                                      <p:cBhvr>
+                                        <p:cTn id="34" dur="1" fill="hold">
+                                          <p:stCondLst>
+                                            <p:cond delay="0"/>
+                                          </p:stCondLst>
+                                        </p:cTn>
+                                        <p:tgtEl>
+                                          <p:spTgt spid="100"/>
+                                        </p:tgtEl>
+                                        <p:attrNameLst>
+                                          <p:attrName>style.visibility</p:attrName>
+                                        </p:attrNameLst>
+                                      </p:cBhvr>
+                                      <p:to>
+                                        <p:strVal val="visible"/>
+                                      </p:to>
+                                    </p:set>
+                                  </p:childTnLst>
+                                </p:cTn>
+                              </p:par>
+                              <p:par>
+                                <p:cTn id="35" presetID="1" presetClass="entr" presetSubtype="0" fill="hold" nodeType="withEffect">
+                                  <p:stCondLst>
+                                    <p:cond delay="0"/>
+                                  </p:stCondLst>
+                                  <p:childTnLst>
+                                    <p:set>
+                                      <p:cBhvr>
+                                        <p:cTn id="36" dur="1" fill="hold">
+                                          <p:stCondLst>
+                                            <p:cond delay="0"/>
+                                          </p:stCondLst>
+                                        </p:cTn>
+                                        <p:tgtEl>
+                                          <p:spTgt spid="112"/>
+                                        </p:tgtEl>
+                                        <p:attrNameLst>
+                                          <p:attrName>style.visibility</p:attrName>
+                                        </p:attrNameLst>
+                                      </p:cBhvr>
+                                      <p:to>
+                                        <p:strVal val="visible"/>
+                                      </p:to>
+                                    </p:set>
+                                  </p:childTnLst>
+                                </p:cTn>
+                              </p:par>
+                              <p:par>
+                                <p:cTn id="37" presetID="1" presetClass="entr" presetSubtype="0" fill="hold" grpId="0" nodeType="withEffect">
+                                  <p:stCondLst>
+                                    <p:cond delay="0"/>
+                                  </p:stCondLst>
+                                  <p:childTnLst>
+                                    <p:set>
+                                      <p:cBhvr>
+                                        <p:cTn id="38" dur="1" fill="hold">
+                                          <p:stCondLst>
+                                            <p:cond delay="0"/>
+                                          </p:stCondLst>
+                                        </p:cTn>
+                                        <p:tgtEl>
+                                          <p:spTgt spid="116"/>
+                                        </p:tgtEl>
+                                        <p:attrNameLst>
+                                          <p:attrName>style.visibility</p:attrName>
+                                        </p:attrNameLst>
+                                      </p:cBhvr>
+                                      <p:to>
+                                        <p:strVal val="visible"/>
+                                      </p:to>
+                                    </p:set>
+                                  </p:childTnLst>
+                                </p:cTn>
+                              </p:par>
+                            </p:childTnLst>
+                          </p:cTn>
+                        </p:par>
+                      </p:childTnLst>
+                    </p:cTn>
+                  </p:par>
+                  <p:par>
+                    <p:cTn id="39" fill="hold">
+                      <p:stCondLst>
+                        <p:cond delay="indefinite"/>
+                      </p:stCondLst>
+                      <p:childTnLst>
+                        <p:par>
+                          <p:cTn id="40" fill="hold">
+                            <p:stCondLst>
+                              <p:cond delay="0"/>
+                            </p:stCondLst>
+                            <p:childTnLst>
+                              <p:par>
+                                <p:cTn id="41" presetID="1" presetClass="entr" presetSubtype="0" fill="hold" grpId="0" nodeType="clickEffect">
+                                  <p:stCondLst>
+                                    <p:cond delay="0"/>
+                                  </p:stCondLst>
+                                  <p:childTnLst>
+                                    <p:set>
+                                      <p:cBhvr>
+                                        <p:cTn id="42" dur="1" fill="hold">
+                                          <p:stCondLst>
+                                            <p:cond delay="0"/>
+                                          </p:stCondLst>
+                                        </p:cTn>
+                                        <p:tgtEl>
+                                          <p:spTgt spid="17"/>
+                                        </p:tgtEl>
+                                        <p:attrNameLst>
+                                          <p:attrName>style.visibility</p:attrName>
+                                        </p:attrNameLst>
+                                      </p:cBhvr>
+                                      <p:to>
+                                        <p:strVal val="visible"/>
+                                      </p:to>
+                                    </p:set>
+                                  </p:childTnLst>
+                                </p:cTn>
+                              </p:par>
+                              <p:par>
+                                <p:cTn id="43" presetID="1" presetClass="entr" presetSubtype="0" fill="hold" grpId="0" nodeType="withEffect">
+                                  <p:stCondLst>
+                                    <p:cond delay="0"/>
+                                  </p:stCondLst>
+                                  <p:childTnLst>
+                                    <p:set>
+                                      <p:cBhvr>
+                                        <p:cTn id="44" dur="1" fill="hold">
+                                          <p:stCondLst>
+                                            <p:cond delay="0"/>
+                                          </p:stCondLst>
+                                        </p:cTn>
+                                        <p:tgtEl>
+                                          <p:spTgt spid="74"/>
+                                        </p:tgtEl>
+                                        <p:attrNameLst>
+                                          <p:attrName>style.visibility</p:attrName>
+                                        </p:attrNameLst>
+                                      </p:cBhvr>
+                                      <p:to>
+                                        <p:strVal val="visible"/>
+                                      </p:to>
+                                    </p:set>
+                                  </p:childTnLst>
+                                </p:cTn>
+                              </p:par>
+                              <p:par>
+                                <p:cTn id="45" presetID="1" presetClass="entr" presetSubtype="0" fill="hold" grpId="0" nodeType="withEffect">
+                                  <p:stCondLst>
+                                    <p:cond delay="0"/>
+                                  </p:stCondLst>
+                                  <p:childTnLst>
+                                    <p:set>
+                                      <p:cBhvr>
+                                        <p:cTn id="46" dur="1" fill="hold">
+                                          <p:stCondLst>
+                                            <p:cond delay="0"/>
+                                          </p:stCondLst>
+                                        </p:cTn>
+                                        <p:tgtEl>
+                                          <p:spTgt spid="101"/>
+                                        </p:tgtEl>
+                                        <p:attrNameLst>
+                                          <p:attrName>style.visibility</p:attrName>
+                                        </p:attrNameLst>
+                                      </p:cBhvr>
+                                      <p:to>
+                                        <p:strVal val="visible"/>
+                                      </p:to>
+                                    </p:set>
+                                  </p:childTnLst>
+                                </p:cTn>
+                              </p:par>
+                              <p:par>
+                                <p:cTn id="47" presetID="1" presetClass="entr" presetSubtype="0" fill="hold" grpId="0" nodeType="withEffect">
+                                  <p:stCondLst>
+                                    <p:cond delay="0"/>
+                                  </p:stCondLst>
+                                  <p:childTnLst>
+                                    <p:set>
+                                      <p:cBhvr>
+                                        <p:cTn id="48" dur="1" fill="hold">
+                                          <p:stCondLst>
+                                            <p:cond delay="0"/>
+                                          </p:stCondLst>
+                                        </p:cTn>
+                                        <p:tgtEl>
+                                          <p:spTgt spid="117"/>
+                                        </p:tgtEl>
+                                        <p:attrNameLst>
+                                          <p:attrName>style.visibility</p:attrName>
+                                        </p:attrNameLst>
+                                      </p:cBhvr>
+                                      <p:to>
+                                        <p:strVal val="visible"/>
+                                      </p:to>
+                                    </p:set>
+                                  </p:childTnLst>
+                                </p:cTn>
+                              </p:par>
+                              <p:par>
+                                <p:cTn id="49" presetID="1" presetClass="entr" presetSubtype="0" fill="hold" grpId="0" nodeType="withEffect">
+                                  <p:stCondLst>
+                                    <p:cond delay="0"/>
+                                  </p:stCondLst>
+                                  <p:childTnLst>
+                                    <p:set>
+                                      <p:cBhvr>
+                                        <p:cTn id="50" dur="1" fill="hold">
+                                          <p:stCondLst>
+                                            <p:cond delay="0"/>
+                                          </p:stCondLst>
+                                        </p:cTn>
+                                        <p:tgtEl>
+                                          <p:spTgt spid="131"/>
+                                        </p:tgtEl>
+                                        <p:attrNameLst>
+                                          <p:attrName>style.visibility</p:attrName>
+                                        </p:attrNameLst>
+                                      </p:cBhvr>
+                                      <p:to>
+                                        <p:strVal val="visible"/>
+                                      </p:to>
+                                    </p:set>
+                                  </p:childTnLst>
+                                </p:cTn>
+                              </p:par>
+                              <p:par>
+                                <p:cTn id="51" presetID="1" presetClass="entr" presetSubtype="0" fill="hold" grpId="0" nodeType="withEffect">
+                                  <p:stCondLst>
+                                    <p:cond delay="0"/>
+                                  </p:stCondLst>
+                                  <p:childTnLst>
+                                    <p:set>
+                                      <p:cBhvr>
+                                        <p:cTn id="52" dur="1" fill="hold">
+                                          <p:stCondLst>
+                                            <p:cond delay="0"/>
+                                          </p:stCondLst>
+                                        </p:cTn>
+                                        <p:tgtEl>
+                                          <p:spTgt spid="134"/>
+                                        </p:tgtEl>
+                                        <p:attrNameLst>
+                                          <p:attrName>style.visibility</p:attrName>
+                                        </p:attrNameLst>
+                                      </p:cBhvr>
+                                      <p:to>
+                                        <p:strVal val="visible"/>
+                                      </p:to>
+                                    </p:set>
+                                  </p:childTnLst>
+                                </p:cTn>
+                              </p:par>
+                            </p:childTnLst>
+                          </p:cTn>
+                        </p:par>
+                      </p:childTnLst>
+                    </p:cTn>
+                  </p:par>
+                  <p:par>
+                    <p:cTn id="53" fill="hold">
+                      <p:stCondLst>
+                        <p:cond delay="indefinite"/>
+                      </p:stCondLst>
+                      <p:childTnLst>
+                        <p:par>
+                          <p:cTn id="54" fill="hold">
+                            <p:stCondLst>
+                              <p:cond delay="0"/>
+                            </p:stCondLst>
+                            <p:childTnLst>
+                              <p:par>
+                                <p:cTn id="55" presetID="1" presetClass="entr" presetSubtype="0" fill="hold" grpId="0" nodeType="clickEffect">
+                                  <p:stCondLst>
+                                    <p:cond delay="0"/>
+                                  </p:stCondLst>
+                                  <p:childTnLst>
+                                    <p:set>
+                                      <p:cBhvr>
+                                        <p:cTn id="56" dur="1" fill="hold">
+                                          <p:stCondLst>
+                                            <p:cond delay="0"/>
+                                          </p:stCondLst>
+                                        </p:cTn>
+                                        <p:tgtEl>
+                                          <p:spTgt spid="28"/>
+                                        </p:tgtEl>
+                                        <p:attrNameLst>
+                                          <p:attrName>style.visibility</p:attrName>
+                                        </p:attrNameLst>
+                                      </p:cBhvr>
+                                      <p:to>
+                                        <p:strVal val="visible"/>
+                                      </p:to>
+                                    </p:set>
+                                  </p:childTnLst>
+                                </p:cTn>
+                              </p:par>
+                              <p:par>
+                                <p:cTn id="57" presetID="1" presetClass="entr" presetSubtype="0" fill="hold" nodeType="withEffect">
+                                  <p:stCondLst>
+                                    <p:cond delay="0"/>
+                                  </p:stCondLst>
+                                  <p:childTnLst>
+                                    <p:set>
+                                      <p:cBhvr>
+                                        <p:cTn id="58" dur="1" fill="hold">
+                                          <p:stCondLst>
+                                            <p:cond delay="0"/>
+                                          </p:stCondLst>
+                                        </p:cTn>
+                                        <p:tgtEl>
+                                          <p:spTgt spid="72"/>
+                                        </p:tgtEl>
+                                        <p:attrNameLst>
+                                          <p:attrName>style.visibility</p:attrName>
+                                        </p:attrNameLst>
+                                      </p:cBhvr>
+                                      <p:to>
+                                        <p:strVal val="visible"/>
+                                      </p:to>
+                                    </p:set>
+                                  </p:childTnLst>
+                                </p:cTn>
+                              </p:par>
+                              <p:par>
+                                <p:cTn id="59" presetID="1" presetClass="entr" presetSubtype="0" fill="hold" grpId="0" nodeType="withEffect">
+                                  <p:stCondLst>
+                                    <p:cond delay="0"/>
+                                  </p:stCondLst>
+                                  <p:childTnLst>
+                                    <p:set>
+                                      <p:cBhvr>
+                                        <p:cTn id="60" dur="1" fill="hold">
+                                          <p:stCondLst>
+                                            <p:cond delay="0"/>
+                                          </p:stCondLst>
+                                        </p:cTn>
+                                        <p:tgtEl>
+                                          <p:spTgt spid="98"/>
+                                        </p:tgtEl>
+                                        <p:attrNameLst>
+                                          <p:attrName>style.visibility</p:attrName>
+                                        </p:attrNameLst>
+                                      </p:cBhvr>
+                                      <p:to>
+                                        <p:strVal val="visible"/>
+                                      </p:to>
+                                    </p:set>
+                                  </p:childTnLst>
+                                </p:cTn>
+                              </p:par>
+                              <p:par>
+                                <p:cTn id="61" presetID="1" presetClass="entr" presetSubtype="0" fill="hold" nodeType="withEffect">
+                                  <p:stCondLst>
+                                    <p:cond delay="0"/>
+                                  </p:stCondLst>
+                                  <p:childTnLst>
+                                    <p:set>
+                                      <p:cBhvr>
+                                        <p:cTn id="62" dur="1" fill="hold">
+                                          <p:stCondLst>
+                                            <p:cond delay="0"/>
+                                          </p:stCondLst>
+                                        </p:cTn>
+                                        <p:tgtEl>
+                                          <p:spTgt spid="99"/>
+                                        </p:tgtEl>
+                                        <p:attrNameLst>
+                                          <p:attrName>style.visibility</p:attrName>
+                                        </p:attrNameLst>
+                                      </p:cBhvr>
+                                      <p:to>
+                                        <p:strVal val="visible"/>
+                                      </p:to>
+                                    </p:set>
+                                  </p:childTnLst>
+                                </p:cTn>
+                              </p:par>
+                              <p:par>
+                                <p:cTn id="63" presetID="1" presetClass="entr" presetSubtype="0" fill="hold" grpId="0" nodeType="withEffect">
+                                  <p:stCondLst>
+                                    <p:cond delay="0"/>
+                                  </p:stCondLst>
+                                  <p:childTnLst>
+                                    <p:set>
+                                      <p:cBhvr>
+                                        <p:cTn id="64" dur="1" fill="hold">
+                                          <p:stCondLst>
+                                            <p:cond delay="0"/>
+                                          </p:stCondLst>
+                                        </p:cTn>
+                                        <p:tgtEl>
+                                          <p:spTgt spid="114"/>
+                                        </p:tgtEl>
+                                        <p:attrNameLst>
+                                          <p:attrName>style.visibility</p:attrName>
+                                        </p:attrNameLst>
+                                      </p:cBhvr>
+                                      <p:to>
+                                        <p:strVal val="visible"/>
+                                      </p:to>
+                                    </p:set>
+                                  </p:childTnLst>
+                                </p:cTn>
+                              </p:par>
+                              <p:par>
+                                <p:cTn id="65" presetID="1" presetClass="entr" presetSubtype="0" fill="hold" nodeType="withEffect">
+                                  <p:stCondLst>
+                                    <p:cond delay="0"/>
+                                  </p:stCondLst>
+                                  <p:childTnLst>
+                                    <p:set>
+                                      <p:cBhvr>
+                                        <p:cTn id="66" dur="1" fill="hold">
+                                          <p:stCondLst>
+                                            <p:cond delay="0"/>
+                                          </p:stCondLst>
+                                        </p:cTn>
+                                        <p:tgtEl>
+                                          <p:spTgt spid="115"/>
+                                        </p:tgtEl>
+                                        <p:attrNameLst>
+                                          <p:attrName>style.visibility</p:attrName>
+                                        </p:attrNameLst>
+                                      </p:cBhvr>
+                                      <p:to>
+                                        <p:strVal val="visible"/>
+                                      </p:to>
+                                    </p:set>
+                                  </p:childTnLst>
+                                </p:cTn>
+                              </p:par>
+                            </p:childTnLst>
+                          </p:cTn>
+                        </p:par>
+                      </p:childTnLst>
+                    </p:cTn>
+                  </p:par>
+                  <p:par>
+                    <p:cTn id="67" fill="hold">
+                      <p:stCondLst>
+                        <p:cond delay="indefinite"/>
+                      </p:stCondLst>
+                      <p:childTnLst>
+                        <p:par>
+                          <p:cTn id="68" fill="hold">
+                            <p:stCondLst>
+                              <p:cond delay="0"/>
+                            </p:stCondLst>
+                            <p:childTnLst>
+                              <p:par>
+                                <p:cTn id="69" presetID="1" presetClass="entr" presetSubtype="0" fill="hold" grpId="0" nodeType="clickEffect">
+                                  <p:stCondLst>
+                                    <p:cond delay="0"/>
+                                  </p:stCondLst>
+                                  <p:childTnLst>
+                                    <p:set>
+                                      <p:cBhvr>
+                                        <p:cTn id="70" dur="1" fill="hold">
+                                          <p:stCondLst>
+                                            <p:cond delay="0"/>
+                                          </p:stCondLst>
+                                        </p:cTn>
+                                        <p:tgtEl>
+                                          <p:spTgt spid="52"/>
+                                        </p:tgtEl>
+                                        <p:attrNameLst>
+                                          <p:attrName>style.visibility</p:attrName>
+                                        </p:attrNameLst>
+                                      </p:cBhvr>
+                                      <p:to>
+                                        <p:strVal val="visible"/>
+                                      </p:to>
+                                    </p:set>
+                                  </p:childTnLst>
+                                </p:cTn>
+                              </p:par>
+                              <p:par>
+                                <p:cTn id="71" presetID="1" presetClass="entr" presetSubtype="0" fill="hold" grpId="0" nodeType="withEffect">
+                                  <p:stCondLst>
+                                    <p:cond delay="0"/>
+                                  </p:stCondLst>
+                                  <p:childTnLst>
+                                    <p:set>
+                                      <p:cBhvr>
+                                        <p:cTn id="72" dur="1" fill="hold">
+                                          <p:stCondLst>
+                                            <p:cond delay="0"/>
+                                          </p:stCondLst>
+                                        </p:cTn>
+                                        <p:tgtEl>
+                                          <p:spTgt spid="75"/>
+                                        </p:tgtEl>
+                                        <p:attrNameLst>
+                                          <p:attrName>style.visibility</p:attrName>
+                                        </p:attrNameLst>
+                                      </p:cBhvr>
+                                      <p:to>
+                                        <p:strVal val="visible"/>
+                                      </p:to>
+                                    </p:set>
+                                  </p:childTnLst>
+                                </p:cTn>
+                              </p:par>
+                              <p:par>
+                                <p:cTn id="73" presetID="1" presetClass="entr" presetSubtype="0" fill="hold" grpId="0" nodeType="withEffect">
+                                  <p:stCondLst>
+                                    <p:cond delay="0"/>
+                                  </p:stCondLst>
+                                  <p:childTnLst>
+                                    <p:set>
+                                      <p:cBhvr>
+                                        <p:cTn id="74" dur="1" fill="hold">
+                                          <p:stCondLst>
+                                            <p:cond delay="0"/>
+                                          </p:stCondLst>
+                                        </p:cTn>
+                                        <p:tgtEl>
+                                          <p:spTgt spid="102"/>
+                                        </p:tgtEl>
+                                        <p:attrNameLst>
+                                          <p:attrName>style.visibility</p:attrName>
+                                        </p:attrNameLst>
+                                      </p:cBhvr>
+                                      <p:to>
+                                        <p:strVal val="visible"/>
+                                      </p:to>
+                                    </p:set>
+                                  </p:childTnLst>
+                                </p:cTn>
+                              </p:par>
+                              <p:par>
+                                <p:cTn id="75" presetID="1" presetClass="entr" presetSubtype="0" fill="hold" grpId="0" nodeType="withEffect">
+                                  <p:stCondLst>
+                                    <p:cond delay="0"/>
+                                  </p:stCondLst>
+                                  <p:childTnLst>
+                                    <p:set>
+                                      <p:cBhvr>
+                                        <p:cTn id="76" dur="1" fill="hold">
+                                          <p:stCondLst>
+                                            <p:cond delay="0"/>
+                                          </p:stCondLst>
+                                        </p:cTn>
+                                        <p:tgtEl>
+                                          <p:spTgt spid="118"/>
+                                        </p:tgtEl>
+                                        <p:attrNameLst>
+                                          <p:attrName>style.visibility</p:attrName>
+                                        </p:attrNameLst>
+                                      </p:cBhvr>
+                                      <p:to>
+                                        <p:strVal val="visible"/>
+                                      </p:to>
+                                    </p:set>
+                                  </p:childTnLst>
+                                </p:cTn>
+                              </p:par>
+                            </p:childTnLst>
+                          </p:cTn>
+                        </p:par>
+                      </p:childTnLst>
+                    </p:cTn>
+                  </p:par>
+                  <p:par>
+                    <p:cTn id="77" fill="hold">
+                      <p:stCondLst>
+                        <p:cond delay="indefinite"/>
+                      </p:stCondLst>
+                      <p:childTnLst>
+                        <p:par>
+                          <p:cTn id="78" fill="hold">
+                            <p:stCondLst>
+                              <p:cond delay="0"/>
+                            </p:stCondLst>
+                            <p:childTnLst>
+                              <p:par>
+                                <p:cTn id="79" presetID="1" presetClass="entr" presetSubtype="0" fill="hold" grpId="0" nodeType="clickEffect">
+                                  <p:stCondLst>
+                                    <p:cond delay="0"/>
+                                  </p:stCondLst>
+                                  <p:childTnLst>
+                                    <p:set>
+                                      <p:cBhvr>
+                                        <p:cTn id="80" dur="1" fill="hold">
+                                          <p:stCondLst>
+                                            <p:cond delay="0"/>
+                                          </p:stCondLst>
+                                        </p:cTn>
+                                        <p:tgtEl>
+                                          <p:spTgt spid="76"/>
+                                        </p:tgtEl>
+                                        <p:attrNameLst>
+                                          <p:attrName>style.visibility</p:attrName>
+                                        </p:attrNameLst>
+                                      </p:cBhvr>
+                                      <p:to>
+                                        <p:strVal val="visible"/>
+                                      </p:to>
+                                    </p:set>
+                                  </p:childTnLst>
+                                </p:cTn>
+                              </p:par>
+                              <p:par>
+                                <p:cTn id="81" presetID="1" presetClass="entr" presetSubtype="0" fill="hold" nodeType="withEffect">
+                                  <p:stCondLst>
+                                    <p:cond delay="0"/>
+                                  </p:stCondLst>
+                                  <p:childTnLst>
+                                    <p:set>
+                                      <p:cBhvr>
+                                        <p:cTn id="82" dur="1" fill="hold">
+                                          <p:stCondLst>
+                                            <p:cond delay="0"/>
+                                          </p:stCondLst>
+                                        </p:cTn>
+                                        <p:tgtEl>
+                                          <p:spTgt spid="79"/>
+                                        </p:tgtEl>
+                                        <p:attrNameLst>
+                                          <p:attrName>style.visibility</p:attrName>
+                                        </p:attrNameLst>
+                                      </p:cBhvr>
+                                      <p:to>
+                                        <p:strVal val="visible"/>
+                                      </p:to>
+                                    </p:set>
+                                  </p:childTnLst>
+                                </p:cTn>
+                              </p:par>
+                              <p:par>
+                                <p:cTn id="83" presetID="1" presetClass="entr" presetSubtype="0" fill="hold" grpId="0" nodeType="withEffect">
+                                  <p:stCondLst>
+                                    <p:cond delay="0"/>
+                                  </p:stCondLst>
+                                  <p:childTnLst>
+                                    <p:set>
+                                      <p:cBhvr>
+                                        <p:cTn id="84" dur="1" fill="hold">
+                                          <p:stCondLst>
+                                            <p:cond delay="0"/>
+                                          </p:stCondLst>
+                                        </p:cTn>
+                                        <p:tgtEl>
+                                          <p:spTgt spid="119"/>
+                                        </p:tgtEl>
+                                        <p:attrNameLst>
+                                          <p:attrName>style.visibility</p:attrName>
+                                        </p:attrNameLst>
+                                      </p:cBhvr>
+                                      <p:to>
+                                        <p:strVal val="visible"/>
+                                      </p:to>
+                                    </p:set>
+                                  </p:childTnLst>
+                                </p:cTn>
+                              </p:par>
+                              <p:par>
+                                <p:cTn id="85" presetID="1" presetClass="entr" presetSubtype="0" fill="hold" nodeType="withEffect">
+                                  <p:stCondLst>
+                                    <p:cond delay="0"/>
+                                  </p:stCondLst>
+                                  <p:childTnLst>
+                                    <p:set>
+                                      <p:cBhvr>
+                                        <p:cTn id="86" dur="1" fill="hold">
+                                          <p:stCondLst>
+                                            <p:cond delay="0"/>
+                                          </p:stCondLst>
+                                        </p:cTn>
+                                        <p:tgtEl>
+                                          <p:spTgt spid="121"/>
+                                        </p:tgtEl>
+                                        <p:attrNameLst>
+                                          <p:attrName>style.visibility</p:attrName>
+                                        </p:attrNameLst>
+                                      </p:cBhvr>
+                                      <p:to>
+                                        <p:strVal val="visible"/>
+                                      </p:to>
+                                    </p:set>
+                                  </p:childTnLst>
+                                </p:cTn>
+                              </p:par>
+                              <p:par>
+                                <p:cTn id="87" presetID="1" presetClass="entr" presetSubtype="0" fill="hold" grpId="0" nodeType="withEffect">
+                                  <p:stCondLst>
+                                    <p:cond delay="0"/>
+                                  </p:stCondLst>
+                                  <p:childTnLst>
+                                    <p:set>
+                                      <p:cBhvr>
+                                        <p:cTn id="88" dur="1" fill="hold">
+                                          <p:stCondLst>
+                                            <p:cond delay="0"/>
+                                          </p:stCondLst>
+                                        </p:cTn>
+                                        <p:tgtEl>
+                                          <p:spTgt spid="127"/>
+                                        </p:tgtEl>
+                                        <p:attrNameLst>
+                                          <p:attrName>style.visibility</p:attrName>
+                                        </p:attrNameLst>
+                                      </p:cBhvr>
+                                      <p:to>
+                                        <p:strVal val="visible"/>
+                                      </p:to>
+                                    </p:set>
+                                  </p:childTnLst>
+                                </p:cTn>
+                              </p:par>
+                              <p:par>
+                                <p:cTn id="89" presetID="1" presetClass="entr" presetSubtype="0" fill="hold" nodeType="withEffect">
+                                  <p:stCondLst>
+                                    <p:cond delay="0"/>
+                                  </p:stCondLst>
+                                  <p:childTnLst>
+                                    <p:set>
+                                      <p:cBhvr>
+                                        <p:cTn id="90" dur="1" fill="hold">
+                                          <p:stCondLst>
+                                            <p:cond delay="0"/>
+                                          </p:stCondLst>
+                                        </p:cTn>
+                                        <p:tgtEl>
+                                          <p:spTgt spid="129"/>
+                                        </p:tgtEl>
+                                        <p:attrNameLst>
+                                          <p:attrName>style.visibility</p:attrName>
+                                        </p:attrNameLst>
+                                      </p:cBhvr>
+                                      <p:to>
+                                        <p:strVal val="visible"/>
+                                      </p:to>
+                                    </p:set>
+                                  </p:childTnLst>
+                                </p:cTn>
+                              </p:par>
+                            </p:childTnLst>
+                          </p:cTn>
+                        </p:par>
+                      </p:childTnLst>
+                    </p:cTn>
+                  </p:par>
+                  <p:par>
+                    <p:cTn id="91" fill="hold">
+                      <p:stCondLst>
+                        <p:cond delay="indefinite"/>
+                      </p:stCondLst>
+                      <p:childTnLst>
+                        <p:par>
+                          <p:cTn id="92" fill="hold">
+                            <p:stCondLst>
+                              <p:cond delay="0"/>
+                            </p:stCondLst>
+                            <p:childTnLst>
+                              <p:par>
+                                <p:cTn id="93" presetID="1" presetClass="entr" presetSubtype="0" fill="hold" nodeType="clickEffect">
+                                  <p:stCondLst>
+                                    <p:cond delay="0"/>
+                                  </p:stCondLst>
+                                  <p:childTnLst>
+                                    <p:set>
+                                      <p:cBhvr>
+                                        <p:cTn id="94" dur="1" fill="hold">
+                                          <p:stCondLst>
+                                            <p:cond delay="0"/>
+                                          </p:stCondLst>
+                                        </p:cTn>
+                                        <p:tgtEl>
+                                          <p:spTgt spid="78"/>
+                                        </p:tgtEl>
+                                        <p:attrNameLst>
+                                          <p:attrName>style.visibility</p:attrName>
+                                        </p:attrNameLst>
+                                      </p:cBhvr>
+                                      <p:to>
+                                        <p:strVal val="visible"/>
+                                      </p:to>
+                                    </p:set>
+                                  </p:childTnLst>
+                                </p:cTn>
+                              </p:par>
+                              <p:par>
+                                <p:cTn id="95" presetID="1" presetClass="entr" presetSubtype="0" fill="hold" grpId="0" nodeType="withEffect">
+                                  <p:stCondLst>
+                                    <p:cond delay="0"/>
+                                  </p:stCondLst>
+                                  <p:childTnLst>
+                                    <p:set>
+                                      <p:cBhvr>
+                                        <p:cTn id="96" dur="1" fill="hold">
+                                          <p:stCondLst>
+                                            <p:cond delay="0"/>
+                                          </p:stCondLst>
+                                        </p:cTn>
+                                        <p:tgtEl>
+                                          <p:spTgt spid="80"/>
+                                        </p:tgtEl>
+                                        <p:attrNameLst>
+                                          <p:attrName>style.visibility</p:attrName>
+                                        </p:attrNameLst>
+                                      </p:cBhvr>
+                                      <p:to>
+                                        <p:strVal val="visible"/>
+                                      </p:to>
+                                    </p:set>
+                                  </p:childTnLst>
+                                </p:cTn>
+                              </p:par>
+                              <p:par>
+                                <p:cTn id="97" presetID="1" presetClass="entr" presetSubtype="0" fill="hold" nodeType="withEffect">
+                                  <p:stCondLst>
+                                    <p:cond delay="0"/>
+                                  </p:stCondLst>
+                                  <p:childTnLst>
+                                    <p:set>
+                                      <p:cBhvr>
+                                        <p:cTn id="98" dur="1" fill="hold">
+                                          <p:stCondLst>
+                                            <p:cond delay="0"/>
+                                          </p:stCondLst>
+                                        </p:cTn>
+                                        <p:tgtEl>
+                                          <p:spTgt spid="120"/>
+                                        </p:tgtEl>
+                                        <p:attrNameLst>
+                                          <p:attrName>style.visibility</p:attrName>
+                                        </p:attrNameLst>
+                                      </p:cBhvr>
+                                      <p:to>
+                                        <p:strVal val="visible"/>
+                                      </p:to>
+                                    </p:set>
+                                  </p:childTnLst>
+                                </p:cTn>
+                              </p:par>
+                              <p:par>
+                                <p:cTn id="99" presetID="1" presetClass="entr" presetSubtype="0" fill="hold" grpId="0" nodeType="withEffect">
+                                  <p:stCondLst>
+                                    <p:cond delay="0"/>
+                                  </p:stCondLst>
+                                  <p:childTnLst>
+                                    <p:set>
+                                      <p:cBhvr>
+                                        <p:cTn id="100" dur="1" fill="hold">
+                                          <p:stCondLst>
+                                            <p:cond delay="0"/>
+                                          </p:stCondLst>
+                                        </p:cTn>
+                                        <p:tgtEl>
+                                          <p:spTgt spid="122"/>
+                                        </p:tgtEl>
+                                        <p:attrNameLst>
+                                          <p:attrName>style.visibility</p:attrName>
+                                        </p:attrNameLst>
+                                      </p:cBhvr>
+                                      <p:to>
+                                        <p:strVal val="visible"/>
+                                      </p:to>
+                                    </p:set>
+                                  </p:childTnLst>
+                                </p:cTn>
+                              </p:par>
+                              <p:par>
+                                <p:cTn id="101" presetID="1" presetClass="entr" presetSubtype="0" fill="hold" nodeType="withEffect">
+                                  <p:stCondLst>
+                                    <p:cond delay="0"/>
+                                  </p:stCondLst>
+                                  <p:childTnLst>
+                                    <p:set>
+                                      <p:cBhvr>
+                                        <p:cTn id="102" dur="1" fill="hold">
+                                          <p:stCondLst>
+                                            <p:cond delay="0"/>
+                                          </p:stCondLst>
+                                        </p:cTn>
+                                        <p:tgtEl>
+                                          <p:spTgt spid="128"/>
+                                        </p:tgtEl>
+                                        <p:attrNameLst>
+                                          <p:attrName>style.visibility</p:attrName>
+                                        </p:attrNameLst>
+                                      </p:cBhvr>
+                                      <p:to>
+                                        <p:strVal val="visible"/>
+                                      </p:to>
+                                    </p:set>
+                                  </p:childTnLst>
+                                </p:cTn>
+                              </p:par>
+                              <p:par>
+                                <p:cTn id="103" presetID="1" presetClass="entr" presetSubtype="0" fill="hold" grpId="0" nodeType="withEffect">
+                                  <p:stCondLst>
+                                    <p:cond delay="0"/>
+                                  </p:stCondLst>
+                                  <p:childTnLst>
+                                    <p:set>
+                                      <p:cBhvr>
+                                        <p:cTn id="104" dur="1" fill="hold">
+                                          <p:stCondLst>
+                                            <p:cond delay="0"/>
+                                          </p:stCondLst>
+                                        </p:cTn>
+                                        <p:tgtEl>
+                                          <p:spTgt spid="130"/>
+                                        </p:tgtEl>
+                                        <p:attrNameLst>
+                                          <p:attrName>style.visibility</p:attrName>
+                                        </p:attrNameLst>
+                                      </p:cBhvr>
+                                      <p:to>
+                                        <p:strVal val="visible"/>
+                                      </p:to>
+                                    </p:set>
+                                  </p:childTnLst>
+                                </p:cTn>
+                              </p:par>
+                            </p:childTnLst>
+                          </p:cTn>
+                        </p:par>
+                      </p:childTnLst>
+                    </p:cTn>
+                  </p:par>
+                </p:childTnLst>
+              </p:cTn>
+              <p:prevCondLst>
+                <p:cond evt="onPrev" delay="0">
+                  <p:tgtEl>
+                    <p:sldTgt/>
+                  </p:tgtEl>
+                </p:cond>
+              </p:prevCondLst>
+              <p:nextCondLst>
+                <p:cond evt="onNext" delay="0">
+                  <p:tgtEl>
+                    <p:sldTgt/>
+                  </p:tgtEl>
+                </p:cond>
+              </p:nextCondLst>
+            </p:seq>
+          </p:childTnLst>
+        </p:cTn>
+      </p:par>
+    </p:tnLst>
+    <p:bldLst>
+      <p:bldP spid="5" grpId="0" animBg="1"/>
+      <p:bldP spid="6" grpId="0" animBg="1"/>
+      <p:bldP spid="7" grpId="0" animBg="1"/>
+      <p:bldP spid="8" grpId="0" animBg="1"/>
+      <p:bldP spid="9" grpId="0" animBg="1"/>
+      <p:bldP spid="10" grpId="0" animBg="1"/>
+      <p:bldP spid="17" grpId="0" animBg="1"/>
+      <p:bldP spid="28" grpId="0" animBg="1"/>
+      <p:bldP spid="52" grpId="0" animBg="1"/>
+      <p:bldP spid="73" grpId="0" animBg="1"/>
+      <p:bldP spid="74" grpId="0" animBg="1"/>
+      <p:bldP spid="75" grpId="0" animBg="1"/>
+      <p:bldP spid="76" grpId="0" animBg="1"/>
+      <p:bldP spid="80" grpId="0" animBg="1"/>
+      <p:bldP spid="95" grpId="0" animBg="1"/>
+      <p:bldP spid="98" grpId="0" animBg="1"/>
+      <p:bldP spid="100" grpId="0" animBg="1"/>
+      <p:bldP spid="101" grpId="0" animBg="1"/>
+      <p:bldP spid="102" grpId="0" animBg="1"/>
+      <p:bldP spid="111" grpId="0" animBg="1"/>
+      <p:bldP spid="114" grpId="0" animBg="1"/>
+      <p:bldP spid="116" grpId="0" animBg="1"/>
+      <p:bldP spid="117" grpId="0" animBg="1"/>
+      <p:bldP spid="118" grpId="0" animBg="1"/>
+      <p:bldP spid="119" grpId="0" animBg="1"/>
+      <p:bldP spid="122" grpId="0" animBg="1"/>
+      <p:bldP spid="127" grpId="0" animBg="1"/>
+      <p:bldP spid="130" grpId="0" animBg="1"/>
+      <p:bldP spid="131" grpId="0" animBg="1"/>
+      <p:bldP spid="132" grpId="0" animBg="1"/>
+      <p:bldP spid="133" grpId="0" animBg="1"/>
+      <p:bldP spid="134" grpId="0" animBg="1"/>
+    </p:bldLst>
+  </p:timing>
 </p:sld>
 </file>
 
@@ -26916,8 +31187,8 @@
           </a:prstGeom>
         </p:spPr>
       </p:pic>
-      <mc:AlternateContent xmlns:mc="http://schemas.openxmlformats.org/markup-compatibility/2006">
-        <mc:Choice xmlns:a14="http://schemas.microsoft.com/office/drawing/2010/main" Requires="a14">
+      <mc:AlternateContent xmlns:mc="http://schemas.openxmlformats.org/markup-compatibility/2006" xmlns:a14="http://schemas.microsoft.com/office/drawing/2010/main">
+        <mc:Choice Requires="a14">
           <p:sp>
             <p:nvSpPr>
               <p:cNvPr id="7" name="TextBox 6">
@@ -27014,7 +31285,7 @@
             </p:txBody>
           </p:sp>
         </mc:Choice>
-        <mc:Fallback>
+        <mc:Fallback xmlns="">
           <p:sp>
             <p:nvSpPr>
               <p:cNvPr id="7" name="TextBox 6">
@@ -27095,8 +31366,8 @@
           </a:p>
         </p:txBody>
       </p:sp>
-      <mc:AlternateContent xmlns:mc="http://schemas.openxmlformats.org/markup-compatibility/2006">
-        <mc:Choice xmlns:a14="http://schemas.microsoft.com/office/drawing/2010/main" Requires="a14">
+      <mc:AlternateContent xmlns:mc="http://schemas.openxmlformats.org/markup-compatibility/2006" xmlns:a14="http://schemas.microsoft.com/office/drawing/2010/main">
+        <mc:Choice Requires="a14">
           <p:sp>
             <p:nvSpPr>
               <p:cNvPr id="9" name="TextBox 8">
@@ -27125,6 +31396,7 @@
               </a:bodyPr>
               <a:lstStyle/>
               <a:p>
+                <a:pPr/>
                 <a14:m>
                   <m:oMathPara xmlns:m="http://schemas.openxmlformats.org/officeDocument/2006/math">
                     <m:oMathParaPr>
@@ -27175,7 +31447,7 @@
             </p:txBody>
           </p:sp>
         </mc:Choice>
-        <mc:Fallback>
+        <mc:Fallback xmlns="">
           <p:sp>
             <p:nvSpPr>
               <p:cNvPr id="9" name="TextBox 8">
@@ -27220,8 +31492,8 @@
           </p:sp>
         </mc:Fallback>
       </mc:AlternateContent>
-      <mc:AlternateContent xmlns:mc="http://schemas.openxmlformats.org/markup-compatibility/2006">
-        <mc:Choice xmlns:a14="http://schemas.microsoft.com/office/drawing/2010/main" Requires="a14">
+      <mc:AlternateContent xmlns:mc="http://schemas.openxmlformats.org/markup-compatibility/2006" xmlns:a14="http://schemas.microsoft.com/office/drawing/2010/main">
+        <mc:Choice Requires="a14">
           <p:sp>
             <p:nvSpPr>
               <p:cNvPr id="10" name="TextBox 9">
@@ -27250,6 +31522,7 @@
               </a:bodyPr>
               <a:lstStyle/>
               <a:p>
+                <a:pPr/>
                 <a14:m>
                   <m:oMathPara xmlns:m="http://schemas.openxmlformats.org/officeDocument/2006/math">
                     <m:oMathParaPr>
@@ -27590,7 +31863,7 @@
             </p:txBody>
           </p:sp>
         </mc:Choice>
-        <mc:Fallback>
+        <mc:Fallback xmlns="">
           <p:sp>
             <p:nvSpPr>
               <p:cNvPr id="10" name="TextBox 9">
@@ -27635,8 +31908,8 @@
           </p:sp>
         </mc:Fallback>
       </mc:AlternateContent>
-      <mc:AlternateContent xmlns:mc="http://schemas.openxmlformats.org/markup-compatibility/2006">
-        <mc:Choice xmlns:a14="http://schemas.microsoft.com/office/drawing/2010/main" Requires="a14">
+      <mc:AlternateContent xmlns:mc="http://schemas.openxmlformats.org/markup-compatibility/2006" xmlns:a14="http://schemas.microsoft.com/office/drawing/2010/main">
+        <mc:Choice Requires="a14">
           <p:sp>
             <p:nvSpPr>
               <p:cNvPr id="11" name="TextBox 10">
@@ -27665,6 +31938,7 @@
               </a:bodyPr>
               <a:lstStyle/>
               <a:p>
+                <a:pPr/>
                 <a14:m>
                   <m:oMathPara xmlns:m="http://schemas.openxmlformats.org/officeDocument/2006/math">
                     <m:oMathParaPr>
@@ -27815,7 +32089,7 @@
             </p:txBody>
           </p:sp>
         </mc:Choice>
-        <mc:Fallback>
+        <mc:Fallback xmlns="">
           <p:sp>
             <p:nvSpPr>
               <p:cNvPr id="11" name="TextBox 10">
@@ -28034,8 +32308,8 @@
           </a:p>
         </p:txBody>
       </p:sp>
-      <mc:AlternateContent xmlns:mc="http://schemas.openxmlformats.org/markup-compatibility/2006">
-        <mc:Choice xmlns:a14="http://schemas.microsoft.com/office/drawing/2010/main" Requires="a14">
+      <mc:AlternateContent xmlns:mc="http://schemas.openxmlformats.org/markup-compatibility/2006" xmlns:a14="http://schemas.microsoft.com/office/drawing/2010/main">
+        <mc:Choice Requires="a14">
           <p:sp>
             <p:nvSpPr>
               <p:cNvPr id="17" name="TextBox 16">
@@ -28064,6 +32338,7 @@
               </a:bodyPr>
               <a:lstStyle/>
               <a:p>
+                <a:pPr/>
                 <a14:m>
                   <m:oMathPara xmlns:m="http://schemas.openxmlformats.org/officeDocument/2006/math">
                     <m:oMathParaPr>
@@ -28238,7 +32513,7 @@
             </p:txBody>
           </p:sp>
         </mc:Choice>
-        <mc:Fallback>
+        <mc:Fallback xmlns="">
           <p:sp>
             <p:nvSpPr>
               <p:cNvPr id="17" name="TextBox 16">
@@ -28283,8 +32558,8 @@
           </p:sp>
         </mc:Fallback>
       </mc:AlternateContent>
-      <mc:AlternateContent xmlns:mc="http://schemas.openxmlformats.org/markup-compatibility/2006">
-        <mc:Choice xmlns:a14="http://schemas.microsoft.com/office/drawing/2010/main" Requires="a14">
+      <mc:AlternateContent xmlns:mc="http://schemas.openxmlformats.org/markup-compatibility/2006" xmlns:a14="http://schemas.microsoft.com/office/drawing/2010/main">
+        <mc:Choice Requires="a14">
           <p:sp>
             <p:nvSpPr>
               <p:cNvPr id="18" name="TextBox 17">
@@ -28313,6 +32588,7 @@
               </a:bodyPr>
               <a:lstStyle/>
               <a:p>
+                <a:pPr/>
                 <a14:m>
                   <m:oMathPara xmlns:m="http://schemas.openxmlformats.org/officeDocument/2006/math">
                     <m:oMathParaPr>
@@ -28339,7 +32615,7 @@
             </p:txBody>
           </p:sp>
         </mc:Choice>
-        <mc:Fallback>
+        <mc:Fallback xmlns="">
           <p:sp>
             <p:nvSpPr>
               <p:cNvPr id="18" name="TextBox 17">
@@ -28384,8 +32660,8 @@
           </p:sp>
         </mc:Fallback>
       </mc:AlternateContent>
-      <mc:AlternateContent xmlns:mc="http://schemas.openxmlformats.org/markup-compatibility/2006">
-        <mc:Choice xmlns:a14="http://schemas.microsoft.com/office/drawing/2010/main" Requires="a14">
+      <mc:AlternateContent xmlns:mc="http://schemas.openxmlformats.org/markup-compatibility/2006" xmlns:a14="http://schemas.microsoft.com/office/drawing/2010/main">
+        <mc:Choice Requires="a14">
           <p:sp>
             <p:nvSpPr>
               <p:cNvPr id="20" name="TextBox 19">
@@ -28414,6 +32690,7 @@
               </a:bodyPr>
               <a:lstStyle/>
               <a:p>
+                <a:pPr/>
                 <a14:m>
                   <m:oMathPara xmlns:m="http://schemas.openxmlformats.org/officeDocument/2006/math">
                     <m:oMathParaPr>
@@ -28465,7 +32742,7 @@
             </p:txBody>
           </p:sp>
         </mc:Choice>
-        <mc:Fallback>
+        <mc:Fallback xmlns="">
           <p:sp>
             <p:nvSpPr>
               <p:cNvPr id="20" name="TextBox 19">
@@ -28546,8 +32823,8 @@
           </a:p>
         </p:txBody>
       </p:sp>
-      <mc:AlternateContent xmlns:mc="http://schemas.openxmlformats.org/markup-compatibility/2006">
-        <mc:Choice xmlns:a14="http://schemas.microsoft.com/office/drawing/2010/main" Requires="a14">
+      <mc:AlternateContent xmlns:mc="http://schemas.openxmlformats.org/markup-compatibility/2006" xmlns:a14="http://schemas.microsoft.com/office/drawing/2010/main">
+        <mc:Choice Requires="a14">
           <p:sp>
             <p:nvSpPr>
               <p:cNvPr id="22" name="TextBox 21">
@@ -28576,6 +32853,7 @@
               </a:bodyPr>
               <a:lstStyle/>
               <a:p>
+                <a:pPr/>
                 <a14:m>
                   <m:oMathPara xmlns:m="http://schemas.openxmlformats.org/officeDocument/2006/math">
                     <m:oMathParaPr>
@@ -28652,7 +32930,7 @@
             </p:txBody>
           </p:sp>
         </mc:Choice>
-        <mc:Fallback>
+        <mc:Fallback xmlns="">
           <p:sp>
             <p:nvSpPr>
               <p:cNvPr id="22" name="TextBox 21">
@@ -28707,6 +32985,610 @@
   <p:clrMapOvr>
     <a:masterClrMapping/>
   </p:clrMapOvr>
+  <p:timing>
+    <p:tnLst>
+      <p:par>
+        <p:cTn id="1" dur="indefinite" restart="never" nodeType="tmRoot">
+          <p:childTnLst>
+            <p:seq concurrent="1" nextAc="seek">
+              <p:cTn id="2" dur="indefinite" nodeType="mainSeq">
+                <p:childTnLst>
+                  <p:par>
+                    <p:cTn id="3" fill="hold">
+                      <p:stCondLst>
+                        <p:cond delay="indefinite"/>
+                      </p:stCondLst>
+                      <p:childTnLst>
+                        <p:par>
+                          <p:cTn id="4" fill="hold">
+                            <p:stCondLst>
+                              <p:cond delay="0"/>
+                            </p:stCondLst>
+                            <p:childTnLst>
+                              <p:par>
+                                <p:cTn id="5" presetID="1" presetClass="entr" presetSubtype="0" fill="hold" grpId="0" nodeType="clickEffect">
+                                  <p:stCondLst>
+                                    <p:cond delay="0"/>
+                                  </p:stCondLst>
+                                  <p:childTnLst>
+                                    <p:set>
+                                      <p:cBhvr>
+                                        <p:cTn id="6" dur="1" fill="hold">
+                                          <p:stCondLst>
+                                            <p:cond delay="0"/>
+                                          </p:stCondLst>
+                                        </p:cTn>
+                                        <p:tgtEl>
+                                          <p:spTgt spid="5"/>
+                                        </p:tgtEl>
+                                        <p:attrNameLst>
+                                          <p:attrName>style.visibility</p:attrName>
+                                        </p:attrNameLst>
+                                      </p:cBhvr>
+                                      <p:to>
+                                        <p:strVal val="visible"/>
+                                      </p:to>
+                                    </p:set>
+                                  </p:childTnLst>
+                                </p:cTn>
+                              </p:par>
+                              <p:par>
+                                <p:cTn id="7" presetID="1" presetClass="entr" presetSubtype="0" fill="hold" nodeType="withEffect">
+                                  <p:stCondLst>
+                                    <p:cond delay="0"/>
+                                  </p:stCondLst>
+                                  <p:childTnLst>
+                                    <p:set>
+                                      <p:cBhvr>
+                                        <p:cTn id="8" dur="1" fill="hold">
+                                          <p:stCondLst>
+                                            <p:cond delay="0"/>
+                                          </p:stCondLst>
+                                        </p:cTn>
+                                        <p:tgtEl>
+                                          <p:spTgt spid="6"/>
+                                        </p:tgtEl>
+                                        <p:attrNameLst>
+                                          <p:attrName>style.visibility</p:attrName>
+                                        </p:attrNameLst>
+                                      </p:cBhvr>
+                                      <p:to>
+                                        <p:strVal val="visible"/>
+                                      </p:to>
+                                    </p:set>
+                                  </p:childTnLst>
+                                </p:cTn>
+                              </p:par>
+                              <p:par>
+                                <p:cTn id="9" presetID="1" presetClass="entr" presetSubtype="0" fill="hold" grpId="0" nodeType="withEffect">
+                                  <p:stCondLst>
+                                    <p:cond delay="0"/>
+                                  </p:stCondLst>
+                                  <p:childTnLst>
+                                    <p:set>
+                                      <p:cBhvr>
+                                        <p:cTn id="10" dur="1" fill="hold">
+                                          <p:stCondLst>
+                                            <p:cond delay="0"/>
+                                          </p:stCondLst>
+                                        </p:cTn>
+                                        <p:tgtEl>
+                                          <p:spTgt spid="7"/>
+                                        </p:tgtEl>
+                                        <p:attrNameLst>
+                                          <p:attrName>style.visibility</p:attrName>
+                                        </p:attrNameLst>
+                                      </p:cBhvr>
+                                      <p:to>
+                                        <p:strVal val="visible"/>
+                                      </p:to>
+                                    </p:set>
+                                  </p:childTnLst>
+                                </p:cTn>
+                              </p:par>
+                            </p:childTnLst>
+                          </p:cTn>
+                        </p:par>
+                      </p:childTnLst>
+                    </p:cTn>
+                  </p:par>
+                  <p:par>
+                    <p:cTn id="11" fill="hold">
+                      <p:stCondLst>
+                        <p:cond delay="indefinite"/>
+                      </p:stCondLst>
+                      <p:childTnLst>
+                        <p:par>
+                          <p:cTn id="12" fill="hold">
+                            <p:stCondLst>
+                              <p:cond delay="0"/>
+                            </p:stCondLst>
+                            <p:childTnLst>
+                              <p:par>
+                                <p:cTn id="13" presetID="1" presetClass="entr" presetSubtype="0" fill="hold" grpId="0" nodeType="clickEffect">
+                                  <p:stCondLst>
+                                    <p:cond delay="0"/>
+                                  </p:stCondLst>
+                                  <p:childTnLst>
+                                    <p:set>
+                                      <p:cBhvr>
+                                        <p:cTn id="14" dur="1" fill="hold">
+                                          <p:stCondLst>
+                                            <p:cond delay="0"/>
+                                          </p:stCondLst>
+                                        </p:cTn>
+                                        <p:tgtEl>
+                                          <p:spTgt spid="9"/>
+                                        </p:tgtEl>
+                                        <p:attrNameLst>
+                                          <p:attrName>style.visibility</p:attrName>
+                                        </p:attrNameLst>
+                                      </p:cBhvr>
+                                      <p:to>
+                                        <p:strVal val="visible"/>
+                                      </p:to>
+                                    </p:set>
+                                  </p:childTnLst>
+                                </p:cTn>
+                              </p:par>
+                              <p:par>
+                                <p:cTn id="15" presetID="1" presetClass="entr" presetSubtype="0" fill="hold" grpId="0" nodeType="withEffect">
+                                  <p:stCondLst>
+                                    <p:cond delay="0"/>
+                                  </p:stCondLst>
+                                  <p:childTnLst>
+                                    <p:set>
+                                      <p:cBhvr>
+                                        <p:cTn id="16" dur="1" fill="hold">
+                                          <p:stCondLst>
+                                            <p:cond delay="0"/>
+                                          </p:stCondLst>
+                                        </p:cTn>
+                                        <p:tgtEl>
+                                          <p:spTgt spid="18"/>
+                                        </p:tgtEl>
+                                        <p:attrNameLst>
+                                          <p:attrName>style.visibility</p:attrName>
+                                        </p:attrNameLst>
+                                      </p:cBhvr>
+                                      <p:to>
+                                        <p:strVal val="visible"/>
+                                      </p:to>
+                                    </p:set>
+                                  </p:childTnLst>
+                                </p:cTn>
+                              </p:par>
+                            </p:childTnLst>
+                          </p:cTn>
+                        </p:par>
+                      </p:childTnLst>
+                    </p:cTn>
+                  </p:par>
+                  <p:par>
+                    <p:cTn id="17" fill="hold">
+                      <p:stCondLst>
+                        <p:cond delay="indefinite"/>
+                      </p:stCondLst>
+                      <p:childTnLst>
+                        <p:par>
+                          <p:cTn id="18" fill="hold">
+                            <p:stCondLst>
+                              <p:cond delay="0"/>
+                            </p:stCondLst>
+                            <p:childTnLst>
+                              <p:par>
+                                <p:cTn id="19" presetID="1" presetClass="entr" presetSubtype="0" fill="hold" nodeType="clickEffect">
+                                  <p:stCondLst>
+                                    <p:cond delay="0"/>
+                                  </p:stCondLst>
+                                  <p:childTnLst>
+                                    <p:set>
+                                      <p:cBhvr>
+                                        <p:cTn id="20" dur="1" fill="hold">
+                                          <p:stCondLst>
+                                            <p:cond delay="0"/>
+                                          </p:stCondLst>
+                                        </p:cTn>
+                                        <p:tgtEl>
+                                          <p:spTgt spid="15"/>
+                                        </p:tgtEl>
+                                        <p:attrNameLst>
+                                          <p:attrName>style.visibility</p:attrName>
+                                        </p:attrNameLst>
+                                      </p:cBhvr>
+                                      <p:to>
+                                        <p:strVal val="visible"/>
+                                      </p:to>
+                                    </p:set>
+                                  </p:childTnLst>
+                                </p:cTn>
+                              </p:par>
+                              <p:par>
+                                <p:cTn id="21" presetID="1" presetClass="entr" presetSubtype="0" fill="hold" grpId="0" nodeType="withEffect">
+                                  <p:stCondLst>
+                                    <p:cond delay="0"/>
+                                  </p:stCondLst>
+                                  <p:childTnLst>
+                                    <p:set>
+                                      <p:cBhvr>
+                                        <p:cTn id="22" dur="1" fill="hold">
+                                          <p:stCondLst>
+                                            <p:cond delay="0"/>
+                                          </p:stCondLst>
+                                        </p:cTn>
+                                        <p:tgtEl>
+                                          <p:spTgt spid="16"/>
+                                        </p:tgtEl>
+                                        <p:attrNameLst>
+                                          <p:attrName>style.visibility</p:attrName>
+                                        </p:attrNameLst>
+                                      </p:cBhvr>
+                                      <p:to>
+                                        <p:strVal val="visible"/>
+                                      </p:to>
+                                    </p:set>
+                                  </p:childTnLst>
+                                </p:cTn>
+                              </p:par>
+                              <p:par>
+                                <p:cTn id="23" presetID="1" presetClass="entr" presetSubtype="0" fill="hold" grpId="0" nodeType="withEffect">
+                                  <p:stCondLst>
+                                    <p:cond delay="0"/>
+                                  </p:stCondLst>
+                                  <p:childTnLst>
+                                    <p:set>
+                                      <p:cBhvr>
+                                        <p:cTn id="24" dur="1" fill="hold">
+                                          <p:stCondLst>
+                                            <p:cond delay="0"/>
+                                          </p:stCondLst>
+                                        </p:cTn>
+                                        <p:tgtEl>
+                                          <p:spTgt spid="17"/>
+                                        </p:tgtEl>
+                                        <p:attrNameLst>
+                                          <p:attrName>style.visibility</p:attrName>
+                                        </p:attrNameLst>
+                                      </p:cBhvr>
+                                      <p:to>
+                                        <p:strVal val="visible"/>
+                                      </p:to>
+                                    </p:set>
+                                  </p:childTnLst>
+                                </p:cTn>
+                              </p:par>
+                            </p:childTnLst>
+                          </p:cTn>
+                        </p:par>
+                      </p:childTnLst>
+                    </p:cTn>
+                  </p:par>
+                  <p:par>
+                    <p:cTn id="25" fill="hold">
+                      <p:stCondLst>
+                        <p:cond delay="indefinite"/>
+                      </p:stCondLst>
+                      <p:childTnLst>
+                        <p:par>
+                          <p:cTn id="26" fill="hold">
+                            <p:stCondLst>
+                              <p:cond delay="0"/>
+                            </p:stCondLst>
+                            <p:childTnLst>
+                              <p:par>
+                                <p:cTn id="27" presetID="1" presetClass="entr" presetSubtype="0" fill="hold" grpId="0" nodeType="clickEffect">
+                                  <p:stCondLst>
+                                    <p:cond delay="0"/>
+                                  </p:stCondLst>
+                                  <p:childTnLst>
+                                    <p:set>
+                                      <p:cBhvr>
+                                        <p:cTn id="28" dur="1" fill="hold">
+                                          <p:stCondLst>
+                                            <p:cond delay="0"/>
+                                          </p:stCondLst>
+                                        </p:cTn>
+                                        <p:tgtEl>
+                                          <p:spTgt spid="10"/>
+                                        </p:tgtEl>
+                                        <p:attrNameLst>
+                                          <p:attrName>style.visibility</p:attrName>
+                                        </p:attrNameLst>
+                                      </p:cBhvr>
+                                      <p:to>
+                                        <p:strVal val="visible"/>
+                                      </p:to>
+                                    </p:set>
+                                  </p:childTnLst>
+                                </p:cTn>
+                              </p:par>
+                              <p:par>
+                                <p:cTn id="29" presetID="1" presetClass="entr" presetSubtype="0" fill="hold" grpId="0" nodeType="withEffect">
+                                  <p:stCondLst>
+                                    <p:cond delay="0"/>
+                                  </p:stCondLst>
+                                  <p:childTnLst>
+                                    <p:set>
+                                      <p:cBhvr>
+                                        <p:cTn id="30" dur="1" fill="hold">
+                                          <p:stCondLst>
+                                            <p:cond delay="0"/>
+                                          </p:stCondLst>
+                                        </p:cTn>
+                                        <p:tgtEl>
+                                          <p:spTgt spid="12"/>
+                                        </p:tgtEl>
+                                        <p:attrNameLst>
+                                          <p:attrName>style.visibility</p:attrName>
+                                        </p:attrNameLst>
+                                      </p:cBhvr>
+                                      <p:to>
+                                        <p:strVal val="visible"/>
+                                      </p:to>
+                                    </p:set>
+                                  </p:childTnLst>
+                                </p:cTn>
+                              </p:par>
+                              <p:par>
+                                <p:cTn id="31" presetID="1" presetClass="entr" presetSubtype="0" fill="hold" grpId="0" nodeType="withEffect">
+                                  <p:stCondLst>
+                                    <p:cond delay="0"/>
+                                  </p:stCondLst>
+                                  <p:childTnLst>
+                                    <p:set>
+                                      <p:cBhvr>
+                                        <p:cTn id="32" dur="1" fill="hold">
+                                          <p:stCondLst>
+                                            <p:cond delay="0"/>
+                                          </p:stCondLst>
+                                        </p:cTn>
+                                        <p:tgtEl>
+                                          <p:spTgt spid="14"/>
+                                        </p:tgtEl>
+                                        <p:attrNameLst>
+                                          <p:attrName>style.visibility</p:attrName>
+                                        </p:attrNameLst>
+                                      </p:cBhvr>
+                                      <p:to>
+                                        <p:strVal val="visible"/>
+                                      </p:to>
+                                    </p:set>
+                                  </p:childTnLst>
+                                </p:cTn>
+                              </p:par>
+                            </p:childTnLst>
+                          </p:cTn>
+                        </p:par>
+                      </p:childTnLst>
+                    </p:cTn>
+                  </p:par>
+                  <p:par>
+                    <p:cTn id="33" fill="hold">
+                      <p:stCondLst>
+                        <p:cond delay="indefinite"/>
+                      </p:stCondLst>
+                      <p:childTnLst>
+                        <p:par>
+                          <p:cTn id="34" fill="hold">
+                            <p:stCondLst>
+                              <p:cond delay="0"/>
+                            </p:stCondLst>
+                            <p:childTnLst>
+                              <p:par>
+                                <p:cTn id="35" presetID="1" presetClass="entr" presetSubtype="0" fill="hold" grpId="0" nodeType="clickEffect">
+                                  <p:stCondLst>
+                                    <p:cond delay="0"/>
+                                  </p:stCondLst>
+                                  <p:childTnLst>
+                                    <p:set>
+                                      <p:cBhvr>
+                                        <p:cTn id="36" dur="1" fill="hold">
+                                          <p:stCondLst>
+                                            <p:cond delay="0"/>
+                                          </p:stCondLst>
+                                        </p:cTn>
+                                        <p:tgtEl>
+                                          <p:spTgt spid="11"/>
+                                        </p:tgtEl>
+                                        <p:attrNameLst>
+                                          <p:attrName>style.visibility</p:attrName>
+                                        </p:attrNameLst>
+                                      </p:cBhvr>
+                                      <p:to>
+                                        <p:strVal val="visible"/>
+                                      </p:to>
+                                    </p:set>
+                                  </p:childTnLst>
+                                </p:cTn>
+                              </p:par>
+                            </p:childTnLst>
+                          </p:cTn>
+                        </p:par>
+                      </p:childTnLst>
+                    </p:cTn>
+                  </p:par>
+                  <p:par>
+                    <p:cTn id="37" fill="hold">
+                      <p:stCondLst>
+                        <p:cond delay="indefinite"/>
+                      </p:stCondLst>
+                      <p:childTnLst>
+                        <p:par>
+                          <p:cTn id="38" fill="hold">
+                            <p:stCondLst>
+                              <p:cond delay="0"/>
+                            </p:stCondLst>
+                            <p:childTnLst>
+                              <p:par>
+                                <p:cTn id="39" presetID="1" presetClass="entr" presetSubtype="0" fill="hold" grpId="0" nodeType="clickEffect">
+                                  <p:stCondLst>
+                                    <p:cond delay="0"/>
+                                  </p:stCondLst>
+                                  <p:childTnLst>
+                                    <p:set>
+                                      <p:cBhvr>
+                                        <p:cTn id="40" dur="1" fill="hold">
+                                          <p:stCondLst>
+                                            <p:cond delay="0"/>
+                                          </p:stCondLst>
+                                        </p:cTn>
+                                        <p:tgtEl>
+                                          <p:spTgt spid="8"/>
+                                        </p:tgtEl>
+                                        <p:attrNameLst>
+                                          <p:attrName>style.visibility</p:attrName>
+                                        </p:attrNameLst>
+                                      </p:cBhvr>
+                                      <p:to>
+                                        <p:strVal val="visible"/>
+                                      </p:to>
+                                    </p:set>
+                                  </p:childTnLst>
+                                </p:cTn>
+                              </p:par>
+                              <p:par>
+                                <p:cTn id="41" presetID="1" presetClass="entr" presetSubtype="0" fill="hold" grpId="0" nodeType="withEffect">
+                                  <p:stCondLst>
+                                    <p:cond delay="0"/>
+                                  </p:stCondLst>
+                                  <p:childTnLst>
+                                    <p:set>
+                                      <p:cBhvr>
+                                        <p:cTn id="42" dur="1" fill="hold">
+                                          <p:stCondLst>
+                                            <p:cond delay="0"/>
+                                          </p:stCondLst>
+                                        </p:cTn>
+                                        <p:tgtEl>
+                                          <p:spTgt spid="20"/>
+                                        </p:tgtEl>
+                                        <p:attrNameLst>
+                                          <p:attrName>style.visibility</p:attrName>
+                                        </p:attrNameLst>
+                                      </p:cBhvr>
+                                      <p:to>
+                                        <p:strVal val="visible"/>
+                                      </p:to>
+                                    </p:set>
+                                  </p:childTnLst>
+                                </p:cTn>
+                              </p:par>
+                            </p:childTnLst>
+                          </p:cTn>
+                        </p:par>
+                      </p:childTnLst>
+                    </p:cTn>
+                  </p:par>
+                  <p:par>
+                    <p:cTn id="43" fill="hold">
+                      <p:stCondLst>
+                        <p:cond delay="indefinite"/>
+                      </p:stCondLst>
+                      <p:childTnLst>
+                        <p:par>
+                          <p:cTn id="44" fill="hold">
+                            <p:stCondLst>
+                              <p:cond delay="0"/>
+                            </p:stCondLst>
+                            <p:childTnLst>
+                              <p:par>
+                                <p:cTn id="45" presetID="1" presetClass="entr" presetSubtype="0" fill="hold" grpId="0" nodeType="clickEffect">
+                                  <p:stCondLst>
+                                    <p:cond delay="0"/>
+                                  </p:stCondLst>
+                                  <p:childTnLst>
+                                    <p:set>
+                                      <p:cBhvr>
+                                        <p:cTn id="46" dur="1" fill="hold">
+                                          <p:stCondLst>
+                                            <p:cond delay="0"/>
+                                          </p:stCondLst>
+                                        </p:cTn>
+                                        <p:tgtEl>
+                                          <p:spTgt spid="21"/>
+                                        </p:tgtEl>
+                                        <p:attrNameLst>
+                                          <p:attrName>style.visibility</p:attrName>
+                                        </p:attrNameLst>
+                                      </p:cBhvr>
+                                      <p:to>
+                                        <p:strVal val="visible"/>
+                                      </p:to>
+                                    </p:set>
+                                  </p:childTnLst>
+                                </p:cTn>
+                              </p:par>
+                              <p:par>
+                                <p:cTn id="47" presetID="1" presetClass="entr" presetSubtype="0" fill="hold" grpId="0" nodeType="withEffect">
+                                  <p:stCondLst>
+                                    <p:cond delay="0"/>
+                                  </p:stCondLst>
+                                  <p:childTnLst>
+                                    <p:set>
+                                      <p:cBhvr>
+                                        <p:cTn id="48" dur="1" fill="hold">
+                                          <p:stCondLst>
+                                            <p:cond delay="0"/>
+                                          </p:stCondLst>
+                                        </p:cTn>
+                                        <p:tgtEl>
+                                          <p:spTgt spid="22"/>
+                                        </p:tgtEl>
+                                        <p:attrNameLst>
+                                          <p:attrName>style.visibility</p:attrName>
+                                        </p:attrNameLst>
+                                      </p:cBhvr>
+                                      <p:to>
+                                        <p:strVal val="visible"/>
+                                      </p:to>
+                                    </p:set>
+                                  </p:childTnLst>
+                                </p:cTn>
+                              </p:par>
+                            </p:childTnLst>
+                          </p:cTn>
+                        </p:par>
+                      </p:childTnLst>
+                    </p:cTn>
+                  </p:par>
+                </p:childTnLst>
+              </p:cTn>
+              <p:prevCondLst>
+                <p:cond evt="onPrev" delay="0">
+                  <p:tgtEl>
+                    <p:sldTgt/>
+                  </p:tgtEl>
+                </p:cond>
+              </p:prevCondLst>
+              <p:nextCondLst>
+                <p:cond evt="onNext" delay="0">
+                  <p:tgtEl>
+                    <p:sldTgt/>
+                  </p:tgtEl>
+                </p:cond>
+              </p:nextCondLst>
+            </p:seq>
+          </p:childTnLst>
+        </p:cTn>
+      </p:par>
+    </p:tnLst>
+    <p:bldLst>
+      <p:bldP spid="5" grpId="0" animBg="1"/>
+      <p:bldP spid="7" grpId="0" animBg="1"/>
+      <p:bldP spid="8" grpId="0"/>
+      <p:bldP spid="9" grpId="0"/>
+      <p:bldP spid="10" grpId="0"/>
+      <p:bldP spid="11" grpId="0"/>
+      <p:bldP spid="12" grpId="0"/>
+      <p:bldP spid="14" grpId="0"/>
+      <p:bldP spid="16" grpId="0" animBg="1"/>
+      <p:bldP spid="17" grpId="0"/>
+      <p:bldP spid="18" grpId="0"/>
+      <p:bldP spid="20" grpId="0"/>
+      <p:bldP spid="21" grpId="0"/>
+      <p:bldP spid="22" grpId="0"/>
+    </p:bldLst>
+  </p:timing>
 </p:sld>
 </file>
 
@@ -37567,6 +42449,96 @@
 </p:sld>
 </file>
 
+<file path=ppt/slides/slide22.xml><?xml version="1.0" encoding="utf-8"?>
+<p:sld xmlns:a="http://schemas.openxmlformats.org/drawingml/2006/main" xmlns:r="http://schemas.openxmlformats.org/officeDocument/2006/relationships" xmlns:p="http://schemas.openxmlformats.org/presentationml/2006/main">
+  <p:cSld>
+    <p:spTree>
+      <p:nvGrpSpPr>
+        <p:cNvPr id="1" name=""/>
+        <p:cNvGrpSpPr/>
+        <p:nvPr/>
+      </p:nvGrpSpPr>
+      <p:grpSpPr>
+        <a:xfrm>
+          <a:off x="0" y="0"/>
+          <a:ext cx="0" cy="0"/>
+          <a:chOff x="0" y="0"/>
+          <a:chExt cx="0" cy="0"/>
+        </a:xfrm>
+      </p:grpSpPr>
+      <p:sp>
+        <p:nvSpPr>
+          <p:cNvPr id="2" name="Title 1">
+            <a:extLst>
+              <a:ext uri="{FF2B5EF4-FFF2-40B4-BE49-F238E27FC236}">
+                <a16:creationId xmlns:a16="http://schemas.microsoft.com/office/drawing/2014/main" id="{0629D40D-A1E7-3C4F-69E6-F0CEDA69C0DD}"/>
+              </a:ext>
+            </a:extLst>
+          </p:cNvPr>
+          <p:cNvSpPr>
+            <a:spLocks noGrp="1"/>
+          </p:cNvSpPr>
+          <p:nvPr>
+            <p:ph type="title"/>
+          </p:nvPr>
+        </p:nvSpPr>
+        <p:spPr/>
+        <p:txBody>
+          <a:bodyPr/>
+          <a:lstStyle/>
+          <a:p>
+            <a:r>
+              <a:rPr lang="it-IT" dirty="0"/>
+              <a:t>Future Works</a:t>
+            </a:r>
+            <a:endParaRPr lang="en-US" dirty="0"/>
+          </a:p>
+        </p:txBody>
+      </p:sp>
+      <p:graphicFrame>
+        <p:nvGraphicFramePr>
+          <p:cNvPr id="7" name="Content Placeholder 2">
+            <a:extLst>
+              <a:ext uri="{FF2B5EF4-FFF2-40B4-BE49-F238E27FC236}">
+                <a16:creationId xmlns:a16="http://schemas.microsoft.com/office/drawing/2014/main" id="{CEA5FB0D-B3FF-C2D7-AC28-390D64449C2E}"/>
+              </a:ext>
+            </a:extLst>
+          </p:cNvPr>
+          <p:cNvGraphicFramePr>
+            <a:graphicFrameLocks noGrp="1"/>
+          </p:cNvGraphicFramePr>
+          <p:nvPr>
+            <p:ph idx="1"/>
+            <p:extLst>
+              <p:ext uri="{D42A27DB-BD31-4B8C-83A1-F6EECF244321}">
+                <p14:modId xmlns:p14="http://schemas.microsoft.com/office/powerpoint/2010/main" val="3652847560"/>
+              </p:ext>
+            </p:extLst>
+          </p:nvPr>
+        </p:nvGraphicFramePr>
+        <p:xfrm>
+          <a:off x="838200" y="1825625"/>
+          <a:ext cx="10515600" cy="4351338"/>
+        </p:xfrm>
+        <a:graphic>
+          <a:graphicData uri="http://schemas.openxmlformats.org/drawingml/2006/diagram">
+            <dgm:relIds xmlns:dgm="http://schemas.openxmlformats.org/drawingml/2006/diagram" xmlns:r="http://schemas.openxmlformats.org/officeDocument/2006/relationships" r:dm="rId2" r:lo="rId3" r:qs="rId4" r:cs="rId5"/>
+          </a:graphicData>
+        </a:graphic>
+      </p:graphicFrame>
+    </p:spTree>
+    <p:extLst>
+      <p:ext uri="{BB962C8B-B14F-4D97-AF65-F5344CB8AC3E}">
+        <p14:creationId xmlns:p14="http://schemas.microsoft.com/office/powerpoint/2010/main" val="3311496524"/>
+      </p:ext>
+    </p:extLst>
+  </p:cSld>
+  <p:clrMapOvr>
+    <a:masterClrMapping/>
+  </p:clrMapOvr>
+</p:sld>
+</file>
+
 <file path=ppt/slides/slide3.xml><?xml version="1.0" encoding="utf-8"?>
 <p:sld xmlns:a="http://schemas.openxmlformats.org/drawingml/2006/main" xmlns:r="http://schemas.openxmlformats.org/officeDocument/2006/relationships" xmlns:p="http://schemas.openxmlformats.org/presentationml/2006/main">
   <p:cSld>
@@ -39342,8 +44314,8 @@
           <a:chExt cx="0" cy="0"/>
         </a:xfrm>
       </p:grpSpPr>
-      <mc:AlternateContent xmlns:mc="http://schemas.openxmlformats.org/markup-compatibility/2006">
-        <mc:Choice xmlns:a14="http://schemas.microsoft.com/office/drawing/2010/main" Requires="a14">
+      <mc:AlternateContent xmlns:mc="http://schemas.openxmlformats.org/markup-compatibility/2006" xmlns:a14="http://schemas.microsoft.com/office/drawing/2010/main">
+        <mc:Choice Requires="a14">
           <p:sp>
             <p:nvSpPr>
               <p:cNvPr id="4" name="Scroll: Horizontal 3">
@@ -39406,7 +44378,7 @@
             </p:txBody>
           </p:sp>
         </mc:Choice>
-        <mc:Fallback>
+        <mc:Fallback xmlns="">
           <p:sp>
             <p:nvSpPr>
               <p:cNvPr id="4" name="Scroll: Horizontal 3">
@@ -39497,8 +44469,8 @@
           </a:p>
         </p:txBody>
       </p:sp>
-      <mc:AlternateContent xmlns:mc="http://schemas.openxmlformats.org/markup-compatibility/2006">
-        <mc:Choice xmlns:a14="http://schemas.microsoft.com/office/drawing/2010/main" Requires="a14">
+      <mc:AlternateContent xmlns:mc="http://schemas.openxmlformats.org/markup-compatibility/2006" xmlns:a14="http://schemas.microsoft.com/office/drawing/2010/main">
+        <mc:Choice Requires="a14">
           <p:sp>
             <p:nvSpPr>
               <p:cNvPr id="6" name="Speech Bubble: Rectangle 5">
@@ -39580,7 +44552,7 @@
             </p:txBody>
           </p:sp>
         </mc:Choice>
-        <mc:Fallback>
+        <mc:Fallback xmlns="">
           <p:sp>
             <p:nvSpPr>
               <p:cNvPr id="6" name="Speech Bubble: Rectangle 5">
@@ -39625,8 +44597,8 @@
           </p:sp>
         </mc:Fallback>
       </mc:AlternateContent>
-      <mc:AlternateContent xmlns:mc="http://schemas.openxmlformats.org/markup-compatibility/2006">
-        <mc:Choice xmlns:a14="http://schemas.microsoft.com/office/drawing/2010/main" Requires="a14">
+      <mc:AlternateContent xmlns:mc="http://schemas.openxmlformats.org/markup-compatibility/2006" xmlns:a14="http://schemas.microsoft.com/office/drawing/2010/main">
+        <mc:Choice Requires="a14">
           <p:sp>
             <p:nvSpPr>
               <p:cNvPr id="7" name="Speech Bubble: Rectangle 6">
@@ -39708,7 +44680,7 @@
             </p:txBody>
           </p:sp>
         </mc:Choice>
-        <mc:Fallback>
+        <mc:Fallback xmlns="">
           <p:sp>
             <p:nvSpPr>
               <p:cNvPr id="7" name="Speech Bubble: Rectangle 6">
@@ -40147,8 +45119,8 @@
           </a:p>
         </p:txBody>
       </p:sp>
-      <mc:AlternateContent xmlns:mc="http://schemas.openxmlformats.org/markup-compatibility/2006">
-        <mc:Choice xmlns:a14="http://schemas.microsoft.com/office/drawing/2010/main" Requires="a14">
+      <mc:AlternateContent xmlns:mc="http://schemas.openxmlformats.org/markup-compatibility/2006" xmlns:a14="http://schemas.microsoft.com/office/drawing/2010/main">
+        <mc:Choice Requires="a14">
           <p:sp>
             <p:nvSpPr>
               <p:cNvPr id="31" name="Speech Bubble: Rectangle 30">
@@ -40230,7 +45202,7 @@
             </p:txBody>
           </p:sp>
         </mc:Choice>
-        <mc:Fallback>
+        <mc:Fallback xmlns="">
           <p:sp>
             <p:nvSpPr>
               <p:cNvPr id="31" name="Speech Bubble: Rectangle 30">
@@ -40611,6 +45583,674 @@
   <p:clrMapOvr>
     <a:masterClrMapping/>
   </p:clrMapOvr>
+  <p:timing>
+    <p:tnLst>
+      <p:par>
+        <p:cTn id="1" dur="indefinite" restart="never" nodeType="tmRoot">
+          <p:childTnLst>
+            <p:seq concurrent="1" nextAc="seek">
+              <p:cTn id="2" dur="indefinite" nodeType="mainSeq">
+                <p:childTnLst>
+                  <p:par>
+                    <p:cTn id="3" fill="hold">
+                      <p:stCondLst>
+                        <p:cond delay="indefinite"/>
+                      </p:stCondLst>
+                      <p:childTnLst>
+                        <p:par>
+                          <p:cTn id="4" fill="hold">
+                            <p:stCondLst>
+                              <p:cond delay="0"/>
+                            </p:stCondLst>
+                            <p:childTnLst>
+                              <p:par>
+                                <p:cTn id="5" presetID="1" presetClass="entr" presetSubtype="0" fill="hold" grpId="0" nodeType="clickEffect">
+                                  <p:stCondLst>
+                                    <p:cond delay="0"/>
+                                  </p:stCondLst>
+                                  <p:childTnLst>
+                                    <p:set>
+                                      <p:cBhvr>
+                                        <p:cTn id="6" dur="1" fill="hold">
+                                          <p:stCondLst>
+                                            <p:cond delay="0"/>
+                                          </p:stCondLst>
+                                        </p:cTn>
+                                        <p:tgtEl>
+                                          <p:spTgt spid="5"/>
+                                        </p:tgtEl>
+                                        <p:attrNameLst>
+                                          <p:attrName>style.visibility</p:attrName>
+                                        </p:attrNameLst>
+                                      </p:cBhvr>
+                                      <p:to>
+                                        <p:strVal val="visible"/>
+                                      </p:to>
+                                    </p:set>
+                                  </p:childTnLst>
+                                </p:cTn>
+                              </p:par>
+                              <p:par>
+                                <p:cTn id="7" presetID="1" presetClass="entr" presetSubtype="0" fill="hold" grpId="0" nodeType="withEffect">
+                                  <p:stCondLst>
+                                    <p:cond delay="0"/>
+                                  </p:stCondLst>
+                                  <p:childTnLst>
+                                    <p:set>
+                                      <p:cBhvr>
+                                        <p:cTn id="8" dur="1" fill="hold">
+                                          <p:stCondLst>
+                                            <p:cond delay="0"/>
+                                          </p:stCondLst>
+                                        </p:cTn>
+                                        <p:tgtEl>
+                                          <p:spTgt spid="6"/>
+                                        </p:tgtEl>
+                                        <p:attrNameLst>
+                                          <p:attrName>style.visibility</p:attrName>
+                                        </p:attrNameLst>
+                                      </p:cBhvr>
+                                      <p:to>
+                                        <p:strVal val="visible"/>
+                                      </p:to>
+                                    </p:set>
+                                  </p:childTnLst>
+                                </p:cTn>
+                              </p:par>
+                              <p:par>
+                                <p:cTn id="9" presetID="1" presetClass="entr" presetSubtype="0" fill="hold" grpId="0" nodeType="withEffect">
+                                  <p:stCondLst>
+                                    <p:cond delay="0"/>
+                                  </p:stCondLst>
+                                  <p:childTnLst>
+                                    <p:set>
+                                      <p:cBhvr>
+                                        <p:cTn id="10" dur="1" fill="hold">
+                                          <p:stCondLst>
+                                            <p:cond delay="0"/>
+                                          </p:stCondLst>
+                                        </p:cTn>
+                                        <p:tgtEl>
+                                          <p:spTgt spid="7"/>
+                                        </p:tgtEl>
+                                        <p:attrNameLst>
+                                          <p:attrName>style.visibility</p:attrName>
+                                        </p:attrNameLst>
+                                      </p:cBhvr>
+                                      <p:to>
+                                        <p:strVal val="visible"/>
+                                      </p:to>
+                                    </p:set>
+                                  </p:childTnLst>
+                                </p:cTn>
+                              </p:par>
+                              <p:par>
+                                <p:cTn id="11" presetID="1" presetClass="entr" presetSubtype="0" fill="hold" grpId="0" nodeType="withEffect">
+                                  <p:stCondLst>
+                                    <p:cond delay="0"/>
+                                  </p:stCondLst>
+                                  <p:childTnLst>
+                                    <p:set>
+                                      <p:cBhvr>
+                                        <p:cTn id="12" dur="1" fill="hold">
+                                          <p:stCondLst>
+                                            <p:cond delay="0"/>
+                                          </p:stCondLst>
+                                        </p:cTn>
+                                        <p:tgtEl>
+                                          <p:spTgt spid="9"/>
+                                        </p:tgtEl>
+                                        <p:attrNameLst>
+                                          <p:attrName>style.visibility</p:attrName>
+                                        </p:attrNameLst>
+                                      </p:cBhvr>
+                                      <p:to>
+                                        <p:strVal val="visible"/>
+                                      </p:to>
+                                    </p:set>
+                                  </p:childTnLst>
+                                </p:cTn>
+                              </p:par>
+                              <p:par>
+                                <p:cTn id="13" presetID="1" presetClass="entr" presetSubtype="0" fill="hold" grpId="0" nodeType="withEffect">
+                                  <p:stCondLst>
+                                    <p:cond delay="0"/>
+                                  </p:stCondLst>
+                                  <p:childTnLst>
+                                    <p:set>
+                                      <p:cBhvr>
+                                        <p:cTn id="14" dur="1" fill="hold">
+                                          <p:stCondLst>
+                                            <p:cond delay="0"/>
+                                          </p:stCondLst>
+                                        </p:cTn>
+                                        <p:tgtEl>
+                                          <p:spTgt spid="10"/>
+                                        </p:tgtEl>
+                                        <p:attrNameLst>
+                                          <p:attrName>style.visibility</p:attrName>
+                                        </p:attrNameLst>
+                                      </p:cBhvr>
+                                      <p:to>
+                                        <p:strVal val="visible"/>
+                                      </p:to>
+                                    </p:set>
+                                  </p:childTnLst>
+                                </p:cTn>
+                              </p:par>
+                              <p:par>
+                                <p:cTn id="15" presetID="1" presetClass="entr" presetSubtype="0" fill="hold" grpId="0" nodeType="withEffect">
+                                  <p:stCondLst>
+                                    <p:cond delay="0"/>
+                                  </p:stCondLst>
+                                  <p:childTnLst>
+                                    <p:set>
+                                      <p:cBhvr>
+                                        <p:cTn id="16" dur="1" fill="hold">
+                                          <p:stCondLst>
+                                            <p:cond delay="0"/>
+                                          </p:stCondLst>
+                                        </p:cTn>
+                                        <p:tgtEl>
+                                          <p:spTgt spid="11"/>
+                                        </p:tgtEl>
+                                        <p:attrNameLst>
+                                          <p:attrName>style.visibility</p:attrName>
+                                        </p:attrNameLst>
+                                      </p:cBhvr>
+                                      <p:to>
+                                        <p:strVal val="visible"/>
+                                      </p:to>
+                                    </p:set>
+                                  </p:childTnLst>
+                                </p:cTn>
+                              </p:par>
+                              <p:par>
+                                <p:cTn id="17" presetID="1" presetClass="entr" presetSubtype="0" fill="hold" grpId="0" nodeType="withEffect">
+                                  <p:stCondLst>
+                                    <p:cond delay="0"/>
+                                  </p:stCondLst>
+                                  <p:childTnLst>
+                                    <p:set>
+                                      <p:cBhvr>
+                                        <p:cTn id="18" dur="1" fill="hold">
+                                          <p:stCondLst>
+                                            <p:cond delay="0"/>
+                                          </p:stCondLst>
+                                        </p:cTn>
+                                        <p:tgtEl>
+                                          <p:spTgt spid="31"/>
+                                        </p:tgtEl>
+                                        <p:attrNameLst>
+                                          <p:attrName>style.visibility</p:attrName>
+                                        </p:attrNameLst>
+                                      </p:cBhvr>
+                                      <p:to>
+                                        <p:strVal val="visible"/>
+                                      </p:to>
+                                    </p:set>
+                                  </p:childTnLst>
+                                </p:cTn>
+                              </p:par>
+                              <p:par>
+                                <p:cTn id="19" presetID="1" presetClass="entr" presetSubtype="0" fill="hold" grpId="0" nodeType="withEffect">
+                                  <p:stCondLst>
+                                    <p:cond delay="0"/>
+                                  </p:stCondLst>
+                                  <p:childTnLst>
+                                    <p:set>
+                                      <p:cBhvr>
+                                        <p:cTn id="20" dur="1" fill="hold">
+                                          <p:stCondLst>
+                                            <p:cond delay="0"/>
+                                          </p:stCondLst>
+                                        </p:cTn>
+                                        <p:tgtEl>
+                                          <p:spTgt spid="39"/>
+                                        </p:tgtEl>
+                                        <p:attrNameLst>
+                                          <p:attrName>style.visibility</p:attrName>
+                                        </p:attrNameLst>
+                                      </p:cBhvr>
+                                      <p:to>
+                                        <p:strVal val="visible"/>
+                                      </p:to>
+                                    </p:set>
+                                  </p:childTnLst>
+                                </p:cTn>
+                              </p:par>
+                              <p:par>
+                                <p:cTn id="21" presetID="1" presetClass="entr" presetSubtype="0" fill="hold" grpId="0" nodeType="withEffect">
+                                  <p:stCondLst>
+                                    <p:cond delay="0"/>
+                                  </p:stCondLst>
+                                  <p:childTnLst>
+                                    <p:set>
+                                      <p:cBhvr>
+                                        <p:cTn id="22" dur="1" fill="hold">
+                                          <p:stCondLst>
+                                            <p:cond delay="0"/>
+                                          </p:stCondLst>
+                                        </p:cTn>
+                                        <p:tgtEl>
+                                          <p:spTgt spid="48"/>
+                                        </p:tgtEl>
+                                        <p:attrNameLst>
+                                          <p:attrName>style.visibility</p:attrName>
+                                        </p:attrNameLst>
+                                      </p:cBhvr>
+                                      <p:to>
+                                        <p:strVal val="visible"/>
+                                      </p:to>
+                                    </p:set>
+                                  </p:childTnLst>
+                                </p:cTn>
+                              </p:par>
+                            </p:childTnLst>
+                          </p:cTn>
+                        </p:par>
+                      </p:childTnLst>
+                    </p:cTn>
+                  </p:par>
+                  <p:par>
+                    <p:cTn id="23" fill="hold">
+                      <p:stCondLst>
+                        <p:cond delay="indefinite"/>
+                      </p:stCondLst>
+                      <p:childTnLst>
+                        <p:par>
+                          <p:cTn id="24" fill="hold">
+                            <p:stCondLst>
+                              <p:cond delay="0"/>
+                            </p:stCondLst>
+                            <p:childTnLst>
+                              <p:par>
+                                <p:cTn id="25" presetID="1" presetClass="entr" presetSubtype="0" fill="hold" nodeType="clickEffect">
+                                  <p:stCondLst>
+                                    <p:cond delay="0"/>
+                                  </p:stCondLst>
+                                  <p:childTnLst>
+                                    <p:set>
+                                      <p:cBhvr>
+                                        <p:cTn id="26" dur="1" fill="hold">
+                                          <p:stCondLst>
+                                            <p:cond delay="0"/>
+                                          </p:stCondLst>
+                                        </p:cTn>
+                                        <p:tgtEl>
+                                          <p:spTgt spid="16"/>
+                                        </p:tgtEl>
+                                        <p:attrNameLst>
+                                          <p:attrName>style.visibility</p:attrName>
+                                        </p:attrNameLst>
+                                      </p:cBhvr>
+                                      <p:to>
+                                        <p:strVal val="visible"/>
+                                      </p:to>
+                                    </p:set>
+                                  </p:childTnLst>
+                                </p:cTn>
+                              </p:par>
+                              <p:par>
+                                <p:cTn id="27" presetID="1" presetClass="entr" presetSubtype="0" fill="hold" grpId="0" nodeType="withEffect">
+                                  <p:stCondLst>
+                                    <p:cond delay="0"/>
+                                  </p:stCondLst>
+                                  <p:childTnLst>
+                                    <p:set>
+                                      <p:cBhvr>
+                                        <p:cTn id="28" dur="1" fill="hold">
+                                          <p:stCondLst>
+                                            <p:cond delay="0"/>
+                                          </p:stCondLst>
+                                        </p:cTn>
+                                        <p:tgtEl>
+                                          <p:spTgt spid="17"/>
+                                        </p:tgtEl>
+                                        <p:attrNameLst>
+                                          <p:attrName>style.visibility</p:attrName>
+                                        </p:attrNameLst>
+                                      </p:cBhvr>
+                                      <p:to>
+                                        <p:strVal val="visible"/>
+                                      </p:to>
+                                    </p:set>
+                                  </p:childTnLst>
+                                </p:cTn>
+                              </p:par>
+                              <p:par>
+                                <p:cTn id="29" presetID="1" presetClass="entr" presetSubtype="0" fill="hold" nodeType="withEffect">
+                                  <p:stCondLst>
+                                    <p:cond delay="0"/>
+                                  </p:stCondLst>
+                                  <p:childTnLst>
+                                    <p:set>
+                                      <p:cBhvr>
+                                        <p:cTn id="30" dur="1" fill="hold">
+                                          <p:stCondLst>
+                                            <p:cond delay="0"/>
+                                          </p:stCondLst>
+                                        </p:cTn>
+                                        <p:tgtEl>
+                                          <p:spTgt spid="18"/>
+                                        </p:tgtEl>
+                                        <p:attrNameLst>
+                                          <p:attrName>style.visibility</p:attrName>
+                                        </p:attrNameLst>
+                                      </p:cBhvr>
+                                      <p:to>
+                                        <p:strVal val="visible"/>
+                                      </p:to>
+                                    </p:set>
+                                  </p:childTnLst>
+                                </p:cTn>
+                              </p:par>
+                              <p:par>
+                                <p:cTn id="31" presetID="1" presetClass="entr" presetSubtype="0" fill="hold" grpId="0" nodeType="withEffect">
+                                  <p:stCondLst>
+                                    <p:cond delay="0"/>
+                                  </p:stCondLst>
+                                  <p:childTnLst>
+                                    <p:set>
+                                      <p:cBhvr>
+                                        <p:cTn id="32" dur="1" fill="hold">
+                                          <p:stCondLst>
+                                            <p:cond delay="0"/>
+                                          </p:stCondLst>
+                                        </p:cTn>
+                                        <p:tgtEl>
+                                          <p:spTgt spid="19"/>
+                                        </p:tgtEl>
+                                        <p:attrNameLst>
+                                          <p:attrName>style.visibility</p:attrName>
+                                        </p:attrNameLst>
+                                      </p:cBhvr>
+                                      <p:to>
+                                        <p:strVal val="visible"/>
+                                      </p:to>
+                                    </p:set>
+                                  </p:childTnLst>
+                                </p:cTn>
+                              </p:par>
+                              <p:par>
+                                <p:cTn id="33" presetID="1" presetClass="entr" presetSubtype="0" fill="hold" nodeType="withEffect">
+                                  <p:stCondLst>
+                                    <p:cond delay="0"/>
+                                  </p:stCondLst>
+                                  <p:childTnLst>
+                                    <p:set>
+                                      <p:cBhvr>
+                                        <p:cTn id="34" dur="1" fill="hold">
+                                          <p:stCondLst>
+                                            <p:cond delay="0"/>
+                                          </p:stCondLst>
+                                        </p:cTn>
+                                        <p:tgtEl>
+                                          <p:spTgt spid="34"/>
+                                        </p:tgtEl>
+                                        <p:attrNameLst>
+                                          <p:attrName>style.visibility</p:attrName>
+                                        </p:attrNameLst>
+                                      </p:cBhvr>
+                                      <p:to>
+                                        <p:strVal val="visible"/>
+                                      </p:to>
+                                    </p:set>
+                                  </p:childTnLst>
+                                </p:cTn>
+                              </p:par>
+                              <p:par>
+                                <p:cTn id="35" presetID="1" presetClass="entr" presetSubtype="0" fill="hold" grpId="0" nodeType="withEffect">
+                                  <p:stCondLst>
+                                    <p:cond delay="0"/>
+                                  </p:stCondLst>
+                                  <p:childTnLst>
+                                    <p:set>
+                                      <p:cBhvr>
+                                        <p:cTn id="36" dur="1" fill="hold">
+                                          <p:stCondLst>
+                                            <p:cond delay="0"/>
+                                          </p:stCondLst>
+                                        </p:cTn>
+                                        <p:tgtEl>
+                                          <p:spTgt spid="35"/>
+                                        </p:tgtEl>
+                                        <p:attrNameLst>
+                                          <p:attrName>style.visibility</p:attrName>
+                                        </p:attrNameLst>
+                                      </p:cBhvr>
+                                      <p:to>
+                                        <p:strVal val="visible"/>
+                                      </p:to>
+                                    </p:set>
+                                  </p:childTnLst>
+                                </p:cTn>
+                              </p:par>
+                            </p:childTnLst>
+                          </p:cTn>
+                        </p:par>
+                      </p:childTnLst>
+                    </p:cTn>
+                  </p:par>
+                  <p:par>
+                    <p:cTn id="37" fill="hold">
+                      <p:stCondLst>
+                        <p:cond delay="indefinite"/>
+                      </p:stCondLst>
+                      <p:childTnLst>
+                        <p:par>
+                          <p:cTn id="38" fill="hold">
+                            <p:stCondLst>
+                              <p:cond delay="0"/>
+                            </p:stCondLst>
+                            <p:childTnLst>
+                              <p:par>
+                                <p:cTn id="39" presetID="1" presetClass="entr" presetSubtype="0" fill="hold" grpId="0" nodeType="clickEffect">
+                                  <p:stCondLst>
+                                    <p:cond delay="0"/>
+                                  </p:stCondLst>
+                                  <p:childTnLst>
+                                    <p:set>
+                                      <p:cBhvr>
+                                        <p:cTn id="40" dur="1" fill="hold">
+                                          <p:stCondLst>
+                                            <p:cond delay="0"/>
+                                          </p:stCondLst>
+                                        </p:cTn>
+                                        <p:tgtEl>
+                                          <p:spTgt spid="26"/>
+                                        </p:tgtEl>
+                                        <p:attrNameLst>
+                                          <p:attrName>style.visibility</p:attrName>
+                                        </p:attrNameLst>
+                                      </p:cBhvr>
+                                      <p:to>
+                                        <p:strVal val="visible"/>
+                                      </p:to>
+                                    </p:set>
+                                  </p:childTnLst>
+                                </p:cTn>
+                              </p:par>
+                              <p:par>
+                                <p:cTn id="41" presetID="1" presetClass="entr" presetSubtype="0" fill="hold" grpId="0" nodeType="withEffect">
+                                  <p:stCondLst>
+                                    <p:cond delay="0"/>
+                                  </p:stCondLst>
+                                  <p:childTnLst>
+                                    <p:set>
+                                      <p:cBhvr>
+                                        <p:cTn id="42" dur="1" fill="hold">
+                                          <p:stCondLst>
+                                            <p:cond delay="0"/>
+                                          </p:stCondLst>
+                                        </p:cTn>
+                                        <p:tgtEl>
+                                          <p:spTgt spid="27"/>
+                                        </p:tgtEl>
+                                        <p:attrNameLst>
+                                          <p:attrName>style.visibility</p:attrName>
+                                        </p:attrNameLst>
+                                      </p:cBhvr>
+                                      <p:to>
+                                        <p:strVal val="visible"/>
+                                      </p:to>
+                                    </p:set>
+                                  </p:childTnLst>
+                                </p:cTn>
+                              </p:par>
+                              <p:par>
+                                <p:cTn id="43" presetID="1" presetClass="entr" presetSubtype="0" fill="hold" grpId="0" nodeType="withEffect">
+                                  <p:stCondLst>
+                                    <p:cond delay="0"/>
+                                  </p:stCondLst>
+                                  <p:childTnLst>
+                                    <p:set>
+                                      <p:cBhvr>
+                                        <p:cTn id="44" dur="1" fill="hold">
+                                          <p:stCondLst>
+                                            <p:cond delay="0"/>
+                                          </p:stCondLst>
+                                        </p:cTn>
+                                        <p:tgtEl>
+                                          <p:spTgt spid="37"/>
+                                        </p:tgtEl>
+                                        <p:attrNameLst>
+                                          <p:attrName>style.visibility</p:attrName>
+                                        </p:attrNameLst>
+                                      </p:cBhvr>
+                                      <p:to>
+                                        <p:strVal val="visible"/>
+                                      </p:to>
+                                    </p:set>
+                                  </p:childTnLst>
+                                </p:cTn>
+                              </p:par>
+                              <p:par>
+                                <p:cTn id="45" presetID="1" presetClass="entr" presetSubtype="0" fill="hold" nodeType="withEffect">
+                                  <p:stCondLst>
+                                    <p:cond delay="0"/>
+                                  </p:stCondLst>
+                                  <p:childTnLst>
+                                    <p:set>
+                                      <p:cBhvr>
+                                        <p:cTn id="46" dur="1" fill="hold">
+                                          <p:stCondLst>
+                                            <p:cond delay="0"/>
+                                          </p:stCondLst>
+                                        </p:cTn>
+                                        <p:tgtEl>
+                                          <p:spTgt spid="43"/>
+                                        </p:tgtEl>
+                                        <p:attrNameLst>
+                                          <p:attrName>style.visibility</p:attrName>
+                                        </p:attrNameLst>
+                                      </p:cBhvr>
+                                      <p:to>
+                                        <p:strVal val="visible"/>
+                                      </p:to>
+                                    </p:set>
+                                  </p:childTnLst>
+                                </p:cTn>
+                              </p:par>
+                              <p:par>
+                                <p:cTn id="47" presetID="1" presetClass="entr" presetSubtype="0" fill="hold" nodeType="withEffect">
+                                  <p:stCondLst>
+                                    <p:cond delay="0"/>
+                                  </p:stCondLst>
+                                  <p:childTnLst>
+                                    <p:set>
+                                      <p:cBhvr>
+                                        <p:cTn id="48" dur="1" fill="hold">
+                                          <p:stCondLst>
+                                            <p:cond delay="0"/>
+                                          </p:stCondLst>
+                                        </p:cTn>
+                                        <p:tgtEl>
+                                          <p:spTgt spid="44"/>
+                                        </p:tgtEl>
+                                        <p:attrNameLst>
+                                          <p:attrName>style.visibility</p:attrName>
+                                        </p:attrNameLst>
+                                      </p:cBhvr>
+                                      <p:to>
+                                        <p:strVal val="visible"/>
+                                      </p:to>
+                                    </p:set>
+                                  </p:childTnLst>
+                                </p:cTn>
+                              </p:par>
+                              <p:par>
+                                <p:cTn id="49" presetID="1" presetClass="entr" presetSubtype="0" fill="hold" nodeType="withEffect">
+                                  <p:stCondLst>
+                                    <p:cond delay="0"/>
+                                  </p:stCondLst>
+                                  <p:childTnLst>
+                                    <p:set>
+                                      <p:cBhvr>
+                                        <p:cTn id="50" dur="1" fill="hold">
+                                          <p:stCondLst>
+                                            <p:cond delay="0"/>
+                                          </p:stCondLst>
+                                        </p:cTn>
+                                        <p:tgtEl>
+                                          <p:spTgt spid="46"/>
+                                        </p:tgtEl>
+                                        <p:attrNameLst>
+                                          <p:attrName>style.visibility</p:attrName>
+                                        </p:attrNameLst>
+                                      </p:cBhvr>
+                                      <p:to>
+                                        <p:strVal val="visible"/>
+                                      </p:to>
+                                    </p:set>
+                                  </p:childTnLst>
+                                </p:cTn>
+                              </p:par>
+                            </p:childTnLst>
+                          </p:cTn>
+                        </p:par>
+                      </p:childTnLst>
+                    </p:cTn>
+                  </p:par>
+                </p:childTnLst>
+              </p:cTn>
+              <p:prevCondLst>
+                <p:cond evt="onPrev" delay="0">
+                  <p:tgtEl>
+                    <p:sldTgt/>
+                  </p:tgtEl>
+                </p:cond>
+              </p:prevCondLst>
+              <p:nextCondLst>
+                <p:cond evt="onNext" delay="0">
+                  <p:tgtEl>
+                    <p:sldTgt/>
+                  </p:tgtEl>
+                </p:cond>
+              </p:nextCondLst>
+            </p:seq>
+          </p:childTnLst>
+        </p:cTn>
+      </p:par>
+    </p:tnLst>
+    <p:bldLst>
+      <p:bldP spid="5" grpId="0" animBg="1"/>
+      <p:bldP spid="6" grpId="0" animBg="1"/>
+      <p:bldP spid="7" grpId="0" animBg="1"/>
+      <p:bldP spid="9" grpId="0" animBg="1"/>
+      <p:bldP spid="10" grpId="0" animBg="1"/>
+      <p:bldP spid="11" grpId="0" animBg="1"/>
+      <p:bldP spid="17" grpId="0" animBg="1"/>
+      <p:bldP spid="19" grpId="0" animBg="1"/>
+      <p:bldP spid="26" grpId="0" animBg="1"/>
+      <p:bldP spid="27" grpId="0" animBg="1"/>
+      <p:bldP spid="31" grpId="0" animBg="1"/>
+      <p:bldP spid="35" grpId="0" animBg="1"/>
+      <p:bldP spid="37" grpId="0" animBg="1"/>
+      <p:bldP spid="39" grpId="0" animBg="1"/>
+      <p:bldP spid="48" grpId="0" animBg="1"/>
+    </p:bldLst>
+  </p:timing>
 </p:sld>
 </file>
 
@@ -41247,6 +46887,409 @@
   <p:clrMapOvr>
     <a:masterClrMapping/>
   </p:clrMapOvr>
+  <p:timing>
+    <p:tnLst>
+      <p:par>
+        <p:cTn id="1" dur="indefinite" restart="never" nodeType="tmRoot">
+          <p:childTnLst>
+            <p:seq concurrent="1" nextAc="seek">
+              <p:cTn id="2" dur="indefinite" nodeType="mainSeq">
+                <p:childTnLst>
+                  <p:par>
+                    <p:cTn id="3" fill="hold">
+                      <p:stCondLst>
+                        <p:cond delay="indefinite"/>
+                      </p:stCondLst>
+                      <p:childTnLst>
+                        <p:par>
+                          <p:cTn id="4" fill="hold">
+                            <p:stCondLst>
+                              <p:cond delay="0"/>
+                            </p:stCondLst>
+                            <p:childTnLst>
+                              <p:par>
+                                <p:cTn id="5" presetID="1" presetClass="entr" presetSubtype="0" fill="hold" grpId="0" nodeType="clickEffect">
+                                  <p:stCondLst>
+                                    <p:cond delay="0"/>
+                                  </p:stCondLst>
+                                  <p:childTnLst>
+                                    <p:set>
+                                      <p:cBhvr>
+                                        <p:cTn id="6" dur="1" fill="hold">
+                                          <p:stCondLst>
+                                            <p:cond delay="0"/>
+                                          </p:stCondLst>
+                                        </p:cTn>
+                                        <p:tgtEl>
+                                          <p:spTgt spid="43"/>
+                                        </p:tgtEl>
+                                        <p:attrNameLst>
+                                          <p:attrName>style.visibility</p:attrName>
+                                        </p:attrNameLst>
+                                      </p:cBhvr>
+                                      <p:to>
+                                        <p:strVal val="visible"/>
+                                      </p:to>
+                                    </p:set>
+                                  </p:childTnLst>
+                                </p:cTn>
+                              </p:par>
+                              <p:par>
+                                <p:cTn id="7" presetID="1" presetClass="entr" presetSubtype="0" fill="hold" grpId="0" nodeType="withEffect">
+                                  <p:stCondLst>
+                                    <p:cond delay="0"/>
+                                  </p:stCondLst>
+                                  <p:childTnLst>
+                                    <p:set>
+                                      <p:cBhvr>
+                                        <p:cTn id="8" dur="1" fill="hold">
+                                          <p:stCondLst>
+                                            <p:cond delay="0"/>
+                                          </p:stCondLst>
+                                        </p:cTn>
+                                        <p:tgtEl>
+                                          <p:spTgt spid="12"/>
+                                        </p:tgtEl>
+                                        <p:attrNameLst>
+                                          <p:attrName>style.visibility</p:attrName>
+                                        </p:attrNameLst>
+                                      </p:cBhvr>
+                                      <p:to>
+                                        <p:strVal val="visible"/>
+                                      </p:to>
+                                    </p:set>
+                                  </p:childTnLst>
+                                </p:cTn>
+                              </p:par>
+                              <p:par>
+                                <p:cTn id="9" presetID="1" presetClass="entr" presetSubtype="0" fill="hold" grpId="0" nodeType="withEffect">
+                                  <p:stCondLst>
+                                    <p:cond delay="0"/>
+                                  </p:stCondLst>
+                                  <p:childTnLst>
+                                    <p:set>
+                                      <p:cBhvr>
+                                        <p:cTn id="10" dur="1" fill="hold">
+                                          <p:stCondLst>
+                                            <p:cond delay="0"/>
+                                          </p:stCondLst>
+                                        </p:cTn>
+                                        <p:tgtEl>
+                                          <p:spTgt spid="13"/>
+                                        </p:tgtEl>
+                                        <p:attrNameLst>
+                                          <p:attrName>style.visibility</p:attrName>
+                                        </p:attrNameLst>
+                                      </p:cBhvr>
+                                      <p:to>
+                                        <p:strVal val="visible"/>
+                                      </p:to>
+                                    </p:set>
+                                  </p:childTnLst>
+                                </p:cTn>
+                              </p:par>
+                              <p:par>
+                                <p:cTn id="11" presetID="1" presetClass="entr" presetSubtype="0" fill="hold" grpId="0" nodeType="withEffect">
+                                  <p:stCondLst>
+                                    <p:cond delay="0"/>
+                                  </p:stCondLst>
+                                  <p:childTnLst>
+                                    <p:set>
+                                      <p:cBhvr>
+                                        <p:cTn id="12" dur="1" fill="hold">
+                                          <p:stCondLst>
+                                            <p:cond delay="0"/>
+                                          </p:stCondLst>
+                                        </p:cTn>
+                                        <p:tgtEl>
+                                          <p:spTgt spid="14"/>
+                                        </p:tgtEl>
+                                        <p:attrNameLst>
+                                          <p:attrName>style.visibility</p:attrName>
+                                        </p:attrNameLst>
+                                      </p:cBhvr>
+                                      <p:to>
+                                        <p:strVal val="visible"/>
+                                      </p:to>
+                                    </p:set>
+                                  </p:childTnLst>
+                                </p:cTn>
+                              </p:par>
+                              <p:par>
+                                <p:cTn id="13" presetID="1" presetClass="entr" presetSubtype="0" fill="hold" grpId="0" nodeType="withEffect">
+                                  <p:stCondLst>
+                                    <p:cond delay="0"/>
+                                  </p:stCondLst>
+                                  <p:childTnLst>
+                                    <p:set>
+                                      <p:cBhvr>
+                                        <p:cTn id="14" dur="1" fill="hold">
+                                          <p:stCondLst>
+                                            <p:cond delay="0"/>
+                                          </p:stCondLst>
+                                        </p:cTn>
+                                        <p:tgtEl>
+                                          <p:spTgt spid="20"/>
+                                        </p:tgtEl>
+                                        <p:attrNameLst>
+                                          <p:attrName>style.visibility</p:attrName>
+                                        </p:attrNameLst>
+                                      </p:cBhvr>
+                                      <p:to>
+                                        <p:strVal val="visible"/>
+                                      </p:to>
+                                    </p:set>
+                                  </p:childTnLst>
+                                </p:cTn>
+                              </p:par>
+                              <p:par>
+                                <p:cTn id="15" presetID="1" presetClass="entr" presetSubtype="0" fill="hold" grpId="0" nodeType="withEffect">
+                                  <p:stCondLst>
+                                    <p:cond delay="0"/>
+                                  </p:stCondLst>
+                                  <p:childTnLst>
+                                    <p:set>
+                                      <p:cBhvr>
+                                        <p:cTn id="16" dur="1" fill="hold">
+                                          <p:stCondLst>
+                                            <p:cond delay="0"/>
+                                          </p:stCondLst>
+                                        </p:cTn>
+                                        <p:tgtEl>
+                                          <p:spTgt spid="21"/>
+                                        </p:tgtEl>
+                                        <p:attrNameLst>
+                                          <p:attrName>style.visibility</p:attrName>
+                                        </p:attrNameLst>
+                                      </p:cBhvr>
+                                      <p:to>
+                                        <p:strVal val="visible"/>
+                                      </p:to>
+                                    </p:set>
+                                  </p:childTnLst>
+                                </p:cTn>
+                              </p:par>
+                              <p:par>
+                                <p:cTn id="17" presetID="1" presetClass="entr" presetSubtype="0" fill="hold" grpId="0" nodeType="withEffect">
+                                  <p:stCondLst>
+                                    <p:cond delay="0"/>
+                                  </p:stCondLst>
+                                  <p:childTnLst>
+                                    <p:set>
+                                      <p:cBhvr>
+                                        <p:cTn id="18" dur="1" fill="hold">
+                                          <p:stCondLst>
+                                            <p:cond delay="0"/>
+                                          </p:stCondLst>
+                                        </p:cTn>
+                                        <p:tgtEl>
+                                          <p:spTgt spid="22"/>
+                                        </p:tgtEl>
+                                        <p:attrNameLst>
+                                          <p:attrName>style.visibility</p:attrName>
+                                        </p:attrNameLst>
+                                      </p:cBhvr>
+                                      <p:to>
+                                        <p:strVal val="visible"/>
+                                      </p:to>
+                                    </p:set>
+                                  </p:childTnLst>
+                                </p:cTn>
+                              </p:par>
+                              <p:par>
+                                <p:cTn id="19" presetID="1" presetClass="entr" presetSubtype="0" fill="hold" grpId="0" nodeType="withEffect">
+                                  <p:stCondLst>
+                                    <p:cond delay="0"/>
+                                  </p:stCondLst>
+                                  <p:childTnLst>
+                                    <p:set>
+                                      <p:cBhvr>
+                                        <p:cTn id="20" dur="1" fill="hold">
+                                          <p:stCondLst>
+                                            <p:cond delay="0"/>
+                                          </p:stCondLst>
+                                        </p:cTn>
+                                        <p:tgtEl>
+                                          <p:spTgt spid="24"/>
+                                        </p:tgtEl>
+                                        <p:attrNameLst>
+                                          <p:attrName>style.visibility</p:attrName>
+                                        </p:attrNameLst>
+                                      </p:cBhvr>
+                                      <p:to>
+                                        <p:strVal val="visible"/>
+                                      </p:to>
+                                    </p:set>
+                                  </p:childTnLst>
+                                </p:cTn>
+                              </p:par>
+                              <p:par>
+                                <p:cTn id="21" presetID="1" presetClass="entr" presetSubtype="0" fill="hold" grpId="0" nodeType="withEffect">
+                                  <p:stCondLst>
+                                    <p:cond delay="0"/>
+                                  </p:stCondLst>
+                                  <p:childTnLst>
+                                    <p:set>
+                                      <p:cBhvr>
+                                        <p:cTn id="22" dur="1" fill="hold">
+                                          <p:stCondLst>
+                                            <p:cond delay="0"/>
+                                          </p:stCondLst>
+                                        </p:cTn>
+                                        <p:tgtEl>
+                                          <p:spTgt spid="41"/>
+                                        </p:tgtEl>
+                                        <p:attrNameLst>
+                                          <p:attrName>style.visibility</p:attrName>
+                                        </p:attrNameLst>
+                                      </p:cBhvr>
+                                      <p:to>
+                                        <p:strVal val="visible"/>
+                                      </p:to>
+                                    </p:set>
+                                  </p:childTnLst>
+                                </p:cTn>
+                              </p:par>
+                              <p:par>
+                                <p:cTn id="23" presetID="1" presetClass="entr" presetSubtype="0" fill="hold" grpId="0" nodeType="withEffect">
+                                  <p:stCondLst>
+                                    <p:cond delay="0"/>
+                                  </p:stCondLst>
+                                  <p:childTnLst>
+                                    <p:set>
+                                      <p:cBhvr>
+                                        <p:cTn id="24" dur="1" fill="hold">
+                                          <p:stCondLst>
+                                            <p:cond delay="0"/>
+                                          </p:stCondLst>
+                                        </p:cTn>
+                                        <p:tgtEl>
+                                          <p:spTgt spid="42"/>
+                                        </p:tgtEl>
+                                        <p:attrNameLst>
+                                          <p:attrName>style.visibility</p:attrName>
+                                        </p:attrNameLst>
+                                      </p:cBhvr>
+                                      <p:to>
+                                        <p:strVal val="visible"/>
+                                      </p:to>
+                                    </p:set>
+                                  </p:childTnLst>
+                                </p:cTn>
+                              </p:par>
+                            </p:childTnLst>
+                          </p:cTn>
+                        </p:par>
+                      </p:childTnLst>
+                    </p:cTn>
+                  </p:par>
+                  <p:par>
+                    <p:cTn id="25" fill="hold">
+                      <p:stCondLst>
+                        <p:cond delay="indefinite"/>
+                      </p:stCondLst>
+                      <p:childTnLst>
+                        <p:par>
+                          <p:cTn id="26" fill="hold">
+                            <p:stCondLst>
+                              <p:cond delay="0"/>
+                            </p:stCondLst>
+                            <p:childTnLst>
+                              <p:par>
+                                <p:cTn id="27" presetID="1" presetClass="entr" presetSubtype="0" fill="hold" nodeType="clickEffect">
+                                  <p:stCondLst>
+                                    <p:cond delay="0"/>
+                                  </p:stCondLst>
+                                  <p:childTnLst>
+                                    <p:set>
+                                      <p:cBhvr>
+                                        <p:cTn id="28" dur="1" fill="hold">
+                                          <p:stCondLst>
+                                            <p:cond delay="0"/>
+                                          </p:stCondLst>
+                                        </p:cTn>
+                                        <p:tgtEl>
+                                          <p:spTgt spid="9"/>
+                                        </p:tgtEl>
+                                        <p:attrNameLst>
+                                          <p:attrName>style.visibility</p:attrName>
+                                        </p:attrNameLst>
+                                      </p:cBhvr>
+                                      <p:to>
+                                        <p:strVal val="visible"/>
+                                      </p:to>
+                                    </p:set>
+                                  </p:childTnLst>
+                                </p:cTn>
+                              </p:par>
+                              <p:par>
+                                <p:cTn id="29" presetID="1" presetClass="entr" presetSubtype="0" fill="hold" grpId="0" nodeType="withEffect">
+                                  <p:stCondLst>
+                                    <p:cond delay="0"/>
+                                  </p:stCondLst>
+                                  <p:childTnLst>
+                                    <p:set>
+                                      <p:cBhvr>
+                                        <p:cTn id="30" dur="1" fill="hold">
+                                          <p:stCondLst>
+                                            <p:cond delay="0"/>
+                                          </p:stCondLst>
+                                        </p:cTn>
+                                        <p:tgtEl>
+                                          <p:spTgt spid="10"/>
+                                        </p:tgtEl>
+                                        <p:attrNameLst>
+                                          <p:attrName>style.visibility</p:attrName>
+                                        </p:attrNameLst>
+                                      </p:cBhvr>
+                                      <p:to>
+                                        <p:strVal val="visible"/>
+                                      </p:to>
+                                    </p:set>
+                                  </p:childTnLst>
+                                </p:cTn>
+                              </p:par>
+                            </p:childTnLst>
+                          </p:cTn>
+                        </p:par>
+                      </p:childTnLst>
+                    </p:cTn>
+                  </p:par>
+                </p:childTnLst>
+              </p:cTn>
+              <p:prevCondLst>
+                <p:cond evt="onPrev" delay="0">
+                  <p:tgtEl>
+                    <p:sldTgt/>
+                  </p:tgtEl>
+                </p:cond>
+              </p:prevCondLst>
+              <p:nextCondLst>
+                <p:cond evt="onNext" delay="0">
+                  <p:tgtEl>
+                    <p:sldTgt/>
+                  </p:tgtEl>
+                </p:cond>
+              </p:nextCondLst>
+            </p:seq>
+          </p:childTnLst>
+        </p:cTn>
+      </p:par>
+    </p:tnLst>
+    <p:bldLst>
+      <p:bldP spid="43" grpId="0" animBg="1"/>
+      <p:bldP spid="10" grpId="0" animBg="1"/>
+      <p:bldP spid="12" grpId="0" animBg="1"/>
+      <p:bldP spid="13" grpId="0" animBg="1"/>
+      <p:bldP spid="14" grpId="0" animBg="1"/>
+      <p:bldP spid="20" grpId="0" animBg="1"/>
+      <p:bldP spid="21" grpId="0" animBg="1"/>
+      <p:bldP spid="22" grpId="0" animBg="1"/>
+      <p:bldP spid="24" grpId="0" animBg="1"/>
+      <p:bldP spid="41" grpId="0" animBg="1"/>
+      <p:bldP spid="42" grpId="0" animBg="1"/>
+    </p:bldLst>
+  </p:timing>
 </p:sld>
 </file>
 
@@ -41267,8 +47310,8 @@
           <a:chExt cx="0" cy="0"/>
         </a:xfrm>
       </p:grpSpPr>
-      <mc:AlternateContent xmlns:mc="http://schemas.openxmlformats.org/markup-compatibility/2006">
-        <mc:Choice xmlns:a14="http://schemas.microsoft.com/office/drawing/2010/main" Requires="a14">
+      <mc:AlternateContent xmlns:mc="http://schemas.openxmlformats.org/markup-compatibility/2006" xmlns:a14="http://schemas.microsoft.com/office/drawing/2010/main">
+        <mc:Choice Requires="a14">
           <p:sp>
             <p:nvSpPr>
               <p:cNvPr id="4" name="Scroll: Horizontal 3">
@@ -41331,7 +47374,7 @@
             </p:txBody>
           </p:sp>
         </mc:Choice>
-        <mc:Fallback>
+        <mc:Fallback xmlns="">
           <p:sp>
             <p:nvSpPr>
               <p:cNvPr id="4" name="Scroll: Horizontal 3">
@@ -41422,8 +47465,8 @@
           </a:p>
         </p:txBody>
       </p:sp>
-      <mc:AlternateContent xmlns:mc="http://schemas.openxmlformats.org/markup-compatibility/2006">
-        <mc:Choice xmlns:a14="http://schemas.microsoft.com/office/drawing/2010/main" Requires="a14">
+      <mc:AlternateContent xmlns:mc="http://schemas.openxmlformats.org/markup-compatibility/2006" xmlns:a14="http://schemas.microsoft.com/office/drawing/2010/main">
+        <mc:Choice Requires="a14">
           <p:sp>
             <p:nvSpPr>
               <p:cNvPr id="6" name="Speech Bubble: Rectangle 5">
@@ -41505,7 +47548,7 @@
             </p:txBody>
           </p:sp>
         </mc:Choice>
-        <mc:Fallback>
+        <mc:Fallback xmlns="">
           <p:sp>
             <p:nvSpPr>
               <p:cNvPr id="6" name="Speech Bubble: Rectangle 5">
@@ -41768,8 +47811,8 @@
           </a:prstGeom>
         </p:spPr>
       </p:pic>
-      <mc:AlternateContent xmlns:mc="http://schemas.openxmlformats.org/markup-compatibility/2006">
-        <mc:Choice xmlns:a14="http://schemas.microsoft.com/office/drawing/2010/main" Requires="a14">
+      <mc:AlternateContent xmlns:mc="http://schemas.openxmlformats.org/markup-compatibility/2006" xmlns:a14="http://schemas.microsoft.com/office/drawing/2010/main">
+        <mc:Choice Requires="a14">
           <p:sp>
             <p:nvSpPr>
               <p:cNvPr id="24" name="TextBox 23">
@@ -41813,6 +47856,7 @@
               </a:bodyPr>
               <a:lstStyle/>
               <a:p>
+                <a:pPr/>
                 <a14:m>
                   <m:oMathPara xmlns:m="http://schemas.openxmlformats.org/officeDocument/2006/math">
                     <m:oMathParaPr>
@@ -41865,7 +47909,7 @@
             </p:txBody>
           </p:sp>
         </mc:Choice>
-        <mc:Fallback>
+        <mc:Fallback xmlns="">
           <p:sp>
             <p:nvSpPr>
               <p:cNvPr id="24" name="TextBox 23">
@@ -42002,8 +48046,8 @@
           </a:p>
         </p:txBody>
       </p:sp>
-      <mc:AlternateContent xmlns:mc="http://schemas.openxmlformats.org/markup-compatibility/2006">
-        <mc:Choice xmlns:a14="http://schemas.microsoft.com/office/drawing/2010/main" Requires="a14">
+      <mc:AlternateContent xmlns:mc="http://schemas.openxmlformats.org/markup-compatibility/2006" xmlns:a14="http://schemas.microsoft.com/office/drawing/2010/main">
+        <mc:Choice Requires="a14">
           <p:sp>
             <p:nvSpPr>
               <p:cNvPr id="39" name="Speech Bubble: Rectangle 38">
@@ -42085,7 +48129,7 @@
             </p:txBody>
           </p:sp>
         </mc:Choice>
-        <mc:Fallback>
+        <mc:Fallback xmlns="">
           <p:sp>
             <p:nvSpPr>
               <p:cNvPr id="39" name="Speech Bubble: Rectangle 38">
@@ -42304,8 +48348,8 @@
           </a:p>
         </p:txBody>
       </p:sp>
-      <mc:AlternateContent xmlns:mc="http://schemas.openxmlformats.org/markup-compatibility/2006">
-        <mc:Choice xmlns:a14="http://schemas.microsoft.com/office/drawing/2010/main" Requires="a14">
+      <mc:AlternateContent xmlns:mc="http://schemas.openxmlformats.org/markup-compatibility/2006" xmlns:a14="http://schemas.microsoft.com/office/drawing/2010/main">
+        <mc:Choice Requires="a14">
           <p:sp>
             <p:nvSpPr>
               <p:cNvPr id="51" name="Speech Bubble: Rectangle 50">
@@ -42387,7 +48431,7 @@
             </p:txBody>
           </p:sp>
         </mc:Choice>
-        <mc:Fallback>
+        <mc:Fallback xmlns="">
           <p:sp>
             <p:nvSpPr>
               <p:cNvPr id="51" name="Speech Bubble: Rectangle 50">
@@ -43098,8 +49142,8 @@
           </a:p>
         </p:txBody>
       </p:sp>
-      <mc:AlternateContent xmlns:mc="http://schemas.openxmlformats.org/markup-compatibility/2006">
-        <mc:Choice xmlns:a14="http://schemas.microsoft.com/office/drawing/2010/main" Requires="a14">
+      <mc:AlternateContent xmlns:mc="http://schemas.openxmlformats.org/markup-compatibility/2006" xmlns:a14="http://schemas.microsoft.com/office/drawing/2010/main">
+        <mc:Choice Requires="a14">
           <p:sp>
             <p:nvSpPr>
               <p:cNvPr id="79" name="TextBox 78">
@@ -43143,6 +49187,7 @@
               </a:bodyPr>
               <a:lstStyle/>
               <a:p>
+                <a:pPr/>
                 <a14:m>
                   <m:oMathPara xmlns:m="http://schemas.openxmlformats.org/officeDocument/2006/math">
                     <m:oMathParaPr>
@@ -43195,7 +49240,7 @@
             </p:txBody>
           </p:sp>
         </mc:Choice>
-        <mc:Fallback>
+        <mc:Fallback xmlns="">
           <p:sp>
             <p:nvSpPr>
               <p:cNvPr id="79" name="TextBox 78">
@@ -43240,8 +49285,8 @@
           </p:sp>
         </mc:Fallback>
       </mc:AlternateContent>
-      <mc:AlternateContent xmlns:mc="http://schemas.openxmlformats.org/markup-compatibility/2006">
-        <mc:Choice xmlns:a14="http://schemas.microsoft.com/office/drawing/2010/main" Requires="a14">
+      <mc:AlternateContent xmlns:mc="http://schemas.openxmlformats.org/markup-compatibility/2006" xmlns:a14="http://schemas.microsoft.com/office/drawing/2010/main">
+        <mc:Choice Requires="a14">
           <p:sp>
             <p:nvSpPr>
               <p:cNvPr id="80" name="TextBox 79">
@@ -43285,6 +49330,7 @@
               </a:bodyPr>
               <a:lstStyle/>
               <a:p>
+                <a:pPr/>
                 <a14:m>
                   <m:oMathPara xmlns:m="http://schemas.openxmlformats.org/officeDocument/2006/math">
                     <m:oMathParaPr>
@@ -43337,7 +49383,7 @@
             </p:txBody>
           </p:sp>
         </mc:Choice>
-        <mc:Fallback>
+        <mc:Fallback xmlns="">
           <p:sp>
             <p:nvSpPr>
               <p:cNvPr id="80" name="TextBox 79">
@@ -43392,6 +49438,1071 @@
   <p:clrMapOvr>
     <a:masterClrMapping/>
   </p:clrMapOvr>
+  <p:timing>
+    <p:tnLst>
+      <p:par>
+        <p:cTn id="1" dur="indefinite" restart="never" nodeType="tmRoot">
+          <p:childTnLst>
+            <p:seq concurrent="1" nextAc="seek">
+              <p:cTn id="2" dur="indefinite" nodeType="mainSeq">
+                <p:childTnLst>
+                  <p:par>
+                    <p:cTn id="3" fill="hold">
+                      <p:stCondLst>
+                        <p:cond delay="indefinite"/>
+                      </p:stCondLst>
+                      <p:childTnLst>
+                        <p:par>
+                          <p:cTn id="4" fill="hold">
+                            <p:stCondLst>
+                              <p:cond delay="0"/>
+                            </p:stCondLst>
+                            <p:childTnLst>
+                              <p:par>
+                                <p:cTn id="5" presetID="1" presetClass="entr" presetSubtype="0" fill="hold" grpId="0" nodeType="clickEffect">
+                                  <p:stCondLst>
+                                    <p:cond delay="0"/>
+                                  </p:stCondLst>
+                                  <p:childTnLst>
+                                    <p:set>
+                                      <p:cBhvr>
+                                        <p:cTn id="6" dur="1" fill="hold">
+                                          <p:stCondLst>
+                                            <p:cond delay="0"/>
+                                          </p:stCondLst>
+                                        </p:cTn>
+                                        <p:tgtEl>
+                                          <p:spTgt spid="5"/>
+                                        </p:tgtEl>
+                                        <p:attrNameLst>
+                                          <p:attrName>style.visibility</p:attrName>
+                                        </p:attrNameLst>
+                                      </p:cBhvr>
+                                      <p:to>
+                                        <p:strVal val="visible"/>
+                                      </p:to>
+                                    </p:set>
+                                  </p:childTnLst>
+                                </p:cTn>
+                              </p:par>
+                              <p:par>
+                                <p:cTn id="7" presetID="1" presetClass="entr" presetSubtype="0" fill="hold" grpId="0" nodeType="withEffect">
+                                  <p:stCondLst>
+                                    <p:cond delay="0"/>
+                                  </p:stCondLst>
+                                  <p:childTnLst>
+                                    <p:set>
+                                      <p:cBhvr>
+                                        <p:cTn id="8" dur="1" fill="hold">
+                                          <p:stCondLst>
+                                            <p:cond delay="0"/>
+                                          </p:stCondLst>
+                                        </p:cTn>
+                                        <p:tgtEl>
+                                          <p:spTgt spid="6"/>
+                                        </p:tgtEl>
+                                        <p:attrNameLst>
+                                          <p:attrName>style.visibility</p:attrName>
+                                        </p:attrNameLst>
+                                      </p:cBhvr>
+                                      <p:to>
+                                        <p:strVal val="visible"/>
+                                      </p:to>
+                                    </p:set>
+                                  </p:childTnLst>
+                                </p:cTn>
+                              </p:par>
+                              <p:par>
+                                <p:cTn id="9" presetID="1" presetClass="entr" presetSubtype="0" fill="hold" grpId="0" nodeType="withEffect">
+                                  <p:stCondLst>
+                                    <p:cond delay="0"/>
+                                  </p:stCondLst>
+                                  <p:childTnLst>
+                                    <p:set>
+                                      <p:cBhvr>
+                                        <p:cTn id="10" dur="1" fill="hold">
+                                          <p:stCondLst>
+                                            <p:cond delay="0"/>
+                                          </p:stCondLst>
+                                        </p:cTn>
+                                        <p:tgtEl>
+                                          <p:spTgt spid="8"/>
+                                        </p:tgtEl>
+                                        <p:attrNameLst>
+                                          <p:attrName>style.visibility</p:attrName>
+                                        </p:attrNameLst>
+                                      </p:cBhvr>
+                                      <p:to>
+                                        <p:strVal val="visible"/>
+                                      </p:to>
+                                    </p:set>
+                                  </p:childTnLst>
+                                </p:cTn>
+                              </p:par>
+                              <p:par>
+                                <p:cTn id="11" presetID="1" presetClass="entr" presetSubtype="0" fill="hold" grpId="0" nodeType="withEffect">
+                                  <p:stCondLst>
+                                    <p:cond delay="0"/>
+                                  </p:stCondLst>
+                                  <p:childTnLst>
+                                    <p:set>
+                                      <p:cBhvr>
+                                        <p:cTn id="12" dur="1" fill="hold">
+                                          <p:stCondLst>
+                                            <p:cond delay="0"/>
+                                          </p:stCondLst>
+                                        </p:cTn>
+                                        <p:tgtEl>
+                                          <p:spTgt spid="9"/>
+                                        </p:tgtEl>
+                                        <p:attrNameLst>
+                                          <p:attrName>style.visibility</p:attrName>
+                                        </p:attrNameLst>
+                                      </p:cBhvr>
+                                      <p:to>
+                                        <p:strVal val="visible"/>
+                                      </p:to>
+                                    </p:set>
+                                  </p:childTnLst>
+                                </p:cTn>
+                              </p:par>
+                              <p:par>
+                                <p:cTn id="13" presetID="1" presetClass="entr" presetSubtype="0" fill="hold" grpId="0" nodeType="withEffect">
+                                  <p:stCondLst>
+                                    <p:cond delay="0"/>
+                                  </p:stCondLst>
+                                  <p:childTnLst>
+                                    <p:set>
+                                      <p:cBhvr>
+                                        <p:cTn id="14" dur="1" fill="hold">
+                                          <p:stCondLst>
+                                            <p:cond delay="0"/>
+                                          </p:stCondLst>
+                                        </p:cTn>
+                                        <p:tgtEl>
+                                          <p:spTgt spid="17"/>
+                                        </p:tgtEl>
+                                        <p:attrNameLst>
+                                          <p:attrName>style.visibility</p:attrName>
+                                        </p:attrNameLst>
+                                      </p:cBhvr>
+                                      <p:to>
+                                        <p:strVal val="visible"/>
+                                      </p:to>
+                                    </p:set>
+                                  </p:childTnLst>
+                                </p:cTn>
+                              </p:par>
+                              <p:par>
+                                <p:cTn id="15" presetID="1" presetClass="entr" presetSubtype="0" fill="hold" grpId="0" nodeType="withEffect">
+                                  <p:stCondLst>
+                                    <p:cond delay="0"/>
+                                  </p:stCondLst>
+                                  <p:childTnLst>
+                                    <p:set>
+                                      <p:cBhvr>
+                                        <p:cTn id="16" dur="1" fill="hold">
+                                          <p:stCondLst>
+                                            <p:cond delay="0"/>
+                                          </p:stCondLst>
+                                        </p:cTn>
+                                        <p:tgtEl>
+                                          <p:spTgt spid="39"/>
+                                        </p:tgtEl>
+                                        <p:attrNameLst>
+                                          <p:attrName>style.visibility</p:attrName>
+                                        </p:attrNameLst>
+                                      </p:cBhvr>
+                                      <p:to>
+                                        <p:strVal val="visible"/>
+                                      </p:to>
+                                    </p:set>
+                                  </p:childTnLst>
+                                </p:cTn>
+                              </p:par>
+                              <p:par>
+                                <p:cTn id="17" presetID="1" presetClass="entr" presetSubtype="0" fill="hold" grpId="0" nodeType="withEffect">
+                                  <p:stCondLst>
+                                    <p:cond delay="0"/>
+                                  </p:stCondLst>
+                                  <p:childTnLst>
+                                    <p:set>
+                                      <p:cBhvr>
+                                        <p:cTn id="18" dur="1" fill="hold">
+                                          <p:stCondLst>
+                                            <p:cond delay="0"/>
+                                          </p:stCondLst>
+                                        </p:cTn>
+                                        <p:tgtEl>
+                                          <p:spTgt spid="51"/>
+                                        </p:tgtEl>
+                                        <p:attrNameLst>
+                                          <p:attrName>style.visibility</p:attrName>
+                                        </p:attrNameLst>
+                                      </p:cBhvr>
+                                      <p:to>
+                                        <p:strVal val="visible"/>
+                                      </p:to>
+                                    </p:set>
+                                  </p:childTnLst>
+                                </p:cTn>
+                              </p:par>
+                              <p:par>
+                                <p:cTn id="19" presetID="1" presetClass="entr" presetSubtype="0" fill="hold" grpId="0" nodeType="withEffect">
+                                  <p:stCondLst>
+                                    <p:cond delay="0"/>
+                                  </p:stCondLst>
+                                  <p:childTnLst>
+                                    <p:set>
+                                      <p:cBhvr>
+                                        <p:cTn id="20" dur="1" fill="hold">
+                                          <p:stCondLst>
+                                            <p:cond delay="0"/>
+                                          </p:stCondLst>
+                                        </p:cTn>
+                                        <p:tgtEl>
+                                          <p:spTgt spid="76"/>
+                                        </p:tgtEl>
+                                        <p:attrNameLst>
+                                          <p:attrName>style.visibility</p:attrName>
+                                        </p:attrNameLst>
+                                      </p:cBhvr>
+                                      <p:to>
+                                        <p:strVal val="visible"/>
+                                      </p:to>
+                                    </p:set>
+                                  </p:childTnLst>
+                                </p:cTn>
+                              </p:par>
+                              <p:par>
+                                <p:cTn id="21" presetID="1" presetClass="entr" presetSubtype="0" fill="hold" grpId="0" nodeType="withEffect">
+                                  <p:stCondLst>
+                                    <p:cond delay="0"/>
+                                  </p:stCondLst>
+                                  <p:childTnLst>
+                                    <p:set>
+                                      <p:cBhvr>
+                                        <p:cTn id="22" dur="1" fill="hold">
+                                          <p:stCondLst>
+                                            <p:cond delay="0"/>
+                                          </p:stCondLst>
+                                        </p:cTn>
+                                        <p:tgtEl>
+                                          <p:spTgt spid="77"/>
+                                        </p:tgtEl>
+                                        <p:attrNameLst>
+                                          <p:attrName>style.visibility</p:attrName>
+                                        </p:attrNameLst>
+                                      </p:cBhvr>
+                                      <p:to>
+                                        <p:strVal val="visible"/>
+                                      </p:to>
+                                    </p:set>
+                                  </p:childTnLst>
+                                </p:cTn>
+                              </p:par>
+                              <p:par>
+                                <p:cTn id="23" presetID="1" presetClass="entr" presetSubtype="0" fill="hold" grpId="0" nodeType="withEffect">
+                                  <p:stCondLst>
+                                    <p:cond delay="0"/>
+                                  </p:stCondLst>
+                                  <p:childTnLst>
+                                    <p:set>
+                                      <p:cBhvr>
+                                        <p:cTn id="24" dur="1" fill="hold">
+                                          <p:stCondLst>
+                                            <p:cond delay="0"/>
+                                          </p:stCondLst>
+                                        </p:cTn>
+                                        <p:tgtEl>
+                                          <p:spTgt spid="78"/>
+                                        </p:tgtEl>
+                                        <p:attrNameLst>
+                                          <p:attrName>style.visibility</p:attrName>
+                                        </p:attrNameLst>
+                                      </p:cBhvr>
+                                      <p:to>
+                                        <p:strVal val="visible"/>
+                                      </p:to>
+                                    </p:set>
+                                  </p:childTnLst>
+                                </p:cTn>
+                              </p:par>
+                            </p:childTnLst>
+                          </p:cTn>
+                        </p:par>
+                      </p:childTnLst>
+                    </p:cTn>
+                  </p:par>
+                  <p:par>
+                    <p:cTn id="25" fill="hold">
+                      <p:stCondLst>
+                        <p:cond delay="indefinite"/>
+                      </p:stCondLst>
+                      <p:childTnLst>
+                        <p:par>
+                          <p:cTn id="26" fill="hold">
+                            <p:stCondLst>
+                              <p:cond delay="0"/>
+                            </p:stCondLst>
+                            <p:childTnLst>
+                              <p:par>
+                                <p:cTn id="27" presetID="1" presetClass="entr" presetSubtype="0" fill="hold" grpId="0" nodeType="clickEffect">
+                                  <p:stCondLst>
+                                    <p:cond delay="0"/>
+                                  </p:stCondLst>
+                                  <p:childTnLst>
+                                    <p:set>
+                                      <p:cBhvr>
+                                        <p:cTn id="28" dur="1" fill="hold">
+                                          <p:stCondLst>
+                                            <p:cond delay="0"/>
+                                          </p:stCondLst>
+                                        </p:cTn>
+                                        <p:tgtEl>
+                                          <p:spTgt spid="11"/>
+                                        </p:tgtEl>
+                                        <p:attrNameLst>
+                                          <p:attrName>style.visibility</p:attrName>
+                                        </p:attrNameLst>
+                                      </p:cBhvr>
+                                      <p:to>
+                                        <p:strVal val="visible"/>
+                                      </p:to>
+                                    </p:set>
+                                  </p:childTnLst>
+                                </p:cTn>
+                              </p:par>
+                              <p:par>
+                                <p:cTn id="29" presetID="1" presetClass="entr" presetSubtype="0" fill="hold" nodeType="withEffect">
+                                  <p:stCondLst>
+                                    <p:cond delay="0"/>
+                                  </p:stCondLst>
+                                  <p:childTnLst>
+                                    <p:set>
+                                      <p:cBhvr>
+                                        <p:cTn id="30" dur="1" fill="hold">
+                                          <p:stCondLst>
+                                            <p:cond delay="0"/>
+                                          </p:stCondLst>
+                                        </p:cTn>
+                                        <p:tgtEl>
+                                          <p:spTgt spid="18"/>
+                                        </p:tgtEl>
+                                        <p:attrNameLst>
+                                          <p:attrName>style.visibility</p:attrName>
+                                        </p:attrNameLst>
+                                      </p:cBhvr>
+                                      <p:to>
+                                        <p:strVal val="visible"/>
+                                      </p:to>
+                                    </p:set>
+                                  </p:childTnLst>
+                                </p:cTn>
+                              </p:par>
+                              <p:par>
+                                <p:cTn id="31" presetID="1" presetClass="entr" presetSubtype="0" fill="hold" grpId="0" nodeType="withEffect">
+                                  <p:stCondLst>
+                                    <p:cond delay="0"/>
+                                  </p:stCondLst>
+                                  <p:childTnLst>
+                                    <p:set>
+                                      <p:cBhvr>
+                                        <p:cTn id="32" dur="1" fill="hold">
+                                          <p:stCondLst>
+                                            <p:cond delay="0"/>
+                                          </p:stCondLst>
+                                        </p:cTn>
+                                        <p:tgtEl>
+                                          <p:spTgt spid="40"/>
+                                        </p:tgtEl>
+                                        <p:attrNameLst>
+                                          <p:attrName>style.visibility</p:attrName>
+                                        </p:attrNameLst>
+                                      </p:cBhvr>
+                                      <p:to>
+                                        <p:strVal val="visible"/>
+                                      </p:to>
+                                    </p:set>
+                                  </p:childTnLst>
+                                </p:cTn>
+                              </p:par>
+                              <p:par>
+                                <p:cTn id="33" presetID="1" presetClass="entr" presetSubtype="0" fill="hold" nodeType="withEffect">
+                                  <p:stCondLst>
+                                    <p:cond delay="0"/>
+                                  </p:stCondLst>
+                                  <p:childTnLst>
+                                    <p:set>
+                                      <p:cBhvr>
+                                        <p:cTn id="34" dur="1" fill="hold">
+                                          <p:stCondLst>
+                                            <p:cond delay="0"/>
+                                          </p:stCondLst>
+                                        </p:cTn>
+                                        <p:tgtEl>
+                                          <p:spTgt spid="41"/>
+                                        </p:tgtEl>
+                                        <p:attrNameLst>
+                                          <p:attrName>style.visibility</p:attrName>
+                                        </p:attrNameLst>
+                                      </p:cBhvr>
+                                      <p:to>
+                                        <p:strVal val="visible"/>
+                                      </p:to>
+                                    </p:set>
+                                  </p:childTnLst>
+                                </p:cTn>
+                              </p:par>
+                              <p:par>
+                                <p:cTn id="35" presetID="1" presetClass="entr" presetSubtype="0" fill="hold" grpId="0" nodeType="withEffect">
+                                  <p:stCondLst>
+                                    <p:cond delay="0"/>
+                                  </p:stCondLst>
+                                  <p:childTnLst>
+                                    <p:set>
+                                      <p:cBhvr>
+                                        <p:cTn id="36" dur="1" fill="hold">
+                                          <p:stCondLst>
+                                            <p:cond delay="0"/>
+                                          </p:stCondLst>
+                                        </p:cTn>
+                                        <p:tgtEl>
+                                          <p:spTgt spid="52"/>
+                                        </p:tgtEl>
+                                        <p:attrNameLst>
+                                          <p:attrName>style.visibility</p:attrName>
+                                        </p:attrNameLst>
+                                      </p:cBhvr>
+                                      <p:to>
+                                        <p:strVal val="visible"/>
+                                      </p:to>
+                                    </p:set>
+                                  </p:childTnLst>
+                                </p:cTn>
+                              </p:par>
+                              <p:par>
+                                <p:cTn id="37" presetID="1" presetClass="entr" presetSubtype="0" fill="hold" nodeType="withEffect">
+                                  <p:stCondLst>
+                                    <p:cond delay="0"/>
+                                  </p:stCondLst>
+                                  <p:childTnLst>
+                                    <p:set>
+                                      <p:cBhvr>
+                                        <p:cTn id="38" dur="1" fill="hold">
+                                          <p:stCondLst>
+                                            <p:cond delay="0"/>
+                                          </p:stCondLst>
+                                        </p:cTn>
+                                        <p:tgtEl>
+                                          <p:spTgt spid="53"/>
+                                        </p:tgtEl>
+                                        <p:attrNameLst>
+                                          <p:attrName>style.visibility</p:attrName>
+                                        </p:attrNameLst>
+                                      </p:cBhvr>
+                                      <p:to>
+                                        <p:strVal val="visible"/>
+                                      </p:to>
+                                    </p:set>
+                                  </p:childTnLst>
+                                </p:cTn>
+                              </p:par>
+                            </p:childTnLst>
+                          </p:cTn>
+                        </p:par>
+                      </p:childTnLst>
+                    </p:cTn>
+                  </p:par>
+                  <p:par>
+                    <p:cTn id="39" fill="hold">
+                      <p:stCondLst>
+                        <p:cond delay="indefinite"/>
+                      </p:stCondLst>
+                      <p:childTnLst>
+                        <p:par>
+                          <p:cTn id="40" fill="hold">
+                            <p:stCondLst>
+                              <p:cond delay="0"/>
+                            </p:stCondLst>
+                            <p:childTnLst>
+                              <p:par>
+                                <p:cTn id="41" presetID="1" presetClass="entr" presetSubtype="0" fill="hold" grpId="0" nodeType="clickEffect">
+                                  <p:stCondLst>
+                                    <p:cond delay="0"/>
+                                  </p:stCondLst>
+                                  <p:childTnLst>
+                                    <p:set>
+                                      <p:cBhvr>
+                                        <p:cTn id="42" dur="1" fill="hold">
+                                          <p:stCondLst>
+                                            <p:cond delay="0"/>
+                                          </p:stCondLst>
+                                        </p:cTn>
+                                        <p:tgtEl>
+                                          <p:spTgt spid="24"/>
+                                        </p:tgtEl>
+                                        <p:attrNameLst>
+                                          <p:attrName>style.visibility</p:attrName>
+                                        </p:attrNameLst>
+                                      </p:cBhvr>
+                                      <p:to>
+                                        <p:strVal val="visible"/>
+                                      </p:to>
+                                    </p:set>
+                                  </p:childTnLst>
+                                </p:cTn>
+                              </p:par>
+                              <p:par>
+                                <p:cTn id="43" presetID="1" presetClass="entr" presetSubtype="0" fill="hold" grpId="0" nodeType="withEffect">
+                                  <p:stCondLst>
+                                    <p:cond delay="0"/>
+                                  </p:stCondLst>
+                                  <p:childTnLst>
+                                    <p:set>
+                                      <p:cBhvr>
+                                        <p:cTn id="44" dur="1" fill="hold">
+                                          <p:stCondLst>
+                                            <p:cond delay="0"/>
+                                          </p:stCondLst>
+                                        </p:cTn>
+                                        <p:tgtEl>
+                                          <p:spTgt spid="37"/>
+                                        </p:tgtEl>
+                                        <p:attrNameLst>
+                                          <p:attrName>style.visibility</p:attrName>
+                                        </p:attrNameLst>
+                                      </p:cBhvr>
+                                      <p:to>
+                                        <p:strVal val="visible"/>
+                                      </p:to>
+                                    </p:set>
+                                  </p:childTnLst>
+                                </p:cTn>
+                              </p:par>
+                              <p:par>
+                                <p:cTn id="45" presetID="1" presetClass="entr" presetSubtype="0" fill="hold" grpId="0" nodeType="withEffect">
+                                  <p:stCondLst>
+                                    <p:cond delay="0"/>
+                                  </p:stCondLst>
+                                  <p:childTnLst>
+                                    <p:set>
+                                      <p:cBhvr>
+                                        <p:cTn id="46" dur="1" fill="hold">
+                                          <p:stCondLst>
+                                            <p:cond delay="0"/>
+                                          </p:stCondLst>
+                                        </p:cTn>
+                                        <p:tgtEl>
+                                          <p:spTgt spid="43"/>
+                                        </p:tgtEl>
+                                        <p:attrNameLst>
+                                          <p:attrName>style.visibility</p:attrName>
+                                        </p:attrNameLst>
+                                      </p:cBhvr>
+                                      <p:to>
+                                        <p:strVal val="visible"/>
+                                      </p:to>
+                                    </p:set>
+                                  </p:childTnLst>
+                                </p:cTn>
+                              </p:par>
+                              <p:par>
+                                <p:cTn id="47" presetID="1" presetClass="entr" presetSubtype="0" fill="hold" grpId="0" nodeType="withEffect">
+                                  <p:stCondLst>
+                                    <p:cond delay="0"/>
+                                  </p:stCondLst>
+                                  <p:childTnLst>
+                                    <p:set>
+                                      <p:cBhvr>
+                                        <p:cTn id="48" dur="1" fill="hold">
+                                          <p:stCondLst>
+                                            <p:cond delay="0"/>
+                                          </p:stCondLst>
+                                        </p:cTn>
+                                        <p:tgtEl>
+                                          <p:spTgt spid="55"/>
+                                        </p:tgtEl>
+                                        <p:attrNameLst>
+                                          <p:attrName>style.visibility</p:attrName>
+                                        </p:attrNameLst>
+                                      </p:cBhvr>
+                                      <p:to>
+                                        <p:strVal val="visible"/>
+                                      </p:to>
+                                    </p:set>
+                                  </p:childTnLst>
+                                </p:cTn>
+                              </p:par>
+                              <p:par>
+                                <p:cTn id="49" presetID="1" presetClass="entr" presetSubtype="0" fill="hold" grpId="0" nodeType="withEffect">
+                                  <p:stCondLst>
+                                    <p:cond delay="0"/>
+                                  </p:stCondLst>
+                                  <p:childTnLst>
+                                    <p:set>
+                                      <p:cBhvr>
+                                        <p:cTn id="50" dur="1" fill="hold">
+                                          <p:stCondLst>
+                                            <p:cond delay="0"/>
+                                          </p:stCondLst>
+                                        </p:cTn>
+                                        <p:tgtEl>
+                                          <p:spTgt spid="79"/>
+                                        </p:tgtEl>
+                                        <p:attrNameLst>
+                                          <p:attrName>style.visibility</p:attrName>
+                                        </p:attrNameLst>
+                                      </p:cBhvr>
+                                      <p:to>
+                                        <p:strVal val="visible"/>
+                                      </p:to>
+                                    </p:set>
+                                  </p:childTnLst>
+                                </p:cTn>
+                              </p:par>
+                              <p:par>
+                                <p:cTn id="51" presetID="1" presetClass="entr" presetSubtype="0" fill="hold" grpId="0" nodeType="withEffect">
+                                  <p:stCondLst>
+                                    <p:cond delay="0"/>
+                                  </p:stCondLst>
+                                  <p:childTnLst>
+                                    <p:set>
+                                      <p:cBhvr>
+                                        <p:cTn id="52" dur="1" fill="hold">
+                                          <p:stCondLst>
+                                            <p:cond delay="0"/>
+                                          </p:stCondLst>
+                                        </p:cTn>
+                                        <p:tgtEl>
+                                          <p:spTgt spid="80"/>
+                                        </p:tgtEl>
+                                        <p:attrNameLst>
+                                          <p:attrName>style.visibility</p:attrName>
+                                        </p:attrNameLst>
+                                      </p:cBhvr>
+                                      <p:to>
+                                        <p:strVal val="visible"/>
+                                      </p:to>
+                                    </p:set>
+                                  </p:childTnLst>
+                                </p:cTn>
+                              </p:par>
+                            </p:childTnLst>
+                          </p:cTn>
+                        </p:par>
+                      </p:childTnLst>
+                    </p:cTn>
+                  </p:par>
+                  <p:par>
+                    <p:cTn id="53" fill="hold">
+                      <p:stCondLst>
+                        <p:cond delay="indefinite"/>
+                      </p:stCondLst>
+                      <p:childTnLst>
+                        <p:par>
+                          <p:cTn id="54" fill="hold">
+                            <p:stCondLst>
+                              <p:cond delay="0"/>
+                            </p:stCondLst>
+                            <p:childTnLst>
+                              <p:par>
+                                <p:cTn id="55" presetID="1" presetClass="entr" presetSubtype="0" fill="hold" grpId="0" nodeType="clickEffect">
+                                  <p:stCondLst>
+                                    <p:cond delay="0"/>
+                                  </p:stCondLst>
+                                  <p:childTnLst>
+                                    <p:set>
+                                      <p:cBhvr>
+                                        <p:cTn id="56" dur="1" fill="hold">
+                                          <p:stCondLst>
+                                            <p:cond delay="0"/>
+                                          </p:stCondLst>
+                                        </p:cTn>
+                                        <p:tgtEl>
+                                          <p:spTgt spid="38"/>
+                                        </p:tgtEl>
+                                        <p:attrNameLst>
+                                          <p:attrName>style.visibility</p:attrName>
+                                        </p:attrNameLst>
+                                      </p:cBhvr>
+                                      <p:to>
+                                        <p:strVal val="visible"/>
+                                      </p:to>
+                                    </p:set>
+                                  </p:childTnLst>
+                                </p:cTn>
+                              </p:par>
+                              <p:par>
+                                <p:cTn id="57" presetID="1" presetClass="entr" presetSubtype="0" fill="hold" grpId="0" nodeType="withEffect">
+                                  <p:stCondLst>
+                                    <p:cond delay="0"/>
+                                  </p:stCondLst>
+                                  <p:childTnLst>
+                                    <p:set>
+                                      <p:cBhvr>
+                                        <p:cTn id="58" dur="1" fill="hold">
+                                          <p:stCondLst>
+                                            <p:cond delay="0"/>
+                                          </p:stCondLst>
+                                        </p:cTn>
+                                        <p:tgtEl>
+                                          <p:spTgt spid="44"/>
+                                        </p:tgtEl>
+                                        <p:attrNameLst>
+                                          <p:attrName>style.visibility</p:attrName>
+                                        </p:attrNameLst>
+                                      </p:cBhvr>
+                                      <p:to>
+                                        <p:strVal val="visible"/>
+                                      </p:to>
+                                    </p:set>
+                                  </p:childTnLst>
+                                </p:cTn>
+                              </p:par>
+                              <p:par>
+                                <p:cTn id="59" presetID="1" presetClass="entr" presetSubtype="0" fill="hold" grpId="0" nodeType="withEffect">
+                                  <p:stCondLst>
+                                    <p:cond delay="0"/>
+                                  </p:stCondLst>
+                                  <p:childTnLst>
+                                    <p:set>
+                                      <p:cBhvr>
+                                        <p:cTn id="60" dur="1" fill="hold">
+                                          <p:stCondLst>
+                                            <p:cond delay="0"/>
+                                          </p:stCondLst>
+                                        </p:cTn>
+                                        <p:tgtEl>
+                                          <p:spTgt spid="56"/>
+                                        </p:tgtEl>
+                                        <p:attrNameLst>
+                                          <p:attrName>style.visibility</p:attrName>
+                                        </p:attrNameLst>
+                                      </p:cBhvr>
+                                      <p:to>
+                                        <p:strVal val="visible"/>
+                                      </p:to>
+                                    </p:set>
+                                  </p:childTnLst>
+                                </p:cTn>
+                              </p:par>
+                              <p:par>
+                                <p:cTn id="61" presetID="1" presetClass="entr" presetSubtype="0" fill="hold" nodeType="withEffect">
+                                  <p:stCondLst>
+                                    <p:cond delay="0"/>
+                                  </p:stCondLst>
+                                  <p:childTnLst>
+                                    <p:set>
+                                      <p:cBhvr>
+                                        <p:cTn id="62" dur="1" fill="hold">
+                                          <p:stCondLst>
+                                            <p:cond delay="0"/>
+                                          </p:stCondLst>
+                                        </p:cTn>
+                                        <p:tgtEl>
+                                          <p:spTgt spid="72"/>
+                                        </p:tgtEl>
+                                        <p:attrNameLst>
+                                          <p:attrName>style.visibility</p:attrName>
+                                        </p:attrNameLst>
+                                      </p:cBhvr>
+                                      <p:to>
+                                        <p:strVal val="visible"/>
+                                      </p:to>
+                                    </p:set>
+                                  </p:childTnLst>
+                                </p:cTn>
+                              </p:par>
+                              <p:par>
+                                <p:cTn id="63" presetID="1" presetClass="entr" presetSubtype="0" fill="hold" nodeType="withEffect">
+                                  <p:stCondLst>
+                                    <p:cond delay="0"/>
+                                  </p:stCondLst>
+                                  <p:childTnLst>
+                                    <p:set>
+                                      <p:cBhvr>
+                                        <p:cTn id="64" dur="1" fill="hold">
+                                          <p:stCondLst>
+                                            <p:cond delay="0"/>
+                                          </p:stCondLst>
+                                        </p:cTn>
+                                        <p:tgtEl>
+                                          <p:spTgt spid="73"/>
+                                        </p:tgtEl>
+                                        <p:attrNameLst>
+                                          <p:attrName>style.visibility</p:attrName>
+                                        </p:attrNameLst>
+                                      </p:cBhvr>
+                                      <p:to>
+                                        <p:strVal val="visible"/>
+                                      </p:to>
+                                    </p:set>
+                                  </p:childTnLst>
+                                </p:cTn>
+                              </p:par>
+                              <p:par>
+                                <p:cTn id="65" presetID="1" presetClass="entr" presetSubtype="0" fill="hold" nodeType="withEffect">
+                                  <p:stCondLst>
+                                    <p:cond delay="0"/>
+                                  </p:stCondLst>
+                                  <p:childTnLst>
+                                    <p:set>
+                                      <p:cBhvr>
+                                        <p:cTn id="66" dur="1" fill="hold">
+                                          <p:stCondLst>
+                                            <p:cond delay="0"/>
+                                          </p:stCondLst>
+                                        </p:cTn>
+                                        <p:tgtEl>
+                                          <p:spTgt spid="75"/>
+                                        </p:tgtEl>
+                                        <p:attrNameLst>
+                                          <p:attrName>style.visibility</p:attrName>
+                                        </p:attrNameLst>
+                                      </p:cBhvr>
+                                      <p:to>
+                                        <p:strVal val="visible"/>
+                                      </p:to>
+                                    </p:set>
+                                  </p:childTnLst>
+                                </p:cTn>
+                              </p:par>
+                            </p:childTnLst>
+                          </p:cTn>
+                        </p:par>
+                      </p:childTnLst>
+                    </p:cTn>
+                  </p:par>
+                  <p:par>
+                    <p:cTn id="67" fill="hold">
+                      <p:stCondLst>
+                        <p:cond delay="indefinite"/>
+                      </p:stCondLst>
+                      <p:childTnLst>
+                        <p:par>
+                          <p:cTn id="68" fill="hold">
+                            <p:stCondLst>
+                              <p:cond delay="0"/>
+                            </p:stCondLst>
+                            <p:childTnLst>
+                              <p:par>
+                                <p:cTn id="69" presetID="1" presetClass="entr" presetSubtype="0" fill="hold" grpId="0" nodeType="clickEffect">
+                                  <p:stCondLst>
+                                    <p:cond delay="0"/>
+                                  </p:stCondLst>
+                                  <p:childTnLst>
+                                    <p:set>
+                                      <p:cBhvr>
+                                        <p:cTn id="70" dur="1" fill="hold">
+                                          <p:stCondLst>
+                                            <p:cond delay="0"/>
+                                          </p:stCondLst>
+                                        </p:cTn>
+                                        <p:tgtEl>
+                                          <p:spTgt spid="61"/>
+                                        </p:tgtEl>
+                                        <p:attrNameLst>
+                                          <p:attrName>style.visibility</p:attrName>
+                                        </p:attrNameLst>
+                                      </p:cBhvr>
+                                      <p:to>
+                                        <p:strVal val="visible"/>
+                                      </p:to>
+                                    </p:set>
+                                  </p:childTnLst>
+                                </p:cTn>
+                              </p:par>
+                              <p:par>
+                                <p:cTn id="71" presetID="1" presetClass="entr" presetSubtype="0" fill="hold" nodeType="withEffect">
+                                  <p:stCondLst>
+                                    <p:cond delay="0"/>
+                                  </p:stCondLst>
+                                  <p:childTnLst>
+                                    <p:set>
+                                      <p:cBhvr>
+                                        <p:cTn id="72" dur="1" fill="hold">
+                                          <p:stCondLst>
+                                            <p:cond delay="0"/>
+                                          </p:stCondLst>
+                                        </p:cTn>
+                                        <p:tgtEl>
+                                          <p:spTgt spid="62"/>
+                                        </p:tgtEl>
+                                        <p:attrNameLst>
+                                          <p:attrName>style.visibility</p:attrName>
+                                        </p:attrNameLst>
+                                      </p:cBhvr>
+                                      <p:to>
+                                        <p:strVal val="visible"/>
+                                      </p:to>
+                                    </p:set>
+                                  </p:childTnLst>
+                                </p:cTn>
+                              </p:par>
+                              <p:par>
+                                <p:cTn id="73" presetID="1" presetClass="entr" presetSubtype="0" fill="hold" grpId="0" nodeType="withEffect">
+                                  <p:stCondLst>
+                                    <p:cond delay="0"/>
+                                  </p:stCondLst>
+                                  <p:childTnLst>
+                                    <p:set>
+                                      <p:cBhvr>
+                                        <p:cTn id="74" dur="1" fill="hold">
+                                          <p:stCondLst>
+                                            <p:cond delay="0"/>
+                                          </p:stCondLst>
+                                        </p:cTn>
+                                        <p:tgtEl>
+                                          <p:spTgt spid="63"/>
+                                        </p:tgtEl>
+                                        <p:attrNameLst>
+                                          <p:attrName>style.visibility</p:attrName>
+                                        </p:attrNameLst>
+                                      </p:cBhvr>
+                                      <p:to>
+                                        <p:strVal val="visible"/>
+                                      </p:to>
+                                    </p:set>
+                                  </p:childTnLst>
+                                </p:cTn>
+                              </p:par>
+                              <p:par>
+                                <p:cTn id="75" presetID="1" presetClass="entr" presetSubtype="0" fill="hold" nodeType="withEffect">
+                                  <p:stCondLst>
+                                    <p:cond delay="0"/>
+                                  </p:stCondLst>
+                                  <p:childTnLst>
+                                    <p:set>
+                                      <p:cBhvr>
+                                        <p:cTn id="76" dur="1" fill="hold">
+                                          <p:stCondLst>
+                                            <p:cond delay="0"/>
+                                          </p:stCondLst>
+                                        </p:cTn>
+                                        <p:tgtEl>
+                                          <p:spTgt spid="64"/>
+                                        </p:tgtEl>
+                                        <p:attrNameLst>
+                                          <p:attrName>style.visibility</p:attrName>
+                                        </p:attrNameLst>
+                                      </p:cBhvr>
+                                      <p:to>
+                                        <p:strVal val="visible"/>
+                                      </p:to>
+                                    </p:set>
+                                  </p:childTnLst>
+                                </p:cTn>
+                              </p:par>
+                              <p:par>
+                                <p:cTn id="77" presetID="1" presetClass="entr" presetSubtype="0" fill="hold" grpId="0" nodeType="withEffect">
+                                  <p:stCondLst>
+                                    <p:cond delay="0"/>
+                                  </p:stCondLst>
+                                  <p:childTnLst>
+                                    <p:set>
+                                      <p:cBhvr>
+                                        <p:cTn id="78" dur="1" fill="hold">
+                                          <p:stCondLst>
+                                            <p:cond delay="0"/>
+                                          </p:stCondLst>
+                                        </p:cTn>
+                                        <p:tgtEl>
+                                          <p:spTgt spid="67"/>
+                                        </p:tgtEl>
+                                        <p:attrNameLst>
+                                          <p:attrName>style.visibility</p:attrName>
+                                        </p:attrNameLst>
+                                      </p:cBhvr>
+                                      <p:to>
+                                        <p:strVal val="visible"/>
+                                      </p:to>
+                                    </p:set>
+                                  </p:childTnLst>
+                                </p:cTn>
+                              </p:par>
+                              <p:par>
+                                <p:cTn id="79" presetID="1" presetClass="entr" presetSubtype="0" fill="hold" nodeType="withEffect">
+                                  <p:stCondLst>
+                                    <p:cond delay="0"/>
+                                  </p:stCondLst>
+                                  <p:childTnLst>
+                                    <p:set>
+                                      <p:cBhvr>
+                                        <p:cTn id="80" dur="1" fill="hold">
+                                          <p:stCondLst>
+                                            <p:cond delay="0"/>
+                                          </p:stCondLst>
+                                        </p:cTn>
+                                        <p:tgtEl>
+                                          <p:spTgt spid="68"/>
+                                        </p:tgtEl>
+                                        <p:attrNameLst>
+                                          <p:attrName>style.visibility</p:attrName>
+                                        </p:attrNameLst>
+                                      </p:cBhvr>
+                                      <p:to>
+                                        <p:strVal val="visible"/>
+                                      </p:to>
+                                    </p:set>
+                                  </p:childTnLst>
+                                </p:cTn>
+                              </p:par>
+                            </p:childTnLst>
+                          </p:cTn>
+                        </p:par>
+                      </p:childTnLst>
+                    </p:cTn>
+                  </p:par>
+                </p:childTnLst>
+              </p:cTn>
+              <p:prevCondLst>
+                <p:cond evt="onPrev" delay="0">
+                  <p:tgtEl>
+                    <p:sldTgt/>
+                  </p:tgtEl>
+                </p:cond>
+              </p:prevCondLst>
+              <p:nextCondLst>
+                <p:cond evt="onNext" delay="0">
+                  <p:tgtEl>
+                    <p:sldTgt/>
+                  </p:tgtEl>
+                </p:cond>
+              </p:nextCondLst>
+            </p:seq>
+          </p:childTnLst>
+        </p:cTn>
+      </p:par>
+    </p:tnLst>
+    <p:bldLst>
+      <p:bldP spid="5" grpId="0" animBg="1"/>
+      <p:bldP spid="6" grpId="0" animBg="1"/>
+      <p:bldP spid="8" grpId="0" animBg="1"/>
+      <p:bldP spid="9" grpId="0" animBg="1"/>
+      <p:bldP spid="11" grpId="0" animBg="1"/>
+      <p:bldP spid="17" grpId="0" animBg="1"/>
+      <p:bldP spid="24" grpId="0" animBg="1"/>
+      <p:bldP spid="37" grpId="0" animBg="1"/>
+      <p:bldP spid="38" grpId="0" animBg="1"/>
+      <p:bldP spid="39" grpId="0" animBg="1"/>
+      <p:bldP spid="40" grpId="0" animBg="1"/>
+      <p:bldP spid="43" grpId="0" animBg="1"/>
+      <p:bldP spid="44" grpId="0" animBg="1"/>
+      <p:bldP spid="51" grpId="0" animBg="1"/>
+      <p:bldP spid="52" grpId="0" animBg="1"/>
+      <p:bldP spid="55" grpId="0" animBg="1"/>
+      <p:bldP spid="56" grpId="0" animBg="1"/>
+      <p:bldP spid="61" grpId="0" animBg="1"/>
+      <p:bldP spid="63" grpId="0" animBg="1"/>
+      <p:bldP spid="67" grpId="0" animBg="1"/>
+      <p:bldP spid="76" grpId="0" animBg="1"/>
+      <p:bldP spid="77" grpId="0" animBg="1"/>
+      <p:bldP spid="78" grpId="0" animBg="1"/>
+      <p:bldP spid="79" grpId="0" animBg="1"/>
+      <p:bldP spid="80" grpId="0" animBg="1"/>
+    </p:bldLst>
+  </p:timing>
 </p:sld>
 </file>
 
